--- a/DANK Data Challenge_repaired.pptx
+++ b/DANK Data Challenge_repaired.pptx
@@ -5,28 +5,32 @@
     <p:sldMasterId id="2147483648" r:id="rId1"/>
     <p:sldMasterId id="2147483661" r:id="rId2"/>
   </p:sldMasterIdLst>
+  <p:notesMasterIdLst>
+    <p:notesMasterId r:id="rId25"/>
+  </p:notesMasterIdLst>
   <p:sldIdLst>
     <p:sldId id="256" r:id="rId3"/>
     <p:sldId id="257" r:id="rId4"/>
     <p:sldId id="258" r:id="rId5"/>
     <p:sldId id="259" r:id="rId6"/>
     <p:sldId id="276" r:id="rId7"/>
-    <p:sldId id="260" r:id="rId8"/>
-    <p:sldId id="261" r:id="rId9"/>
-    <p:sldId id="262" r:id="rId10"/>
-    <p:sldId id="263" r:id="rId11"/>
-    <p:sldId id="264" r:id="rId12"/>
-    <p:sldId id="265" r:id="rId13"/>
-    <p:sldId id="266" r:id="rId14"/>
-    <p:sldId id="267" r:id="rId15"/>
-    <p:sldId id="268" r:id="rId16"/>
-    <p:sldId id="269" r:id="rId17"/>
-    <p:sldId id="270" r:id="rId18"/>
-    <p:sldId id="271" r:id="rId19"/>
-    <p:sldId id="272" r:id="rId20"/>
-    <p:sldId id="273" r:id="rId21"/>
-    <p:sldId id="274" r:id="rId22"/>
-    <p:sldId id="275" r:id="rId23"/>
+    <p:sldId id="278" r:id="rId8"/>
+    <p:sldId id="260" r:id="rId9"/>
+    <p:sldId id="261" r:id="rId10"/>
+    <p:sldId id="262" r:id="rId11"/>
+    <p:sldId id="263" r:id="rId12"/>
+    <p:sldId id="264" r:id="rId13"/>
+    <p:sldId id="265" r:id="rId14"/>
+    <p:sldId id="266" r:id="rId15"/>
+    <p:sldId id="267" r:id="rId16"/>
+    <p:sldId id="268" r:id="rId17"/>
+    <p:sldId id="269" r:id="rId18"/>
+    <p:sldId id="270" r:id="rId19"/>
+    <p:sldId id="271" r:id="rId20"/>
+    <p:sldId id="272" r:id="rId21"/>
+    <p:sldId id="273" r:id="rId22"/>
+    <p:sldId id="274" r:id="rId23"/>
+    <p:sldId id="275" r:id="rId24"/>
   </p:sldIdLst>
   <p:sldSz cx="12192000" cy="6858000"/>
   <p:notesSz cx="7772400" cy="10058400"/>
@@ -128,6 +132,532 @@
 </p:presentation>
 </file>
 
+<file path=ppt/notesMasters/notesMaster1.xml><?xml version="1.0" encoding="utf-8"?>
+<p:notesMaster xmlns:a="http://schemas.openxmlformats.org/drawingml/2006/main" xmlns:r="http://schemas.openxmlformats.org/officeDocument/2006/relationships" xmlns:p="http://schemas.openxmlformats.org/presentationml/2006/main">
+  <p:cSld>
+    <p:bg>
+      <p:bgRef idx="1001">
+        <a:schemeClr val="bg1"/>
+      </p:bgRef>
+    </p:bg>
+    <p:spTree>
+      <p:nvGrpSpPr>
+        <p:cNvPr id="1" name=""/>
+        <p:cNvGrpSpPr/>
+        <p:nvPr/>
+      </p:nvGrpSpPr>
+      <p:grpSpPr>
+        <a:xfrm>
+          <a:off x="0" y="0"/>
+          <a:ext cx="0" cy="0"/>
+          <a:chOff x="0" y="0"/>
+          <a:chExt cx="0" cy="0"/>
+        </a:xfrm>
+      </p:grpSpPr>
+      <p:sp>
+        <p:nvSpPr>
+          <p:cNvPr id="2" name="Überschriftenplatzhalter 1"/>
+          <p:cNvSpPr>
+            <a:spLocks noGrp="1"/>
+          </p:cNvSpPr>
+          <p:nvPr>
+            <p:ph type="hdr" sz="quarter"/>
+          </p:nvPr>
+        </p:nvSpPr>
+        <p:spPr>
+          <a:xfrm>
+            <a:off x="0" y="0"/>
+            <a:ext cx="3368675" cy="503238"/>
+          </a:xfrm>
+          <a:prstGeom prst="rect">
+            <a:avLst/>
+          </a:prstGeom>
+        </p:spPr>
+        <p:txBody>
+          <a:bodyPr vert="horz" lIns="91440" tIns="45720" rIns="91440" bIns="45720" rtlCol="0"/>
+          <a:lstStyle>
+            <a:lvl1pPr algn="l">
+              <a:defRPr sz="1200"/>
+            </a:lvl1pPr>
+          </a:lstStyle>
+          <a:p>
+            <a:endParaRPr lang="de-DE"/>
+          </a:p>
+        </p:txBody>
+      </p:sp>
+      <p:sp>
+        <p:nvSpPr>
+          <p:cNvPr id="3" name="Datumsplatzhalter 2"/>
+          <p:cNvSpPr>
+            <a:spLocks noGrp="1"/>
+          </p:cNvSpPr>
+          <p:nvPr>
+            <p:ph type="dt" idx="1"/>
+          </p:nvPr>
+        </p:nvSpPr>
+        <p:spPr>
+          <a:xfrm>
+            <a:off x="4402138" y="0"/>
+            <a:ext cx="3368675" cy="503238"/>
+          </a:xfrm>
+          <a:prstGeom prst="rect">
+            <a:avLst/>
+          </a:prstGeom>
+        </p:spPr>
+        <p:txBody>
+          <a:bodyPr vert="horz" lIns="91440" tIns="45720" rIns="91440" bIns="45720" rtlCol="0"/>
+          <a:lstStyle>
+            <a:lvl1pPr algn="r">
+              <a:defRPr sz="1200"/>
+            </a:lvl1pPr>
+          </a:lstStyle>
+          <a:p>
+            <a:fld id="{8CFF711B-64CE-0840-B420-086EB184A473}" type="datetimeFigureOut">
+              <a:rPr lang="de-DE" smtClean="0"/>
+              <a:t>20.11.15</a:t>
+            </a:fld>
+            <a:endParaRPr lang="de-DE"/>
+          </a:p>
+        </p:txBody>
+      </p:sp>
+      <p:sp>
+        <p:nvSpPr>
+          <p:cNvPr id="4" name="Folienbildplatzhalter 3"/>
+          <p:cNvSpPr>
+            <a:spLocks noGrp="1" noRot="1" noChangeAspect="1"/>
+          </p:cNvSpPr>
+          <p:nvPr>
+            <p:ph type="sldImg" idx="2"/>
+          </p:nvPr>
+        </p:nvSpPr>
+        <p:spPr>
+          <a:xfrm>
+            <a:off x="533400" y="754063"/>
+            <a:ext cx="6705600" cy="3771900"/>
+          </a:xfrm>
+          <a:prstGeom prst="rect">
+            <a:avLst/>
+          </a:prstGeom>
+          <a:noFill/>
+          <a:ln w="12700">
+            <a:solidFill>
+              <a:prstClr val="black"/>
+            </a:solidFill>
+          </a:ln>
+        </p:spPr>
+        <p:txBody>
+          <a:bodyPr vert="horz" lIns="91440" tIns="45720" rIns="91440" bIns="45720" rtlCol="0" anchor="ctr"/>
+          <a:lstStyle/>
+          <a:p>
+            <a:endParaRPr lang="de-DE"/>
+          </a:p>
+        </p:txBody>
+      </p:sp>
+      <p:sp>
+        <p:nvSpPr>
+          <p:cNvPr id="5" name="Notizenplatzhalter 4"/>
+          <p:cNvSpPr>
+            <a:spLocks noGrp="1"/>
+          </p:cNvSpPr>
+          <p:nvPr>
+            <p:ph type="body" sz="quarter" idx="3"/>
+          </p:nvPr>
+        </p:nvSpPr>
+        <p:spPr>
+          <a:xfrm>
+            <a:off x="777875" y="4778375"/>
+            <a:ext cx="6216650" cy="4525963"/>
+          </a:xfrm>
+          <a:prstGeom prst="rect">
+            <a:avLst/>
+          </a:prstGeom>
+        </p:spPr>
+        <p:txBody>
+          <a:bodyPr vert="horz" lIns="91440" tIns="45720" rIns="91440" bIns="45720" rtlCol="0"/>
+          <a:lstStyle/>
+          <a:p>
+            <a:pPr lvl="0"/>
+            <a:r>
+              <a:rPr lang="de-DE" smtClean="0"/>
+              <a:t>Mastertextformat bearbeiten</a:t>
+            </a:r>
+          </a:p>
+          <a:p>
+            <a:pPr lvl="1"/>
+            <a:r>
+              <a:rPr lang="de-DE" smtClean="0"/>
+              <a:t>Zweite Ebene</a:t>
+            </a:r>
+          </a:p>
+          <a:p>
+            <a:pPr lvl="2"/>
+            <a:r>
+              <a:rPr lang="de-DE" smtClean="0"/>
+              <a:t>Dritte Ebene</a:t>
+            </a:r>
+          </a:p>
+          <a:p>
+            <a:pPr lvl="3"/>
+            <a:r>
+              <a:rPr lang="de-DE" smtClean="0"/>
+              <a:t>Vierte Ebene</a:t>
+            </a:r>
+          </a:p>
+          <a:p>
+            <a:pPr lvl="4"/>
+            <a:r>
+              <a:rPr lang="de-DE" smtClean="0"/>
+              <a:t>Fünfte Ebene</a:t>
+            </a:r>
+            <a:endParaRPr lang="de-DE"/>
+          </a:p>
+        </p:txBody>
+      </p:sp>
+      <p:sp>
+        <p:nvSpPr>
+          <p:cNvPr id="6" name="Fußzeilenplatzhalter 5"/>
+          <p:cNvSpPr>
+            <a:spLocks noGrp="1"/>
+          </p:cNvSpPr>
+          <p:nvPr>
+            <p:ph type="ftr" sz="quarter" idx="4"/>
+          </p:nvPr>
+        </p:nvSpPr>
+        <p:spPr>
+          <a:xfrm>
+            <a:off x="0" y="9553575"/>
+            <a:ext cx="3368675" cy="503238"/>
+          </a:xfrm>
+          <a:prstGeom prst="rect">
+            <a:avLst/>
+          </a:prstGeom>
+        </p:spPr>
+        <p:txBody>
+          <a:bodyPr vert="horz" lIns="91440" tIns="45720" rIns="91440" bIns="45720" rtlCol="0" anchor="b"/>
+          <a:lstStyle>
+            <a:lvl1pPr algn="l">
+              <a:defRPr sz="1200"/>
+            </a:lvl1pPr>
+          </a:lstStyle>
+          <a:p>
+            <a:endParaRPr lang="de-DE"/>
+          </a:p>
+        </p:txBody>
+      </p:sp>
+      <p:sp>
+        <p:nvSpPr>
+          <p:cNvPr id="7" name="Foliennummernplatzhalter 6"/>
+          <p:cNvSpPr>
+            <a:spLocks noGrp="1"/>
+          </p:cNvSpPr>
+          <p:nvPr>
+            <p:ph type="sldNum" sz="quarter" idx="5"/>
+          </p:nvPr>
+        </p:nvSpPr>
+        <p:spPr>
+          <a:xfrm>
+            <a:off x="4402138" y="9553575"/>
+            <a:ext cx="3368675" cy="503238"/>
+          </a:xfrm>
+          <a:prstGeom prst="rect">
+            <a:avLst/>
+          </a:prstGeom>
+        </p:spPr>
+        <p:txBody>
+          <a:bodyPr vert="horz" lIns="91440" tIns="45720" rIns="91440" bIns="45720" rtlCol="0" anchor="b"/>
+          <a:lstStyle>
+            <a:lvl1pPr algn="r">
+              <a:defRPr sz="1200"/>
+            </a:lvl1pPr>
+          </a:lstStyle>
+          <a:p>
+            <a:fld id="{B067E494-A873-F644-8E00-D006D2B13259}" type="slidenum">
+              <a:rPr lang="de-DE" smtClean="0"/>
+              <a:t>‹Nr.›</a:t>
+            </a:fld>
+            <a:endParaRPr lang="de-DE"/>
+          </a:p>
+        </p:txBody>
+      </p:sp>
+    </p:spTree>
+    <p:extLst>
+      <p:ext uri="{BB962C8B-B14F-4D97-AF65-F5344CB8AC3E}">
+        <p14:creationId xmlns:p14="http://schemas.microsoft.com/office/powerpoint/2010/main" val="2716779027"/>
+      </p:ext>
+    </p:extLst>
+  </p:cSld>
+  <p:clrMap bg1="lt1" tx1="dk1" bg2="lt2" tx2="dk2" accent1="accent1" accent2="accent2" accent3="accent3" accent4="accent4" accent5="accent5" accent6="accent6" hlink="hlink" folHlink="folHlink"/>
+  <p:notesStyle>
+    <a:lvl1pPr marL="0" algn="l" defTabSz="457200" rtl="0" eaLnBrk="1" latinLnBrk="0" hangingPunct="1">
+      <a:defRPr sz="1200" kern="1200">
+        <a:solidFill>
+          <a:schemeClr val="tx1"/>
+        </a:solidFill>
+        <a:latin typeface="+mn-lt"/>
+        <a:ea typeface="+mn-ea"/>
+        <a:cs typeface="+mn-cs"/>
+      </a:defRPr>
+    </a:lvl1pPr>
+    <a:lvl2pPr marL="457200" algn="l" defTabSz="457200" rtl="0" eaLnBrk="1" latinLnBrk="0" hangingPunct="1">
+      <a:defRPr sz="1200" kern="1200">
+        <a:solidFill>
+          <a:schemeClr val="tx1"/>
+        </a:solidFill>
+        <a:latin typeface="+mn-lt"/>
+        <a:ea typeface="+mn-ea"/>
+        <a:cs typeface="+mn-cs"/>
+      </a:defRPr>
+    </a:lvl2pPr>
+    <a:lvl3pPr marL="914400" algn="l" defTabSz="457200" rtl="0" eaLnBrk="1" latinLnBrk="0" hangingPunct="1">
+      <a:defRPr sz="1200" kern="1200">
+        <a:solidFill>
+          <a:schemeClr val="tx1"/>
+        </a:solidFill>
+        <a:latin typeface="+mn-lt"/>
+        <a:ea typeface="+mn-ea"/>
+        <a:cs typeface="+mn-cs"/>
+      </a:defRPr>
+    </a:lvl3pPr>
+    <a:lvl4pPr marL="1371600" algn="l" defTabSz="457200" rtl="0" eaLnBrk="1" latinLnBrk="0" hangingPunct="1">
+      <a:defRPr sz="1200" kern="1200">
+        <a:solidFill>
+          <a:schemeClr val="tx1"/>
+        </a:solidFill>
+        <a:latin typeface="+mn-lt"/>
+        <a:ea typeface="+mn-ea"/>
+        <a:cs typeface="+mn-cs"/>
+      </a:defRPr>
+    </a:lvl4pPr>
+    <a:lvl5pPr marL="1828800" algn="l" defTabSz="457200" rtl="0" eaLnBrk="1" latinLnBrk="0" hangingPunct="1">
+      <a:defRPr sz="1200" kern="1200">
+        <a:solidFill>
+          <a:schemeClr val="tx1"/>
+        </a:solidFill>
+        <a:latin typeface="+mn-lt"/>
+        <a:ea typeface="+mn-ea"/>
+        <a:cs typeface="+mn-cs"/>
+      </a:defRPr>
+    </a:lvl5pPr>
+    <a:lvl6pPr marL="2286000" algn="l" defTabSz="457200" rtl="0" eaLnBrk="1" latinLnBrk="0" hangingPunct="1">
+      <a:defRPr sz="1200" kern="1200">
+        <a:solidFill>
+          <a:schemeClr val="tx1"/>
+        </a:solidFill>
+        <a:latin typeface="+mn-lt"/>
+        <a:ea typeface="+mn-ea"/>
+        <a:cs typeface="+mn-cs"/>
+      </a:defRPr>
+    </a:lvl6pPr>
+    <a:lvl7pPr marL="2743200" algn="l" defTabSz="457200" rtl="0" eaLnBrk="1" latinLnBrk="0" hangingPunct="1">
+      <a:defRPr sz="1200" kern="1200">
+        <a:solidFill>
+          <a:schemeClr val="tx1"/>
+        </a:solidFill>
+        <a:latin typeface="+mn-lt"/>
+        <a:ea typeface="+mn-ea"/>
+        <a:cs typeface="+mn-cs"/>
+      </a:defRPr>
+    </a:lvl7pPr>
+    <a:lvl8pPr marL="3200400" algn="l" defTabSz="457200" rtl="0" eaLnBrk="1" latinLnBrk="0" hangingPunct="1">
+      <a:defRPr sz="1200" kern="1200">
+        <a:solidFill>
+          <a:schemeClr val="tx1"/>
+        </a:solidFill>
+        <a:latin typeface="+mn-lt"/>
+        <a:ea typeface="+mn-ea"/>
+        <a:cs typeface="+mn-cs"/>
+      </a:defRPr>
+    </a:lvl8pPr>
+    <a:lvl9pPr marL="3657600" algn="l" defTabSz="457200" rtl="0" eaLnBrk="1" latinLnBrk="0" hangingPunct="1">
+      <a:defRPr sz="1200" kern="1200">
+        <a:solidFill>
+          <a:schemeClr val="tx1"/>
+        </a:solidFill>
+        <a:latin typeface="+mn-lt"/>
+        <a:ea typeface="+mn-ea"/>
+        <a:cs typeface="+mn-cs"/>
+      </a:defRPr>
+    </a:lvl9pPr>
+  </p:notesStyle>
+</p:notesMaster>
+</file>
+
+<file path=ppt/notesSlides/notesSlide1.xml><?xml version="1.0" encoding="utf-8"?>
+<p:notes xmlns:a="http://schemas.openxmlformats.org/drawingml/2006/main" xmlns:r="http://schemas.openxmlformats.org/officeDocument/2006/relationships" xmlns:p="http://schemas.openxmlformats.org/presentationml/2006/main">
+  <p:cSld>
+    <p:spTree>
+      <p:nvGrpSpPr>
+        <p:cNvPr id="1" name=""/>
+        <p:cNvGrpSpPr/>
+        <p:nvPr/>
+      </p:nvGrpSpPr>
+      <p:grpSpPr>
+        <a:xfrm>
+          <a:off x="0" y="0"/>
+          <a:ext cx="0" cy="0"/>
+          <a:chOff x="0" y="0"/>
+          <a:chExt cx="0" cy="0"/>
+        </a:xfrm>
+      </p:grpSpPr>
+      <p:sp>
+        <p:nvSpPr>
+          <p:cNvPr id="2" name="Folienbildplatzhalter 1"/>
+          <p:cNvSpPr>
+            <a:spLocks noGrp="1" noRot="1" noChangeAspect="1"/>
+          </p:cNvSpPr>
+          <p:nvPr>
+            <p:ph type="sldImg"/>
+          </p:nvPr>
+        </p:nvSpPr>
+        <p:spPr/>
+      </p:sp>
+      <p:sp>
+        <p:nvSpPr>
+          <p:cNvPr id="3" name="Notizenplatzhalter 2"/>
+          <p:cNvSpPr>
+            <a:spLocks noGrp="1"/>
+          </p:cNvSpPr>
+          <p:nvPr>
+            <p:ph type="body" idx="1"/>
+          </p:nvPr>
+        </p:nvSpPr>
+        <p:spPr/>
+        <p:txBody>
+          <a:bodyPr/>
+          <a:lstStyle/>
+          <a:p>
+            <a:endParaRPr lang="de-DE" dirty="0"/>
+          </a:p>
+        </p:txBody>
+      </p:sp>
+      <p:sp>
+        <p:nvSpPr>
+          <p:cNvPr id="4" name="Foliennummernplatzhalter 3"/>
+          <p:cNvSpPr>
+            <a:spLocks noGrp="1"/>
+          </p:cNvSpPr>
+          <p:nvPr>
+            <p:ph type="sldNum" sz="quarter" idx="10"/>
+          </p:nvPr>
+        </p:nvSpPr>
+        <p:spPr/>
+        <p:txBody>
+          <a:bodyPr/>
+          <a:lstStyle/>
+          <a:p>
+            <a:fld id="{B067E494-A873-F644-8E00-D006D2B13259}" type="slidenum">
+              <a:rPr lang="de-DE" smtClean="0"/>
+              <a:t>3</a:t>
+            </a:fld>
+            <a:endParaRPr lang="de-DE"/>
+          </a:p>
+        </p:txBody>
+      </p:sp>
+    </p:spTree>
+    <p:extLst>
+      <p:ext uri="{BB962C8B-B14F-4D97-AF65-F5344CB8AC3E}">
+        <p14:creationId xmlns:p14="http://schemas.microsoft.com/office/powerpoint/2010/main" val="3461131070"/>
+      </p:ext>
+    </p:extLst>
+  </p:cSld>
+  <p:clrMapOvr>
+    <a:masterClrMapping/>
+  </p:clrMapOvr>
+</p:notes>
+</file>
+
+<file path=ppt/notesSlides/notesSlide2.xml><?xml version="1.0" encoding="utf-8"?>
+<p:notes xmlns:a="http://schemas.openxmlformats.org/drawingml/2006/main" xmlns:r="http://schemas.openxmlformats.org/officeDocument/2006/relationships" xmlns:p="http://schemas.openxmlformats.org/presentationml/2006/main">
+  <p:cSld>
+    <p:spTree>
+      <p:nvGrpSpPr>
+        <p:cNvPr id="1" name=""/>
+        <p:cNvGrpSpPr/>
+        <p:nvPr/>
+      </p:nvGrpSpPr>
+      <p:grpSpPr>
+        <a:xfrm>
+          <a:off x="0" y="0"/>
+          <a:ext cx="0" cy="0"/>
+          <a:chOff x="0" y="0"/>
+          <a:chExt cx="0" cy="0"/>
+        </a:xfrm>
+      </p:grpSpPr>
+      <p:sp>
+        <p:nvSpPr>
+          <p:cNvPr id="2" name="Folienbildplatzhalter 1"/>
+          <p:cNvSpPr>
+            <a:spLocks noGrp="1" noRot="1" noChangeAspect="1"/>
+          </p:cNvSpPr>
+          <p:nvPr>
+            <p:ph type="sldImg"/>
+          </p:nvPr>
+        </p:nvSpPr>
+        <p:spPr/>
+      </p:sp>
+      <p:sp>
+        <p:nvSpPr>
+          <p:cNvPr id="3" name="Notizenplatzhalter 2"/>
+          <p:cNvSpPr>
+            <a:spLocks noGrp="1"/>
+          </p:cNvSpPr>
+          <p:nvPr>
+            <p:ph type="body" idx="1"/>
+          </p:nvPr>
+        </p:nvSpPr>
+        <p:spPr/>
+        <p:txBody>
+          <a:bodyPr/>
+          <a:lstStyle/>
+          <a:p>
+            <a:r>
+              <a:rPr lang="de-DE" dirty="0" smtClean="0"/>
+              <a:t>Aufpreis mit 15</a:t>
+            </a:r>
+            <a:r>
+              <a:rPr lang="de-DE" baseline="0" dirty="0" smtClean="0"/>
+              <a:t> </a:t>
+            </a:r>
+            <a:endParaRPr lang="de-DE" dirty="0"/>
+          </a:p>
+        </p:txBody>
+      </p:sp>
+      <p:sp>
+        <p:nvSpPr>
+          <p:cNvPr id="4" name="Foliennummernplatzhalter 3"/>
+          <p:cNvSpPr>
+            <a:spLocks noGrp="1"/>
+          </p:cNvSpPr>
+          <p:nvPr>
+            <p:ph type="sldNum" sz="quarter" idx="10"/>
+          </p:nvPr>
+        </p:nvSpPr>
+        <p:spPr/>
+        <p:txBody>
+          <a:bodyPr/>
+          <a:lstStyle/>
+          <a:p>
+            <a:fld id="{B067E494-A873-F644-8E00-D006D2B13259}" type="slidenum">
+              <a:rPr lang="de-DE" smtClean="0"/>
+              <a:t>4</a:t>
+            </a:fld>
+            <a:endParaRPr lang="de-DE"/>
+          </a:p>
+        </p:txBody>
+      </p:sp>
+    </p:spTree>
+    <p:extLst>
+      <p:ext uri="{BB962C8B-B14F-4D97-AF65-F5344CB8AC3E}">
+        <p14:creationId xmlns:p14="http://schemas.microsoft.com/office/powerpoint/2010/main" val="2109580061"/>
+      </p:ext>
+    </p:extLst>
+  </p:cSld>
+  <p:clrMapOvr>
+    <a:masterClrMapping/>
+  </p:clrMapOvr>
+</p:notes>
+</file>
+
 <file path=ppt/slideLayouts/slideLayout1.xml><?xml version="1.0" encoding="utf-8"?>
 <p:sldLayout xmlns:a="http://schemas.openxmlformats.org/drawingml/2006/main" xmlns:r="http://schemas.openxmlformats.org/officeDocument/2006/relationships" xmlns:p="http://schemas.openxmlformats.org/presentationml/2006/main" type="blank" preserve="1">
   <p:cSld name="Blank Slide">
@@ -3522,7 +4052,7 @@
       </p:grpSpPr>
       <p:sp>
         <p:nvSpPr>
-          <p:cNvPr id="95" name="TextShape 1"/>
+          <p:cNvPr id="93" name="TextShape 1"/>
           <p:cNvSpPr txBox="1"/>
           <p:nvPr/>
         </p:nvSpPr>
@@ -3560,15 +4090,15 @@
                 </a:uFill>
                 <a:latin typeface="Calibri Light"/>
               </a:rPr>
-              <a:t>Assoziationsregeln</a:t>
-            </a:r>
-            <a:endParaRPr/>
-          </a:p>
-        </p:txBody>
-      </p:sp>
-      <p:sp>
-        <p:nvSpPr>
-          <p:cNvPr id="96" name="TextShape 2"/>
+              <a:t>Assoziationsregeln – Pakete</a:t>
+            </a:r>
+            <a:endParaRPr/>
+          </a:p>
+        </p:txBody>
+      </p:sp>
+      <p:sp>
+        <p:nvSpPr>
+          <p:cNvPr id="94" name="TextShape 2"/>
           <p:cNvSpPr txBox="1"/>
           <p:nvPr/>
         </p:nvSpPr>
@@ -3608,337 +4138,269 @@
                 </a:uFill>
                 <a:latin typeface="Calibri"/>
               </a:rPr>
-              <a:t>Beispieloutput (nur Schritt 7, Voraussetzung enthält nur ein Element, Konfidenz &lt; 100%)</a:t>
-            </a:r>
-            <a:endParaRPr/>
-          </a:p>
-          <a:p>
-            <a:pPr>
+              <a:t>Einschränkung auf Regeln mit Paketen als Voraussetzung:</a:t>
+            </a:r>
+            <a:endParaRPr/>
+          </a:p>
+          <a:p>
+            <a:pPr marL="228600" indent="-228240">
               <a:lnSpc>
                 <a:spcPct val="90000"/>
               </a:lnSpc>
-            </a:pPr>
-            <a:r>
-              <a:rPr lang="de-DE" sz="1200" strike="noStrike" spc="-1">
-                <a:solidFill>
-                  <a:srgbClr val="000000"/>
-                </a:solidFill>
-                <a:uFill>
-                  <a:solidFill>
-                    <a:srgbClr val="FFFFFF"/>
-                  </a:solidFill>
-                </a:uFill>
-                <a:latin typeface="Courier New"/>
-              </a:rPr>
-              <a:t>84.03% of 58428 people: If (Variable Sportlenkung) then (Sitzheizung für Fahrer und Beifahrer)</a:t>
-            </a:r>
-            <a:endParaRPr/>
-          </a:p>
-          <a:p>
-            <a:pPr>
-              <a:lnSpc>
-                <a:spcPct val="90000"/>
-              </a:lnSpc>
-            </a:pPr>
-            <a:r>
-              <a:rPr lang="de-DE" sz="1200" strike="noStrike" spc="-1">
-                <a:solidFill>
-                  <a:srgbClr val="000000"/>
-                </a:solidFill>
-                <a:uFill>
-                  <a:solidFill>
-                    <a:srgbClr val="FFFFFF"/>
-                  </a:solidFill>
-                </a:uFill>
-                <a:latin typeface="Courier New"/>
-              </a:rPr>
-              <a:t>85.07% of 69680 people: If (Vollelektrische Sitzverstellung mit Memoryfunktion für Fahrer) then (Navigationssystem Business)</a:t>
-            </a:r>
-            <a:endParaRPr/>
-          </a:p>
-          <a:p>
-            <a:pPr>
-              <a:lnSpc>
-                <a:spcPct val="90000"/>
-              </a:lnSpc>
-            </a:pPr>
-            <a:r>
-              <a:rPr lang="de-DE" sz="1200" strike="noStrike" spc="-1">
-                <a:solidFill>
-                  <a:srgbClr val="000000"/>
-                </a:solidFill>
-                <a:uFill>
-                  <a:solidFill>
-                    <a:srgbClr val="FFFFFF"/>
-                  </a:solidFill>
-                </a:uFill>
-                <a:latin typeface="Courier New"/>
-              </a:rPr>
-              <a:t>85.09% of 42318 people: If (Head Up Display (HUD)) then (Klimaautomatik, 2 Zonen mit erweitertem Umfang)</a:t>
-            </a:r>
-            <a:endParaRPr/>
-          </a:p>
-          <a:p>
-            <a:pPr>
-              <a:lnSpc>
-                <a:spcPct val="90000"/>
-              </a:lnSpc>
-            </a:pPr>
-            <a:r>
-              <a:rPr lang="de-DE" sz="1200" strike="noStrike" spc="-1">
-                <a:solidFill>
-                  <a:srgbClr val="000000"/>
-                </a:solidFill>
-                <a:uFill>
-                  <a:solidFill>
-                    <a:srgbClr val="FFFFFF"/>
-                  </a:solidFill>
-                </a:uFill>
-                <a:latin typeface="Courier New"/>
-              </a:rPr>
-              <a:t>85.16% of 42918 people: If (Spurverlassenswarnung) then (Sitzheizung für Fahrer und Beifahrer)</a:t>
-            </a:r>
-            <a:endParaRPr/>
-          </a:p>
-          <a:p>
-            <a:pPr>
-              <a:lnSpc>
-                <a:spcPct val="90000"/>
-              </a:lnSpc>
-            </a:pPr>
-            <a:r>
-              <a:rPr lang="de-DE" sz="1200" strike="noStrike" spc="-1">
-                <a:solidFill>
-                  <a:srgbClr val="000000"/>
-                </a:solidFill>
-                <a:uFill>
-                  <a:solidFill>
-                    <a:srgbClr val="FFFFFF"/>
-                  </a:solidFill>
-                </a:uFill>
-                <a:latin typeface="Courier New"/>
-              </a:rPr>
-              <a:t>85.21% of 42378 people: If (Head Up Display (HUD)) then (Xenonlicht für Abblend- und Fernlicht)</a:t>
-            </a:r>
-            <a:endParaRPr/>
-          </a:p>
-          <a:p>
-            <a:pPr>
-              <a:lnSpc>
-                <a:spcPct val="90000"/>
-              </a:lnSpc>
-            </a:pPr>
-            <a:r>
-              <a:rPr lang="de-DE" sz="1200" strike="noStrike" spc="-1">
-                <a:solidFill>
-                  <a:srgbClr val="000000"/>
-                </a:solidFill>
-                <a:uFill>
-                  <a:solidFill>
-                    <a:srgbClr val="FFFFFF"/>
-                  </a:solidFill>
-                </a:uFill>
-                <a:latin typeface="Courier New"/>
-              </a:rPr>
-              <a:t>85.26% of 42970 people: If (Spurverlassenswarnung) then (Klimaautomatik, 2 Zonen mit erweitertem Umfang)</a:t>
-            </a:r>
-            <a:endParaRPr/>
-          </a:p>
-          <a:p>
-            <a:pPr>
-              <a:lnSpc>
-                <a:spcPct val="90000"/>
-              </a:lnSpc>
-            </a:pPr>
-            <a:r>
-              <a:rPr lang="de-DE" sz="1200" strike="noStrike" spc="-1">
-                <a:solidFill>
-                  <a:srgbClr val="000000"/>
-                </a:solidFill>
-                <a:uFill>
-                  <a:solidFill>
-                    <a:srgbClr val="FFFFFF"/>
-                  </a:solidFill>
-                </a:uFill>
-                <a:latin typeface="Courier New"/>
-              </a:rPr>
-              <a:t>85.33% of 36395 people: If (Sonnenschutzrollo für Heckscheibe, elektrisch) then (Navigationssystem Business)</a:t>
-            </a:r>
-            <a:endParaRPr/>
-          </a:p>
-          <a:p>
-            <a:pPr>
-              <a:lnSpc>
-                <a:spcPct val="90000"/>
-              </a:lnSpc>
-            </a:pPr>
-            <a:r>
-              <a:rPr lang="de-DE" sz="1200" strike="noStrike" spc="-1">
-                <a:solidFill>
-                  <a:srgbClr val="000000"/>
-                </a:solidFill>
-                <a:uFill>
-                  <a:solidFill>
-                    <a:srgbClr val="FFFFFF"/>
-                  </a:solidFill>
-                </a:uFill>
-                <a:latin typeface="Courier New"/>
-              </a:rPr>
-              <a:t>85.36% of 59354 people: If (Variable Sportlenkung) then (Parkassistent)</a:t>
-            </a:r>
-            <a:endParaRPr/>
-          </a:p>
-          <a:p>
-            <a:pPr>
-              <a:lnSpc>
-                <a:spcPct val="90000"/>
-              </a:lnSpc>
-            </a:pPr>
-            <a:r>
-              <a:rPr lang="de-DE" sz="1200" strike="noStrike" spc="-1">
-                <a:solidFill>
-                  <a:srgbClr val="000000"/>
-                </a:solidFill>
-                <a:uFill>
-                  <a:solidFill>
-                    <a:srgbClr val="FFFFFF"/>
-                  </a:solidFill>
-                </a:uFill>
-                <a:latin typeface="Courier New"/>
-              </a:rPr>
-              <a:t>85.76% of 49882 people: If (Komfortzugang) then (Xenonlicht für Abblend- und Fernlicht)</a:t>
-            </a:r>
-            <a:endParaRPr/>
-          </a:p>
-          <a:p>
-            <a:pPr>
-              <a:lnSpc>
-                <a:spcPct val="90000"/>
-              </a:lnSpc>
-            </a:pPr>
-            <a:r>
-              <a:rPr lang="de-DE" sz="1200" strike="noStrike" spc="-1">
-                <a:solidFill>
-                  <a:srgbClr val="000000"/>
-                </a:solidFill>
-                <a:uFill>
-                  <a:solidFill>
-                    <a:srgbClr val="FFFFFF"/>
-                  </a:solidFill>
-                </a:uFill>
-                <a:latin typeface="Courier New"/>
-              </a:rPr>
-              <a:t>86.54% of 70885 people: If (Vollelektrische Sitzverstellung mit Memoryfunktion für Fahrer) then (Xenonlicht für Abblend- und Fernlicht)</a:t>
-            </a:r>
-            <a:endParaRPr/>
-          </a:p>
-          <a:p>
-            <a:pPr>
-              <a:lnSpc>
-                <a:spcPct val="90000"/>
-              </a:lnSpc>
-            </a:pPr>
-            <a:r>
-              <a:rPr lang="de-DE" sz="1200" strike="noStrike" spc="-1">
-                <a:solidFill>
-                  <a:srgbClr val="000000"/>
-                </a:solidFill>
-                <a:uFill>
-                  <a:solidFill>
-                    <a:srgbClr val="FFFFFF"/>
-                  </a:solidFill>
-                </a:uFill>
-                <a:latin typeface="Courier New"/>
-              </a:rPr>
-              <a:t>87.09% of 43892 people: If (Spurverlassenswarnung) then (Parkassistent)</a:t>
-            </a:r>
-            <a:endParaRPr/>
-          </a:p>
-          <a:p>
-            <a:pPr>
-              <a:lnSpc>
-                <a:spcPct val="90000"/>
-              </a:lnSpc>
-            </a:pPr>
-            <a:r>
-              <a:rPr lang="de-DE" sz="1200" strike="noStrike" spc="-1">
-                <a:solidFill>
-                  <a:srgbClr val="000000"/>
-                </a:solidFill>
-                <a:uFill>
-                  <a:solidFill>
-                    <a:srgbClr val="FFFFFF"/>
-                  </a:solidFill>
-                </a:uFill>
-                <a:latin typeface="Courier New"/>
-              </a:rPr>
-              <a:t>88.64% of 44675 people: If (Spurverlassenswarnung) then (Navigationssystem Business)</a:t>
-            </a:r>
-            <a:endParaRPr/>
-          </a:p>
-          <a:p>
-            <a:pPr>
-              <a:lnSpc>
-                <a:spcPct val="90000"/>
-              </a:lnSpc>
-            </a:pPr>
-            <a:r>
-              <a:rPr lang="de-DE" sz="1200" strike="noStrike" spc="-1">
-                <a:solidFill>
-                  <a:srgbClr val="000000"/>
-                </a:solidFill>
-                <a:uFill>
-                  <a:solidFill>
-                    <a:srgbClr val="FFFFFF"/>
-                  </a:solidFill>
-                </a:uFill>
-                <a:latin typeface="Courier New"/>
-              </a:rPr>
-              <a:t>88.97% of 51749 people: If (Komfortzugang) then (Navigationssystem Business)</a:t>
-            </a:r>
-            <a:endParaRPr/>
-          </a:p>
-          <a:p>
-            <a:pPr>
-              <a:lnSpc>
-                <a:spcPct val="90000"/>
-              </a:lnSpc>
-            </a:pPr>
-            <a:r>
-              <a:rPr lang="de-DE" sz="1200" strike="noStrike" spc="-1">
-                <a:solidFill>
-                  <a:srgbClr val="000000"/>
-                </a:solidFill>
-                <a:uFill>
-                  <a:solidFill>
-                    <a:srgbClr val="FFFFFF"/>
-                  </a:solidFill>
-                </a:uFill>
-                <a:latin typeface="Courier New"/>
-              </a:rPr>
-              <a:t>90.54% of 52662 people: If (Komfortzugang) then (Sitzheizung für Fahrer und Beifahrer)</a:t>
-            </a:r>
-            <a:endParaRPr/>
-          </a:p>
-          <a:p>
-            <a:pPr>
-              <a:lnSpc>
-                <a:spcPct val="90000"/>
-              </a:lnSpc>
-            </a:pPr>
-            <a:r>
-              <a:rPr lang="de-DE" sz="1200" strike="noStrike" spc="-1">
-                <a:solidFill>
-                  <a:srgbClr val="000000"/>
-                </a:solidFill>
-                <a:uFill>
-                  <a:solidFill>
-                    <a:srgbClr val="FFFFFF"/>
-                  </a:solidFill>
-                </a:uFill>
-                <a:latin typeface="Courier New"/>
-              </a:rPr>
-              <a:t>90.92% of 54429 people: If (Spurwechselwarnung) then (Parkassistent)</a:t>
+              <a:buFont typeface="Arial"/>
+              <a:buChar char="•"/>
+            </a:pPr>
+            <a:r>
+              <a:rPr lang="de-DE" sz="1800" strike="noStrike" spc="-1">
+                <a:solidFill>
+                  <a:srgbClr val="000000"/>
+                </a:solidFill>
+                <a:uFill>
+                  <a:solidFill>
+                    <a:srgbClr val="FFFFFF"/>
+                  </a:solidFill>
+                </a:uFill>
+                <a:latin typeface="Calibri"/>
+              </a:rPr>
+              <a:t>Kunden die Sportpaket wählen (2.7%) wollen auch:</a:t>
+            </a:r>
+            <a:endParaRPr/>
+          </a:p>
+          <a:p>
+            <a:pPr marL="864000" lvl="1" indent="-324000">
+              <a:buClr>
+                <a:srgbClr val="FFFFFF"/>
+              </a:buClr>
+              <a:buSzPct val="75000"/>
+              <a:buFont typeface="Symbol" charset="2"/>
+              <a:buChar char=""/>
+            </a:pPr>
+            <a:r>
+              <a:rPr lang="de-DE" sz="1800" strike="noStrike" spc="-1">
+                <a:solidFill>
+                  <a:srgbClr val="000000"/>
+                </a:solidFill>
+                <a:uFill>
+                  <a:solidFill>
+                    <a:srgbClr val="FFFFFF"/>
+                  </a:solidFill>
+                </a:uFill>
+                <a:latin typeface="Calibri"/>
+              </a:rPr>
+              <a:t>Parkassistent (77%)</a:t>
+            </a:r>
+            <a:endParaRPr/>
+          </a:p>
+          <a:p>
+            <a:pPr marL="864000" lvl="1" indent="-324000">
+              <a:buClr>
+                <a:srgbClr val="FFFFFF"/>
+              </a:buClr>
+              <a:buSzPct val="75000"/>
+              <a:buFont typeface="Symbol" charset="2"/>
+              <a:buChar char=""/>
+            </a:pPr>
+            <a:r>
+              <a:rPr lang="de-DE" sz="1800" strike="noStrike" spc="-1">
+                <a:solidFill>
+                  <a:srgbClr val="000000"/>
+                </a:solidFill>
+                <a:uFill>
+                  <a:solidFill>
+                    <a:srgbClr val="FFFFFF"/>
+                  </a:solidFill>
+                </a:uFill>
+                <a:latin typeface="Calibri"/>
+              </a:rPr>
+              <a:t>Navigationssystem Business (68%)</a:t>
+            </a:r>
+            <a:endParaRPr/>
+          </a:p>
+          <a:p>
+            <a:pPr marL="864000" lvl="1" indent="-324000">
+              <a:buClr>
+                <a:srgbClr val="FFFFFF"/>
+              </a:buClr>
+              <a:buSzPct val="75000"/>
+              <a:buFont typeface="Symbol" charset="2"/>
+              <a:buChar char=""/>
+            </a:pPr>
+            <a:r>
+              <a:rPr lang="de-DE" sz="1800" strike="noStrike" spc="-1">
+                <a:solidFill>
+                  <a:srgbClr val="000000"/>
+                </a:solidFill>
+                <a:uFill>
+                  <a:solidFill>
+                    <a:srgbClr val="FFFFFF"/>
+                  </a:solidFill>
+                </a:uFill>
+                <a:latin typeface="Calibri"/>
+              </a:rPr>
+              <a:t>alle anderen Optionen nur mit &lt; 65%</a:t>
+            </a:r>
+            <a:endParaRPr/>
+          </a:p>
+          <a:p>
+            <a:pPr marL="228600" indent="-228240">
+              <a:buFont typeface="Arial"/>
+              <a:buChar char="•"/>
+            </a:pPr>
+            <a:r>
+              <a:rPr lang="de-DE" sz="1800" strike="noStrike" spc="-1">
+                <a:solidFill>
+                  <a:srgbClr val="000000"/>
+                </a:solidFill>
+                <a:uFill>
+                  <a:solidFill>
+                    <a:srgbClr val="FFFFFF"/>
+                  </a:solidFill>
+                </a:uFill>
+                <a:latin typeface="Calibri"/>
+              </a:rPr>
+              <a:t>Kunden die Comfortpaket (24.7%) wählen (24.7%) wollen alle Optionen nur mit &lt; 65% Wsk.</a:t>
+            </a:r>
+            <a:endParaRPr/>
+          </a:p>
+          <a:p>
+            <a:pPr marL="228600" indent="-228240">
+              <a:buFont typeface="Arial"/>
+              <a:buChar char="•"/>
+            </a:pPr>
+            <a:r>
+              <a:rPr lang="de-DE" sz="1800" strike="noStrike" spc="-1">
+                <a:solidFill>
+                  <a:srgbClr val="000000"/>
+                </a:solidFill>
+                <a:uFill>
+                  <a:solidFill>
+                    <a:srgbClr val="FFFFFF"/>
+                  </a:solidFill>
+                </a:uFill>
+                <a:latin typeface="Calibri"/>
+              </a:rPr>
+              <a:t>Kunden die Ablagenpaket wählen (15.2%) wollen alle Optionen nur mit &lt; 65% Wsk.</a:t>
+            </a:r>
+            <a:endParaRPr/>
+          </a:p>
+          <a:p>
+            <a:pPr marL="228600" indent="-228240">
+              <a:buFont typeface="Arial"/>
+              <a:buChar char="•"/>
+            </a:pPr>
+            <a:r>
+              <a:rPr lang="de-DE" sz="1800" strike="noStrike" spc="-1">
+                <a:solidFill>
+                  <a:srgbClr val="000000"/>
+                </a:solidFill>
+                <a:uFill>
+                  <a:solidFill>
+                    <a:srgbClr val="FFFFFF"/>
+                  </a:solidFill>
+                </a:uFill>
+                <a:latin typeface="Calibri"/>
+              </a:rPr>
+              <a:t>Kunden die Lichtpaket Interieur wählen (20%) wollen auch:</a:t>
+            </a:r>
+            <a:endParaRPr/>
+          </a:p>
+          <a:p>
+            <a:pPr marL="864000" lvl="1" indent="-324000">
+              <a:buClr>
+                <a:srgbClr val="FFFFFF"/>
+              </a:buClr>
+              <a:buSzPct val="75000"/>
+              <a:buFont typeface="Symbol" charset="2"/>
+              <a:buChar char=""/>
+            </a:pPr>
+            <a:r>
+              <a:rPr lang="de-DE" sz="1800" strike="noStrike" spc="-1">
+                <a:solidFill>
+                  <a:srgbClr val="000000"/>
+                </a:solidFill>
+                <a:uFill>
+                  <a:solidFill>
+                    <a:srgbClr val="FFFFFF"/>
+                  </a:solidFill>
+                </a:uFill>
+                <a:latin typeface="Calibri"/>
+              </a:rPr>
+              <a:t>Xenonlicht für Abblend- und Fernlicht (73%)</a:t>
+            </a:r>
+            <a:endParaRPr/>
+          </a:p>
+          <a:p>
+            <a:pPr marL="864000" lvl="1" indent="-324000">
+              <a:buClr>
+                <a:srgbClr val="FFFFFF"/>
+              </a:buClr>
+              <a:buSzPct val="75000"/>
+              <a:buFont typeface="Symbol" charset="2"/>
+              <a:buChar char=""/>
+            </a:pPr>
+            <a:r>
+              <a:rPr lang="de-DE" sz="1800" strike="noStrike" spc="-1">
+                <a:solidFill>
+                  <a:srgbClr val="000000"/>
+                </a:solidFill>
+                <a:uFill>
+                  <a:solidFill>
+                    <a:srgbClr val="FFFFFF"/>
+                  </a:solidFill>
+                </a:uFill>
+                <a:latin typeface="Calibri"/>
+              </a:rPr>
+              <a:t>Klimaautomatik, 2 Zonen (71%)</a:t>
+            </a:r>
+            <a:endParaRPr/>
+          </a:p>
+          <a:p>
+            <a:pPr marL="864000" lvl="1" indent="-324000">
+              <a:buClr>
+                <a:srgbClr val="FFFFFF"/>
+              </a:buClr>
+              <a:buSzPct val="75000"/>
+              <a:buFont typeface="Symbol" charset="2"/>
+              <a:buChar char=""/>
+            </a:pPr>
+            <a:r>
+              <a:rPr lang="de-DE" sz="1800" strike="noStrike" spc="-1">
+                <a:solidFill>
+                  <a:srgbClr val="000000"/>
+                </a:solidFill>
+                <a:uFill>
+                  <a:solidFill>
+                    <a:srgbClr val="FFFFFF"/>
+                  </a:solidFill>
+                </a:uFill>
+                <a:latin typeface="Calibri"/>
+              </a:rPr>
+              <a:t>Sitzheizung (71%)</a:t>
+            </a:r>
+            <a:endParaRPr/>
+          </a:p>
+          <a:p>
+            <a:pPr marL="864000" lvl="1" indent="-324000">
+              <a:buClr>
+                <a:srgbClr val="FFFFFF"/>
+              </a:buClr>
+              <a:buSzPct val="75000"/>
+              <a:buFont typeface="Symbol" charset="2"/>
+              <a:buChar char=""/>
+            </a:pPr>
+            <a:r>
+              <a:rPr lang="de-DE" sz="1800" strike="noStrike" spc="-1">
+                <a:solidFill>
+                  <a:srgbClr val="000000"/>
+                </a:solidFill>
+                <a:uFill>
+                  <a:solidFill>
+                    <a:srgbClr val="FFFFFF"/>
+                  </a:solidFill>
+                </a:uFill>
+                <a:latin typeface="Calibri"/>
+              </a:rPr>
+              <a:t>Parkassistent (70%)</a:t>
             </a:r>
             <a:endParaRPr/>
           </a:p>
@@ -4022,7 +4484,7 @@
       </p:grpSpPr>
       <p:sp>
         <p:nvSpPr>
-          <p:cNvPr id="97" name="TextShape 1"/>
+          <p:cNvPr id="95" name="TextShape 1"/>
           <p:cNvSpPr txBox="1"/>
           <p:nvPr/>
         </p:nvSpPr>
@@ -4060,22 +4522,22 @@
                 </a:uFill>
                 <a:latin typeface="Calibri Light"/>
               </a:rPr>
-              <a:t>Assoziationsregeln – Interessantheit</a:t>
-            </a:r>
-            <a:endParaRPr/>
-          </a:p>
-        </p:txBody>
-      </p:sp>
-      <p:sp>
-        <p:nvSpPr>
-          <p:cNvPr id="98" name="TextShape 2"/>
+              <a:t>Assoziationsregeln</a:t>
+            </a:r>
+            <a:endParaRPr/>
+          </a:p>
+        </p:txBody>
+      </p:sp>
+      <p:sp>
+        <p:nvSpPr>
+          <p:cNvPr id="96" name="TextShape 2"/>
           <p:cNvSpPr txBox="1"/>
           <p:nvPr/>
         </p:nvSpPr>
         <p:spPr>
           <a:xfrm>
-            <a:off x="838080" y="1825560"/>
-            <a:ext cx="10515240" cy="4350960"/>
+            <a:off x="838080" y="1584000"/>
+            <a:ext cx="10515240" cy="4592520"/>
           </a:xfrm>
           <a:prstGeom prst="rect">
             <a:avLst/>
@@ -4097,7 +4559,7 @@
               <a:buChar char="•"/>
             </a:pPr>
             <a:r>
-              <a:rPr lang="de-DE" sz="2800" strike="noStrike" spc="-1">
+              <a:rPr lang="de-DE" sz="1800" strike="noStrike" spc="-1">
                 <a:solidFill>
                   <a:srgbClr val="000000"/>
                 </a:solidFill>
@@ -4108,108 +4570,346 @@
                 </a:uFill>
                 <a:latin typeface="Calibri"/>
               </a:rPr>
-              <a:t>Suche nach alternativen „Interessantheitsmaßen“: Lift</a:t>
-            </a:r>
-            <a:endParaRPr/>
-          </a:p>
-          <a:p>
-            <a:pPr marL="864000" lvl="1" indent="-324000">
-              <a:buClr>
-                <a:srgbClr val="FFFFFF"/>
-              </a:buClr>
-              <a:buSzPct val="75000"/>
-              <a:buFont typeface="Symbol" charset="2"/>
-              <a:buChar char=""/>
-            </a:pPr>
-            <a:r>
-              <a:rPr lang="de-DE" sz="2800" strike="noStrike" spc="-1">
-                <a:solidFill>
-                  <a:srgbClr val="000000"/>
-                </a:solidFill>
-                <a:uFill>
-                  <a:solidFill>
-                    <a:srgbClr val="FFFFFF"/>
-                  </a:solidFill>
-                </a:uFill>
-                <a:latin typeface="Calibri"/>
-              </a:rPr>
-              <a:t>Lift(X⇒Y) = Confidence(X⇒Y)/Support(Y) = P(X∩Y)/(P(X)·P(Y))</a:t>
-            </a:r>
-            <a:endParaRPr/>
-          </a:p>
-          <a:p>
-            <a:pPr marL="432000" indent="-324000">
-              <a:buClr>
-                <a:srgbClr val="FFFFFF"/>
-              </a:buClr>
-              <a:buSzPct val="45000"/>
-              <a:buFont typeface="Wingdings" charset="2"/>
-              <a:buChar char=""/>
-            </a:pPr>
-            <a:r>
-              <a:rPr lang="de-DE" sz="2800" strike="noStrike" spc="-1">
-                <a:solidFill>
-                  <a:srgbClr val="000000"/>
-                </a:solidFill>
-                <a:uFill>
-                  <a:solidFill>
-                    <a:srgbClr val="FFFFFF"/>
-                  </a:solidFill>
-                </a:uFill>
-                <a:latin typeface="Calibri"/>
-              </a:rPr>
-              <a:t>Sortierung der Regeln nach hohem Lift, z.B.:</a:t>
-            </a:r>
-            <a:endParaRPr/>
-          </a:p>
-          <a:p>
-            <a:pPr marL="864000" lvl="1" indent="-324000">
-              <a:buClr>
-                <a:srgbClr val="FFFFFF"/>
-              </a:buClr>
-              <a:buSzPct val="75000"/>
-              <a:buFont typeface="Symbol" charset="2"/>
-              <a:buChar char=""/>
-            </a:pPr>
-            <a:r>
-              <a:rPr lang="de-DE" sz="2800" strike="noStrike" spc="-1">
-                <a:solidFill>
-                  <a:srgbClr val="000000"/>
-                </a:solidFill>
-                <a:uFill>
-                  <a:solidFill>
-                    <a:srgbClr val="FFFFFF"/>
-                  </a:solidFill>
-                </a:uFill>
-                <a:latin typeface="Calibri"/>
-              </a:rPr>
-              <a:t>Wenn man Polster Stoff "Salome" Sattelbraun / Anthrazit oder "Luxury" Räder gewählt hat, ist es 10x so wahrscheinlich dass man Leisten in Edelholzausführung Nussbaumwurzel wählt.</a:t>
-            </a:r>
-            <a:endParaRPr/>
-          </a:p>
-          <a:p>
-            <a:pPr marL="864000" lvl="1" indent="-324000">
-              <a:buClr>
-                <a:srgbClr val="FFFFFF"/>
-              </a:buClr>
-              <a:buSzPct val="75000"/>
-              <a:buFont typeface="Symbol" charset="2"/>
-              <a:buChar char=""/>
-            </a:pPr>
-            <a:r>
-              <a:rPr lang="de-DE" sz="2800" strike="noStrike" spc="-1">
-                <a:solidFill>
-                  <a:srgbClr val="000000"/>
-                </a:solidFill>
-                <a:uFill>
-                  <a:solidFill>
-                    <a:srgbClr val="FFFFFF"/>
-                  </a:solidFill>
-                </a:uFill>
-                <a:latin typeface="Calibri"/>
-              </a:rPr>
-              <a:t>Viele andere Zusammenhänge von "Line: Luxury" mit edleren Komponenten</a:t>
-            </a:r>
+              <a:t>Beispieloutput (nur Schritt 7, Voraussetzung enthält nur ein Element, Konfidenz &lt; 100%)</a:t>
+            </a:r>
+            <a:endParaRPr/>
+          </a:p>
+          <a:p>
+            <a:pPr>
+              <a:lnSpc>
+                <a:spcPct val="90000"/>
+              </a:lnSpc>
+            </a:pPr>
+            <a:r>
+              <a:rPr lang="de-DE" sz="1200" strike="noStrike" spc="-1">
+                <a:solidFill>
+                  <a:srgbClr val="000000"/>
+                </a:solidFill>
+                <a:uFill>
+                  <a:solidFill>
+                    <a:srgbClr val="FFFFFF"/>
+                  </a:solidFill>
+                </a:uFill>
+                <a:latin typeface="Courier New"/>
+              </a:rPr>
+              <a:t>84.03% of 58428 people: If (Variable Sportlenkung) then (Sitzheizung für Fahrer und Beifahrer)</a:t>
+            </a:r>
+            <a:endParaRPr/>
+          </a:p>
+          <a:p>
+            <a:pPr>
+              <a:lnSpc>
+                <a:spcPct val="90000"/>
+              </a:lnSpc>
+            </a:pPr>
+            <a:r>
+              <a:rPr lang="de-DE" sz="1200" strike="noStrike" spc="-1">
+                <a:solidFill>
+                  <a:srgbClr val="000000"/>
+                </a:solidFill>
+                <a:uFill>
+                  <a:solidFill>
+                    <a:srgbClr val="FFFFFF"/>
+                  </a:solidFill>
+                </a:uFill>
+                <a:latin typeface="Courier New"/>
+              </a:rPr>
+              <a:t>85.07% of 69680 people: If (Vollelektrische Sitzverstellung mit Memoryfunktion für Fahrer) then (Navigationssystem Business)</a:t>
+            </a:r>
+            <a:endParaRPr/>
+          </a:p>
+          <a:p>
+            <a:pPr>
+              <a:lnSpc>
+                <a:spcPct val="90000"/>
+              </a:lnSpc>
+            </a:pPr>
+            <a:r>
+              <a:rPr lang="de-DE" sz="1200" strike="noStrike" spc="-1">
+                <a:solidFill>
+                  <a:srgbClr val="000000"/>
+                </a:solidFill>
+                <a:uFill>
+                  <a:solidFill>
+                    <a:srgbClr val="FFFFFF"/>
+                  </a:solidFill>
+                </a:uFill>
+                <a:latin typeface="Courier New"/>
+              </a:rPr>
+              <a:t>85.09% of 42318 people: If (Head Up Display (HUD)) then (Klimaautomatik, 2 Zonen mit erweitertem Umfang)</a:t>
+            </a:r>
+            <a:endParaRPr/>
+          </a:p>
+          <a:p>
+            <a:pPr>
+              <a:lnSpc>
+                <a:spcPct val="90000"/>
+              </a:lnSpc>
+            </a:pPr>
+            <a:r>
+              <a:rPr lang="de-DE" sz="1200" strike="noStrike" spc="-1">
+                <a:solidFill>
+                  <a:srgbClr val="000000"/>
+                </a:solidFill>
+                <a:uFill>
+                  <a:solidFill>
+                    <a:srgbClr val="FFFFFF"/>
+                  </a:solidFill>
+                </a:uFill>
+                <a:latin typeface="Courier New"/>
+              </a:rPr>
+              <a:t>85.16% of 42918 people: If (Spurverlassenswarnung) then (Sitzheizung für Fahrer und Beifahrer)</a:t>
+            </a:r>
+            <a:endParaRPr/>
+          </a:p>
+          <a:p>
+            <a:pPr>
+              <a:lnSpc>
+                <a:spcPct val="90000"/>
+              </a:lnSpc>
+            </a:pPr>
+            <a:r>
+              <a:rPr lang="de-DE" sz="1200" strike="noStrike" spc="-1">
+                <a:solidFill>
+                  <a:srgbClr val="000000"/>
+                </a:solidFill>
+                <a:uFill>
+                  <a:solidFill>
+                    <a:srgbClr val="FFFFFF"/>
+                  </a:solidFill>
+                </a:uFill>
+                <a:latin typeface="Courier New"/>
+              </a:rPr>
+              <a:t>85.21% of 42378 people: If (Head Up Display (HUD)) then (Xenonlicht für Abblend- und Fernlicht)</a:t>
+            </a:r>
+            <a:endParaRPr/>
+          </a:p>
+          <a:p>
+            <a:pPr>
+              <a:lnSpc>
+                <a:spcPct val="90000"/>
+              </a:lnSpc>
+            </a:pPr>
+            <a:r>
+              <a:rPr lang="de-DE" sz="1200" strike="noStrike" spc="-1">
+                <a:solidFill>
+                  <a:srgbClr val="000000"/>
+                </a:solidFill>
+                <a:uFill>
+                  <a:solidFill>
+                    <a:srgbClr val="FFFFFF"/>
+                  </a:solidFill>
+                </a:uFill>
+                <a:latin typeface="Courier New"/>
+              </a:rPr>
+              <a:t>85.26% of 42970 people: If (Spurverlassenswarnung) then (Klimaautomatik, 2 Zonen mit erweitertem Umfang)</a:t>
+            </a:r>
+            <a:endParaRPr/>
+          </a:p>
+          <a:p>
+            <a:pPr>
+              <a:lnSpc>
+                <a:spcPct val="90000"/>
+              </a:lnSpc>
+            </a:pPr>
+            <a:r>
+              <a:rPr lang="de-DE" sz="1200" strike="noStrike" spc="-1">
+                <a:solidFill>
+                  <a:srgbClr val="000000"/>
+                </a:solidFill>
+                <a:uFill>
+                  <a:solidFill>
+                    <a:srgbClr val="FFFFFF"/>
+                  </a:solidFill>
+                </a:uFill>
+                <a:latin typeface="Courier New"/>
+              </a:rPr>
+              <a:t>85.33% of 36395 people: If (Sonnenschutzrollo für Heckscheibe, elektrisch) then (Navigationssystem Business)</a:t>
+            </a:r>
+            <a:endParaRPr/>
+          </a:p>
+          <a:p>
+            <a:pPr>
+              <a:lnSpc>
+                <a:spcPct val="90000"/>
+              </a:lnSpc>
+            </a:pPr>
+            <a:r>
+              <a:rPr lang="de-DE" sz="1200" strike="noStrike" spc="-1">
+                <a:solidFill>
+                  <a:srgbClr val="000000"/>
+                </a:solidFill>
+                <a:uFill>
+                  <a:solidFill>
+                    <a:srgbClr val="FFFFFF"/>
+                  </a:solidFill>
+                </a:uFill>
+                <a:latin typeface="Courier New"/>
+              </a:rPr>
+              <a:t>85.36% of 59354 people: If (Variable Sportlenkung) then (Parkassistent)</a:t>
+            </a:r>
+            <a:endParaRPr/>
+          </a:p>
+          <a:p>
+            <a:pPr>
+              <a:lnSpc>
+                <a:spcPct val="90000"/>
+              </a:lnSpc>
+            </a:pPr>
+            <a:r>
+              <a:rPr lang="de-DE" sz="1200" strike="noStrike" spc="-1">
+                <a:solidFill>
+                  <a:srgbClr val="000000"/>
+                </a:solidFill>
+                <a:uFill>
+                  <a:solidFill>
+                    <a:srgbClr val="FFFFFF"/>
+                  </a:solidFill>
+                </a:uFill>
+                <a:latin typeface="Courier New"/>
+              </a:rPr>
+              <a:t>85.76% of 49882 people: If (Komfortzugang) then (Xenonlicht für Abblend- und Fernlicht)</a:t>
+            </a:r>
+            <a:endParaRPr/>
+          </a:p>
+          <a:p>
+            <a:pPr>
+              <a:lnSpc>
+                <a:spcPct val="90000"/>
+              </a:lnSpc>
+            </a:pPr>
+            <a:r>
+              <a:rPr lang="de-DE" sz="1200" strike="noStrike" spc="-1">
+                <a:solidFill>
+                  <a:srgbClr val="000000"/>
+                </a:solidFill>
+                <a:uFill>
+                  <a:solidFill>
+                    <a:srgbClr val="FFFFFF"/>
+                  </a:solidFill>
+                </a:uFill>
+                <a:latin typeface="Courier New"/>
+              </a:rPr>
+              <a:t>86.54% of 70885 people: If (Vollelektrische Sitzverstellung mit Memoryfunktion für Fahrer) then (Xenonlicht für Abblend- und Fernlicht)</a:t>
+            </a:r>
+            <a:endParaRPr/>
+          </a:p>
+          <a:p>
+            <a:pPr>
+              <a:lnSpc>
+                <a:spcPct val="90000"/>
+              </a:lnSpc>
+            </a:pPr>
+            <a:r>
+              <a:rPr lang="de-DE" sz="1200" strike="noStrike" spc="-1">
+                <a:solidFill>
+                  <a:srgbClr val="000000"/>
+                </a:solidFill>
+                <a:uFill>
+                  <a:solidFill>
+                    <a:srgbClr val="FFFFFF"/>
+                  </a:solidFill>
+                </a:uFill>
+                <a:latin typeface="Courier New"/>
+              </a:rPr>
+              <a:t>87.09% of 43892 people: If (Spurverlassenswarnung) then (Parkassistent)</a:t>
+            </a:r>
+            <a:endParaRPr/>
+          </a:p>
+          <a:p>
+            <a:pPr>
+              <a:lnSpc>
+                <a:spcPct val="90000"/>
+              </a:lnSpc>
+            </a:pPr>
+            <a:r>
+              <a:rPr lang="de-DE" sz="1200" strike="noStrike" spc="-1">
+                <a:solidFill>
+                  <a:srgbClr val="000000"/>
+                </a:solidFill>
+                <a:uFill>
+                  <a:solidFill>
+                    <a:srgbClr val="FFFFFF"/>
+                  </a:solidFill>
+                </a:uFill>
+                <a:latin typeface="Courier New"/>
+              </a:rPr>
+              <a:t>88.64% of 44675 people: If (Spurverlassenswarnung) then (Navigationssystem Business)</a:t>
+            </a:r>
+            <a:endParaRPr/>
+          </a:p>
+          <a:p>
+            <a:pPr>
+              <a:lnSpc>
+                <a:spcPct val="90000"/>
+              </a:lnSpc>
+            </a:pPr>
+            <a:r>
+              <a:rPr lang="de-DE" sz="1200" strike="noStrike" spc="-1">
+                <a:solidFill>
+                  <a:srgbClr val="000000"/>
+                </a:solidFill>
+                <a:uFill>
+                  <a:solidFill>
+                    <a:srgbClr val="FFFFFF"/>
+                  </a:solidFill>
+                </a:uFill>
+                <a:latin typeface="Courier New"/>
+              </a:rPr>
+              <a:t>88.97% of 51749 people: If (Komfortzugang) then (Navigationssystem Business)</a:t>
+            </a:r>
+            <a:endParaRPr/>
+          </a:p>
+          <a:p>
+            <a:pPr>
+              <a:lnSpc>
+                <a:spcPct val="90000"/>
+              </a:lnSpc>
+            </a:pPr>
+            <a:r>
+              <a:rPr lang="de-DE" sz="1200" strike="noStrike" spc="-1">
+                <a:solidFill>
+                  <a:srgbClr val="000000"/>
+                </a:solidFill>
+                <a:uFill>
+                  <a:solidFill>
+                    <a:srgbClr val="FFFFFF"/>
+                  </a:solidFill>
+                </a:uFill>
+                <a:latin typeface="Courier New"/>
+              </a:rPr>
+              <a:t>90.54% of 52662 people: If (Komfortzugang) then (Sitzheizung für Fahrer und Beifahrer)</a:t>
+            </a:r>
+            <a:endParaRPr/>
+          </a:p>
+          <a:p>
+            <a:pPr>
+              <a:lnSpc>
+                <a:spcPct val="90000"/>
+              </a:lnSpc>
+            </a:pPr>
+            <a:r>
+              <a:rPr lang="de-DE" sz="1200" strike="noStrike" spc="-1">
+                <a:solidFill>
+                  <a:srgbClr val="000000"/>
+                </a:solidFill>
+                <a:uFill>
+                  <a:solidFill>
+                    <a:srgbClr val="FFFFFF"/>
+                  </a:solidFill>
+                </a:uFill>
+                <a:latin typeface="Courier New"/>
+              </a:rPr>
+              <a:t>90.92% of 54429 people: If (Spurwechselwarnung) then (Parkassistent)</a:t>
+            </a:r>
+            <a:endParaRPr/>
+          </a:p>
+          <a:p>
+            <a:pPr>
+              <a:lnSpc>
+                <a:spcPct val="90000"/>
+              </a:lnSpc>
+            </a:pPr>
             <a:endParaRPr/>
           </a:p>
           <a:p>
@@ -4284,14 +4984,60 @@
       </p:grpSpPr>
       <p:sp>
         <p:nvSpPr>
-          <p:cNvPr id="99" name="TextShape 1"/>
+          <p:cNvPr id="97" name="TextShape 1"/>
           <p:cNvSpPr txBox="1"/>
           <p:nvPr/>
         </p:nvSpPr>
         <p:spPr>
           <a:xfrm>
-            <a:off x="144000" y="185040"/>
-            <a:ext cx="11736000" cy="6510960"/>
+            <a:off x="838080" y="365040"/>
+            <a:ext cx="10515240" cy="1325160"/>
+          </a:xfrm>
+          <a:prstGeom prst="rect">
+            <a:avLst/>
+          </a:prstGeom>
+          <a:noFill/>
+          <a:ln>
+            <a:noFill/>
+          </a:ln>
+        </p:spPr>
+        <p:txBody>
+          <a:bodyPr anchor="ctr"/>
+          <a:lstStyle/>
+          <a:p>
+            <a:pPr>
+              <a:lnSpc>
+                <a:spcPct val="90000"/>
+              </a:lnSpc>
+            </a:pPr>
+            <a:r>
+              <a:rPr lang="de-DE" sz="4400" strike="noStrike" spc="-1">
+                <a:solidFill>
+                  <a:srgbClr val="000000"/>
+                </a:solidFill>
+                <a:uFill>
+                  <a:solidFill>
+                    <a:srgbClr val="FFFFFF"/>
+                  </a:solidFill>
+                </a:uFill>
+                <a:latin typeface="Calibri Light"/>
+              </a:rPr>
+              <a:t>Assoziationsregeln – Interessantheit</a:t>
+            </a:r>
+            <a:endParaRPr/>
+          </a:p>
+        </p:txBody>
+      </p:sp>
+      <p:sp>
+        <p:nvSpPr>
+          <p:cNvPr id="98" name="TextShape 2"/>
+          <p:cNvSpPr txBox="1"/>
+          <p:nvPr/>
+        </p:nvSpPr>
+        <p:spPr>
+          <a:xfrm>
+            <a:off x="838080" y="1825560"/>
+            <a:ext cx="10515240" cy="4350960"/>
           </a:xfrm>
           <a:prstGeom prst="rect">
             <a:avLst/>
@@ -4313,20 +5059,120 @@
               <a:buChar char="•"/>
             </a:pPr>
             <a:r>
-              <a:rPr lang="de-DE" sz="1500" strike="noStrike" spc="-1" dirty="0">
-                <a:solidFill>
-                  <a:srgbClr val="000000"/>
-                </a:solidFill>
-                <a:uFill>
-                  <a:solidFill>
-                    <a:srgbClr val="FFFFFF"/>
-                  </a:solidFill>
-                </a:uFill>
-                <a:latin typeface="Bitstream Vera Sans Mono"/>
-              </a:rPr>
-              <a:t>Beispielausgabe, sortiert nach |Voraussetzung|, Lift:</a:t>
-            </a:r>
-            <a:endParaRPr dirty="0"/>
+              <a:rPr lang="de-DE" sz="2800" strike="noStrike" spc="-1">
+                <a:solidFill>
+                  <a:srgbClr val="000000"/>
+                </a:solidFill>
+                <a:uFill>
+                  <a:solidFill>
+                    <a:srgbClr val="FFFFFF"/>
+                  </a:solidFill>
+                </a:uFill>
+                <a:latin typeface="Calibri"/>
+              </a:rPr>
+              <a:t>Suche nach alternativen „Interessantheitsmaßen“: Lift</a:t>
+            </a:r>
+            <a:endParaRPr/>
+          </a:p>
+          <a:p>
+            <a:pPr marL="864000" lvl="1" indent="-324000">
+              <a:buClr>
+                <a:srgbClr val="FFFFFF"/>
+              </a:buClr>
+              <a:buSzPct val="75000"/>
+              <a:buFont typeface="Symbol" charset="2"/>
+              <a:buChar char=""/>
+            </a:pPr>
+            <a:r>
+              <a:rPr lang="de-DE" sz="2800" strike="noStrike" spc="-1">
+                <a:solidFill>
+                  <a:srgbClr val="000000"/>
+                </a:solidFill>
+                <a:uFill>
+                  <a:solidFill>
+                    <a:srgbClr val="FFFFFF"/>
+                  </a:solidFill>
+                </a:uFill>
+                <a:latin typeface="Calibri"/>
+              </a:rPr>
+              <a:t>Lift(X⇒Y) = Confidence(X⇒Y)/Support(Y) = P(X∩Y)/(P(X)·P(Y))</a:t>
+            </a:r>
+            <a:endParaRPr/>
+          </a:p>
+          <a:p>
+            <a:pPr marL="432000" indent="-324000">
+              <a:buClr>
+                <a:srgbClr val="FFFFFF"/>
+              </a:buClr>
+              <a:buSzPct val="45000"/>
+              <a:buFont typeface="Wingdings" charset="2"/>
+              <a:buChar char=""/>
+            </a:pPr>
+            <a:r>
+              <a:rPr lang="de-DE" sz="2800" strike="noStrike" spc="-1">
+                <a:solidFill>
+                  <a:srgbClr val="000000"/>
+                </a:solidFill>
+                <a:uFill>
+                  <a:solidFill>
+                    <a:srgbClr val="FFFFFF"/>
+                  </a:solidFill>
+                </a:uFill>
+                <a:latin typeface="Calibri"/>
+              </a:rPr>
+              <a:t>Sortierung der Regeln nach hohem Lift, z.B.:</a:t>
+            </a:r>
+            <a:endParaRPr/>
+          </a:p>
+          <a:p>
+            <a:pPr marL="864000" lvl="1" indent="-324000">
+              <a:buClr>
+                <a:srgbClr val="FFFFFF"/>
+              </a:buClr>
+              <a:buSzPct val="75000"/>
+              <a:buFont typeface="Symbol" charset="2"/>
+              <a:buChar char=""/>
+            </a:pPr>
+            <a:r>
+              <a:rPr lang="de-DE" sz="2800" strike="noStrike" spc="-1">
+                <a:solidFill>
+                  <a:srgbClr val="000000"/>
+                </a:solidFill>
+                <a:uFill>
+                  <a:solidFill>
+                    <a:srgbClr val="FFFFFF"/>
+                  </a:solidFill>
+                </a:uFill>
+                <a:latin typeface="Calibri"/>
+              </a:rPr>
+              <a:t>Wenn man Polster Stoff "Salome" Sattelbraun / Anthrazit oder "Luxury" Räder gewählt hat, ist es 10x so wahrscheinlich dass man Leisten in Edelholzausführung Nussbaumwurzel wählt.</a:t>
+            </a:r>
+            <a:endParaRPr/>
+          </a:p>
+          <a:p>
+            <a:pPr marL="864000" lvl="1" indent="-324000">
+              <a:buClr>
+                <a:srgbClr val="FFFFFF"/>
+              </a:buClr>
+              <a:buSzPct val="75000"/>
+              <a:buFont typeface="Symbol" charset="2"/>
+              <a:buChar char=""/>
+            </a:pPr>
+            <a:r>
+              <a:rPr lang="de-DE" sz="2800" strike="noStrike" spc="-1">
+                <a:solidFill>
+                  <a:srgbClr val="000000"/>
+                </a:solidFill>
+                <a:uFill>
+                  <a:solidFill>
+                    <a:srgbClr val="FFFFFF"/>
+                  </a:solidFill>
+                </a:uFill>
+                <a:latin typeface="Calibri"/>
+              </a:rPr>
+              <a:t>Viele andere Zusammenhänge von "Line: Luxury" mit edleren Komponenten</a:t>
+            </a:r>
+            <a:endParaRPr/>
           </a:p>
           <a:p>
             <a:pPr>
@@ -4334,203 +5180,7 @@
                 <a:spcPct val="90000"/>
               </a:lnSpc>
             </a:pPr>
-            <a:r>
-              <a:rPr lang="de-DE" sz="1500" strike="noStrike" spc="-1" dirty="0" err="1">
-                <a:solidFill>
-                  <a:srgbClr val="000000"/>
-                </a:solidFill>
-                <a:uFill>
-                  <a:solidFill>
-                    <a:srgbClr val="FFFFFF"/>
-                  </a:solidFill>
-                </a:uFill>
-                <a:latin typeface="Bitstream Vera Sans Mono"/>
-              </a:rPr>
-              <a:t>lift</a:t>
-            </a:r>
-            <a:r>
-              <a:rPr lang="de-DE" sz="1500" strike="noStrike" spc="-1" dirty="0">
-                <a:solidFill>
-                  <a:srgbClr val="000000"/>
-                </a:solidFill>
-                <a:uFill>
-                  <a:solidFill>
-                    <a:srgbClr val="FFFFFF"/>
-                  </a:solidFill>
-                </a:uFill>
-                <a:latin typeface="Bitstream Vera Sans Mono"/>
-              </a:rPr>
-              <a:t>=15.9336817238; 95.77% </a:t>
-            </a:r>
-            <a:r>
-              <a:rPr lang="de-DE" sz="1500" strike="noStrike" spc="-1" dirty="0" err="1">
-                <a:solidFill>
-                  <a:srgbClr val="000000"/>
-                </a:solidFill>
-                <a:uFill>
-                  <a:solidFill>
-                    <a:srgbClr val="FFFFFF"/>
-                  </a:solidFill>
-                </a:uFill>
-                <a:latin typeface="Bitstream Vera Sans Mono"/>
-              </a:rPr>
-              <a:t>of</a:t>
-            </a:r>
-            <a:r>
-              <a:rPr lang="de-DE" sz="1500" strike="noStrike" spc="-1" dirty="0">
-                <a:solidFill>
-                  <a:srgbClr val="000000"/>
-                </a:solidFill>
-                <a:uFill>
-                  <a:solidFill>
-                    <a:srgbClr val="FFFFFF"/>
-                  </a:solidFill>
-                </a:uFill>
-                <a:latin typeface="Bitstream Vera Sans Mono"/>
-              </a:rPr>
-              <a:t> 20140 </a:t>
-            </a:r>
-            <a:r>
-              <a:rPr lang="de-DE" sz="1500" strike="noStrike" spc="-1" dirty="0" err="1">
-                <a:solidFill>
-                  <a:srgbClr val="000000"/>
-                </a:solidFill>
-                <a:uFill>
-                  <a:solidFill>
-                    <a:srgbClr val="FFFFFF"/>
-                  </a:solidFill>
-                </a:uFill>
-                <a:latin typeface="Bitstream Vera Sans Mono"/>
-              </a:rPr>
-              <a:t>people</a:t>
-            </a:r>
-            <a:r>
-              <a:rPr lang="de-DE" sz="1500" strike="noStrike" spc="-1" dirty="0">
-                <a:solidFill>
-                  <a:srgbClr val="000000"/>
-                </a:solidFill>
-                <a:uFill>
-                  <a:solidFill>
-                    <a:srgbClr val="FFFFFF"/>
-                  </a:solidFill>
-                </a:uFill>
-                <a:latin typeface="Bitstream Vera Sans Mono"/>
-              </a:rPr>
-              <a:t>: </a:t>
-            </a:r>
-            <a:r>
-              <a:rPr lang="de-DE" sz="1500" strike="noStrike" spc="-1" dirty="0" err="1">
-                <a:solidFill>
-                  <a:srgbClr val="000000"/>
-                </a:solidFill>
-                <a:uFill>
-                  <a:solidFill>
-                    <a:srgbClr val="FFFFFF"/>
-                  </a:solidFill>
-                </a:uFill>
-                <a:latin typeface="Bitstream Vera Sans Mono"/>
-              </a:rPr>
-              <a:t>If</a:t>
-            </a:r>
-            <a:r>
-              <a:rPr lang="de-DE" sz="1500" strike="noStrike" spc="-1" dirty="0">
-                <a:solidFill>
-                  <a:srgbClr val="000000"/>
-                </a:solidFill>
-                <a:uFill>
-                  <a:solidFill>
-                    <a:srgbClr val="FFFFFF"/>
-                  </a:solidFill>
-                </a:uFill>
-                <a:latin typeface="Bitstream Vera Sans Mono"/>
-              </a:rPr>
-              <a:t> (</a:t>
-            </a:r>
-            <a:r>
-              <a:rPr lang="de-DE" sz="1500" strike="noStrike" spc="-1" dirty="0" err="1">
-                <a:solidFill>
-                  <a:srgbClr val="000000"/>
-                </a:solidFill>
-                <a:uFill>
-                  <a:solidFill>
-                    <a:srgbClr val="FFFFFF"/>
-                  </a:solidFill>
-                </a:uFill>
-                <a:latin typeface="Bitstream Vera Sans Mono"/>
-              </a:rPr>
-              <a:t>Spurverlassenswarnung</a:t>
-            </a:r>
-            <a:r>
-              <a:rPr lang="de-DE" sz="1500" strike="noStrike" spc="-1" dirty="0">
-                <a:solidFill>
-                  <a:srgbClr val="000000"/>
-                </a:solidFill>
-                <a:uFill>
-                  <a:solidFill>
-                    <a:srgbClr val="FFFFFF"/>
-                  </a:solidFill>
-                </a:uFill>
-                <a:latin typeface="Bitstream Vera Sans Mono"/>
-              </a:rPr>
-              <a:t>: 1 &amp; </a:t>
-            </a:r>
-            <a:r>
-              <a:rPr lang="de-DE" sz="1500" strike="noStrike" spc="-1" dirty="0" err="1">
-                <a:solidFill>
-                  <a:srgbClr val="000000"/>
-                </a:solidFill>
-                <a:uFill>
-                  <a:solidFill>
-                    <a:srgbClr val="FFFFFF"/>
-                  </a:solidFill>
-                </a:uFill>
-                <a:latin typeface="Bitstream Vera Sans Mono"/>
-              </a:rPr>
-              <a:t>Ablagenpaket</a:t>
-            </a:r>
-            <a:r>
-              <a:rPr lang="de-DE" sz="1500" strike="noStrike" spc="-1" dirty="0">
-                <a:solidFill>
-                  <a:srgbClr val="000000"/>
-                </a:solidFill>
-                <a:uFill>
-                  <a:solidFill>
-                    <a:srgbClr val="FFFFFF"/>
-                  </a:solidFill>
-                </a:uFill>
-                <a:latin typeface="Bitstream Vera Sans Mono"/>
-              </a:rPr>
-              <a:t>: 1) </a:t>
-            </a:r>
-            <a:r>
-              <a:rPr lang="de-DE" sz="1500" strike="noStrike" spc="-1" dirty="0" err="1">
-                <a:solidFill>
-                  <a:srgbClr val="000000"/>
-                </a:solidFill>
-                <a:uFill>
-                  <a:solidFill>
-                    <a:srgbClr val="FFFFFF"/>
-                  </a:solidFill>
-                </a:uFill>
-                <a:latin typeface="Bitstream Vera Sans Mono"/>
-              </a:rPr>
-              <a:t>then</a:t>
-            </a:r>
-            <a:r>
-              <a:rPr lang="de-DE" sz="1500" strike="noStrike" spc="-1" dirty="0">
-                <a:solidFill>
-                  <a:srgbClr val="000000"/>
-                </a:solidFill>
-                <a:uFill>
-                  <a:solidFill>
-                    <a:srgbClr val="FFFFFF"/>
-                  </a:solidFill>
-                </a:uFill>
-                <a:latin typeface="Bitstream Vera Sans Mono"/>
-              </a:rPr>
-              <a:t> (Spurwechselwarnung: 1)</a:t>
-            </a:r>
-            <a:endParaRPr dirty="0"/>
+            <a:endParaRPr/>
           </a:p>
           <a:p>
             <a:pPr>
@@ -4538,1839 +5188,7 @@
                 <a:spcPct val="90000"/>
               </a:lnSpc>
             </a:pPr>
-            <a:r>
-              <a:rPr lang="de-DE" sz="1500" strike="noStrike" spc="-1" dirty="0" err="1">
-                <a:solidFill>
-                  <a:srgbClr val="000000"/>
-                </a:solidFill>
-                <a:uFill>
-                  <a:solidFill>
-                    <a:srgbClr val="FFFFFF"/>
-                  </a:solidFill>
-                </a:uFill>
-                <a:latin typeface="Bitstream Vera Sans Mono"/>
-              </a:rPr>
-              <a:t>lift</a:t>
-            </a:r>
-            <a:r>
-              <a:rPr lang="de-DE" sz="1500" strike="noStrike" spc="-1" dirty="0">
-                <a:solidFill>
-                  <a:srgbClr val="000000"/>
-                </a:solidFill>
-                <a:uFill>
-                  <a:solidFill>
-                    <a:srgbClr val="FFFFFF"/>
-                  </a:solidFill>
-                </a:uFill>
-                <a:latin typeface="Bitstream Vera Sans Mono"/>
-              </a:rPr>
-              <a:t>=17.8853609108; 90.50% </a:t>
-            </a:r>
-            <a:r>
-              <a:rPr lang="de-DE" sz="1500" strike="noStrike" spc="-1" dirty="0" err="1">
-                <a:solidFill>
-                  <a:srgbClr val="000000"/>
-                </a:solidFill>
-                <a:uFill>
-                  <a:solidFill>
-                    <a:srgbClr val="FFFFFF"/>
-                  </a:solidFill>
-                </a:uFill>
-                <a:latin typeface="Bitstream Vera Sans Mono"/>
-              </a:rPr>
-              <a:t>of</a:t>
-            </a:r>
-            <a:r>
-              <a:rPr lang="de-DE" sz="1500" strike="noStrike" spc="-1" dirty="0">
-                <a:solidFill>
-                  <a:srgbClr val="000000"/>
-                </a:solidFill>
-                <a:uFill>
-                  <a:solidFill>
-                    <a:srgbClr val="FFFFFF"/>
-                  </a:solidFill>
-                </a:uFill>
-                <a:latin typeface="Bitstream Vera Sans Mono"/>
-              </a:rPr>
-              <a:t> 18040 </a:t>
-            </a:r>
-            <a:r>
-              <a:rPr lang="de-DE" sz="1500" strike="noStrike" spc="-1" dirty="0" err="1">
-                <a:solidFill>
-                  <a:srgbClr val="000000"/>
-                </a:solidFill>
-                <a:uFill>
-                  <a:solidFill>
-                    <a:srgbClr val="FFFFFF"/>
-                  </a:solidFill>
-                </a:uFill>
-                <a:latin typeface="Bitstream Vera Sans Mono"/>
-              </a:rPr>
-              <a:t>people</a:t>
-            </a:r>
-            <a:r>
-              <a:rPr lang="de-DE" sz="1500" strike="noStrike" spc="-1" dirty="0">
-                <a:solidFill>
-                  <a:srgbClr val="000000"/>
-                </a:solidFill>
-                <a:uFill>
-                  <a:solidFill>
-                    <a:srgbClr val="FFFFFF"/>
-                  </a:solidFill>
-                </a:uFill>
-                <a:latin typeface="Bitstream Vera Sans Mono"/>
-              </a:rPr>
-              <a:t>: </a:t>
-            </a:r>
-            <a:r>
-              <a:rPr lang="de-DE" sz="1500" strike="noStrike" spc="-1" dirty="0" err="1">
-                <a:solidFill>
-                  <a:srgbClr val="000000"/>
-                </a:solidFill>
-                <a:uFill>
-                  <a:solidFill>
-                    <a:srgbClr val="FFFFFF"/>
-                  </a:solidFill>
-                </a:uFill>
-                <a:latin typeface="Bitstream Vera Sans Mono"/>
-              </a:rPr>
-              <a:t>If</a:t>
-            </a:r>
-            <a:r>
-              <a:rPr lang="de-DE" sz="1500" strike="noStrike" spc="-1" dirty="0">
-                <a:solidFill>
-                  <a:srgbClr val="000000"/>
-                </a:solidFill>
-                <a:uFill>
-                  <a:solidFill>
-                    <a:srgbClr val="FFFFFF"/>
-                  </a:solidFill>
-                </a:uFill>
-                <a:latin typeface="Bitstream Vera Sans Mono"/>
-              </a:rPr>
-              <a:t> (Komfortzugang: 1 &amp; Aktive Geschwindigkeitsregelung mit </a:t>
-            </a:r>
-            <a:r>
-              <a:rPr lang="de-DE" sz="1500" strike="noStrike" spc="-1" dirty="0" err="1">
-                <a:solidFill>
-                  <a:srgbClr val="000000"/>
-                </a:solidFill>
-                <a:uFill>
-                  <a:solidFill>
-                    <a:srgbClr val="FFFFFF"/>
-                  </a:solidFill>
-                </a:uFill>
-                <a:latin typeface="Bitstream Vera Sans Mono"/>
-              </a:rPr>
-              <a:t>Stop</a:t>
-            </a:r>
-            <a:r>
-              <a:rPr lang="de-DE" sz="1500" strike="noStrike" spc="-1" dirty="0">
-                <a:solidFill>
-                  <a:srgbClr val="000000"/>
-                </a:solidFill>
-                <a:uFill>
-                  <a:solidFill>
-                    <a:srgbClr val="FFFFFF"/>
-                  </a:solidFill>
-                </a:uFill>
-                <a:latin typeface="Bitstream Vera Sans Mono"/>
-              </a:rPr>
-              <a:t> &amp; Go Funktion: 1) </a:t>
-            </a:r>
-            <a:r>
-              <a:rPr lang="de-DE" sz="1500" strike="noStrike" spc="-1" dirty="0" err="1">
-                <a:solidFill>
-                  <a:srgbClr val="000000"/>
-                </a:solidFill>
-                <a:uFill>
-                  <a:solidFill>
-                    <a:srgbClr val="FFFFFF"/>
-                  </a:solidFill>
-                </a:uFill>
-                <a:latin typeface="Bitstream Vera Sans Mono"/>
-              </a:rPr>
-              <a:t>then</a:t>
-            </a:r>
-            <a:r>
-              <a:rPr lang="de-DE" sz="1500" strike="noStrike" spc="-1" dirty="0">
-                <a:solidFill>
-                  <a:srgbClr val="000000"/>
-                </a:solidFill>
-                <a:uFill>
-                  <a:solidFill>
-                    <a:srgbClr val="FFFFFF"/>
-                  </a:solidFill>
-                </a:uFill>
-                <a:latin typeface="Bitstream Vera Sans Mono"/>
-              </a:rPr>
-              <a:t> (</a:t>
-            </a:r>
-            <a:r>
-              <a:rPr lang="de-DE" sz="1500" strike="noStrike" spc="-1" dirty="0" err="1">
-                <a:solidFill>
-                  <a:srgbClr val="000000"/>
-                </a:solidFill>
-                <a:uFill>
-                  <a:solidFill>
-                    <a:srgbClr val="FFFFFF"/>
-                  </a:solidFill>
-                </a:uFill>
-                <a:latin typeface="Bitstream Vera Sans Mono"/>
-              </a:rPr>
-              <a:t>Spurverlassenswarnung</a:t>
-            </a:r>
-            <a:r>
-              <a:rPr lang="de-DE" sz="1500" strike="noStrike" spc="-1" dirty="0">
-                <a:solidFill>
-                  <a:srgbClr val="000000"/>
-                </a:solidFill>
-                <a:uFill>
-                  <a:solidFill>
-                    <a:srgbClr val="FFFFFF"/>
-                  </a:solidFill>
-                </a:uFill>
-                <a:latin typeface="Bitstream Vera Sans Mono"/>
-              </a:rPr>
-              <a:t>: 1)</a:t>
-            </a:r>
-            <a:endParaRPr dirty="0"/>
-          </a:p>
-          <a:p>
-            <a:pPr>
-              <a:lnSpc>
-                <a:spcPct val="90000"/>
-              </a:lnSpc>
-            </a:pPr>
-            <a:r>
-              <a:rPr lang="de-DE" sz="1500" strike="noStrike" spc="-1" dirty="0" err="1">
-                <a:solidFill>
-                  <a:srgbClr val="000000"/>
-                </a:solidFill>
-                <a:uFill>
-                  <a:solidFill>
-                    <a:srgbClr val="FFFFFF"/>
-                  </a:solidFill>
-                </a:uFill>
-                <a:latin typeface="Bitstream Vera Sans Mono"/>
-              </a:rPr>
-              <a:t>lift</a:t>
-            </a:r>
-            <a:r>
-              <a:rPr lang="de-DE" sz="1500" strike="noStrike" spc="-1" dirty="0">
-                <a:solidFill>
-                  <a:srgbClr val="000000"/>
-                </a:solidFill>
-                <a:uFill>
-                  <a:solidFill>
-                    <a:srgbClr val="FFFFFF"/>
-                  </a:solidFill>
-                </a:uFill>
-                <a:latin typeface="Bitstream Vera Sans Mono"/>
-              </a:rPr>
-              <a:t>=18.7918878923; 95.09% </a:t>
-            </a:r>
-            <a:r>
-              <a:rPr lang="de-DE" sz="1500" strike="noStrike" spc="-1" dirty="0" err="1">
-                <a:solidFill>
-                  <a:srgbClr val="000000"/>
-                </a:solidFill>
-                <a:uFill>
-                  <a:solidFill>
-                    <a:srgbClr val="FFFFFF"/>
-                  </a:solidFill>
-                </a:uFill>
-                <a:latin typeface="Bitstream Vera Sans Mono"/>
-              </a:rPr>
-              <a:t>of</a:t>
-            </a:r>
-            <a:r>
-              <a:rPr lang="de-DE" sz="1500" strike="noStrike" spc="-1" dirty="0">
-                <a:solidFill>
-                  <a:srgbClr val="000000"/>
-                </a:solidFill>
-                <a:uFill>
-                  <a:solidFill>
-                    <a:srgbClr val="FFFFFF"/>
-                  </a:solidFill>
-                </a:uFill>
-                <a:latin typeface="Bitstream Vera Sans Mono"/>
-              </a:rPr>
-              <a:t> 19271 </a:t>
-            </a:r>
-            <a:r>
-              <a:rPr lang="de-DE" sz="1500" strike="noStrike" spc="-1" dirty="0" err="1">
-                <a:solidFill>
-                  <a:srgbClr val="000000"/>
-                </a:solidFill>
-                <a:uFill>
-                  <a:solidFill>
-                    <a:srgbClr val="FFFFFF"/>
-                  </a:solidFill>
-                </a:uFill>
-                <a:latin typeface="Bitstream Vera Sans Mono"/>
-              </a:rPr>
-              <a:t>people</a:t>
-            </a:r>
-            <a:r>
-              <a:rPr lang="de-DE" sz="1500" strike="noStrike" spc="-1" dirty="0">
-                <a:solidFill>
-                  <a:srgbClr val="000000"/>
-                </a:solidFill>
-                <a:uFill>
-                  <a:solidFill>
-                    <a:srgbClr val="FFFFFF"/>
-                  </a:solidFill>
-                </a:uFill>
-                <a:latin typeface="Bitstream Vera Sans Mono"/>
-              </a:rPr>
-              <a:t>: </a:t>
-            </a:r>
-            <a:r>
-              <a:rPr lang="de-DE" sz="1500" strike="noStrike" spc="-1" dirty="0" err="1">
-                <a:solidFill>
-                  <a:srgbClr val="000000"/>
-                </a:solidFill>
-                <a:uFill>
-                  <a:solidFill>
-                    <a:srgbClr val="FFFFFF"/>
-                  </a:solidFill>
-                </a:uFill>
-                <a:latin typeface="Bitstream Vera Sans Mono"/>
-              </a:rPr>
-              <a:t>If</a:t>
-            </a:r>
-            <a:r>
-              <a:rPr lang="de-DE" sz="1500" strike="noStrike" spc="-1" dirty="0">
-                <a:solidFill>
-                  <a:srgbClr val="000000"/>
-                </a:solidFill>
-                <a:uFill>
-                  <a:solidFill>
-                    <a:srgbClr val="FFFFFF"/>
-                  </a:solidFill>
-                </a:uFill>
-                <a:latin typeface="Bitstream Vera Sans Mono"/>
-              </a:rPr>
-              <a:t> (Spurwechselwarnung: 1 &amp; Variable Sportlenkung: 1) </a:t>
-            </a:r>
-            <a:r>
-              <a:rPr lang="de-DE" sz="1500" strike="noStrike" spc="-1" dirty="0" err="1">
-                <a:solidFill>
-                  <a:srgbClr val="000000"/>
-                </a:solidFill>
-                <a:uFill>
-                  <a:solidFill>
-                    <a:srgbClr val="FFFFFF"/>
-                  </a:solidFill>
-                </a:uFill>
-                <a:latin typeface="Bitstream Vera Sans Mono"/>
-              </a:rPr>
-              <a:t>then</a:t>
-            </a:r>
-            <a:r>
-              <a:rPr lang="de-DE" sz="1500" strike="noStrike" spc="-1" dirty="0">
-                <a:solidFill>
-                  <a:srgbClr val="000000"/>
-                </a:solidFill>
-                <a:uFill>
-                  <a:solidFill>
-                    <a:srgbClr val="FFFFFF"/>
-                  </a:solidFill>
-                </a:uFill>
-                <a:latin typeface="Bitstream Vera Sans Mono"/>
-              </a:rPr>
-              <a:t> (</a:t>
-            </a:r>
-            <a:r>
-              <a:rPr lang="de-DE" sz="1500" strike="noStrike" spc="-1" dirty="0" err="1">
-                <a:solidFill>
-                  <a:srgbClr val="000000"/>
-                </a:solidFill>
-                <a:uFill>
-                  <a:solidFill>
-                    <a:srgbClr val="FFFFFF"/>
-                  </a:solidFill>
-                </a:uFill>
-                <a:latin typeface="Bitstream Vera Sans Mono"/>
-              </a:rPr>
-              <a:t>Spurverlassenswarnung</a:t>
-            </a:r>
-            <a:r>
-              <a:rPr lang="de-DE" sz="1500" strike="noStrike" spc="-1" dirty="0">
-                <a:solidFill>
-                  <a:srgbClr val="000000"/>
-                </a:solidFill>
-                <a:uFill>
-                  <a:solidFill>
-                    <a:srgbClr val="FFFFFF"/>
-                  </a:solidFill>
-                </a:uFill>
-                <a:latin typeface="Bitstream Vera Sans Mono"/>
-              </a:rPr>
-              <a:t>: 1)</a:t>
-            </a:r>
-            <a:endParaRPr dirty="0"/>
-          </a:p>
-          <a:p>
-            <a:pPr>
-              <a:lnSpc>
-                <a:spcPct val="90000"/>
-              </a:lnSpc>
-            </a:pPr>
-            <a:r>
-              <a:rPr lang="de-DE" sz="1500" strike="noStrike" spc="-1" dirty="0" err="1">
-                <a:solidFill>
-                  <a:srgbClr val="000000"/>
-                </a:solidFill>
-                <a:uFill>
-                  <a:solidFill>
-                    <a:srgbClr val="FFFFFF"/>
-                  </a:solidFill>
-                </a:uFill>
-                <a:latin typeface="Bitstream Vera Sans Mono"/>
-              </a:rPr>
-              <a:t>lift</a:t>
-            </a:r>
-            <a:r>
-              <a:rPr lang="de-DE" sz="1500" strike="noStrike" spc="-1" dirty="0">
-                <a:solidFill>
-                  <a:srgbClr val="000000"/>
-                </a:solidFill>
-                <a:uFill>
-                  <a:solidFill>
-                    <a:srgbClr val="FFFFFF"/>
-                  </a:solidFill>
-                </a:uFill>
-                <a:latin typeface="Bitstream Vera Sans Mono"/>
-              </a:rPr>
-              <a:t>=18.8751943598; 95.51% </a:t>
-            </a:r>
-            <a:r>
-              <a:rPr lang="de-DE" sz="1500" strike="noStrike" spc="-1" dirty="0" err="1">
-                <a:solidFill>
-                  <a:srgbClr val="000000"/>
-                </a:solidFill>
-                <a:uFill>
-                  <a:solidFill>
-                    <a:srgbClr val="FFFFFF"/>
-                  </a:solidFill>
-                </a:uFill>
-                <a:latin typeface="Bitstream Vera Sans Mono"/>
-              </a:rPr>
-              <a:t>of</a:t>
-            </a:r>
-            <a:r>
-              <a:rPr lang="de-DE" sz="1500" strike="noStrike" spc="-1" dirty="0">
-                <a:solidFill>
-                  <a:srgbClr val="000000"/>
-                </a:solidFill>
-                <a:uFill>
-                  <a:solidFill>
-                    <a:srgbClr val="FFFFFF"/>
-                  </a:solidFill>
-                </a:uFill>
-                <a:latin typeface="Bitstream Vera Sans Mono"/>
-              </a:rPr>
-              <a:t> 20556 </a:t>
-            </a:r>
-            <a:r>
-              <a:rPr lang="de-DE" sz="1500" strike="noStrike" spc="-1" dirty="0" err="1">
-                <a:solidFill>
-                  <a:srgbClr val="000000"/>
-                </a:solidFill>
-                <a:uFill>
-                  <a:solidFill>
-                    <a:srgbClr val="FFFFFF"/>
-                  </a:solidFill>
-                </a:uFill>
-                <a:latin typeface="Bitstream Vera Sans Mono"/>
-              </a:rPr>
-              <a:t>people</a:t>
-            </a:r>
-            <a:r>
-              <a:rPr lang="de-DE" sz="1500" strike="noStrike" spc="-1" dirty="0">
-                <a:solidFill>
-                  <a:srgbClr val="000000"/>
-                </a:solidFill>
-                <a:uFill>
-                  <a:solidFill>
-                    <a:srgbClr val="FFFFFF"/>
-                  </a:solidFill>
-                </a:uFill>
-                <a:latin typeface="Bitstream Vera Sans Mono"/>
-              </a:rPr>
-              <a:t>: </a:t>
-            </a:r>
-            <a:r>
-              <a:rPr lang="de-DE" sz="1500" strike="noStrike" spc="-1" dirty="0" err="1">
-                <a:solidFill>
-                  <a:srgbClr val="000000"/>
-                </a:solidFill>
-                <a:uFill>
-                  <a:solidFill>
-                    <a:srgbClr val="FFFFFF"/>
-                  </a:solidFill>
-                </a:uFill>
-                <a:latin typeface="Bitstream Vera Sans Mono"/>
-              </a:rPr>
-              <a:t>If</a:t>
-            </a:r>
-            <a:r>
-              <a:rPr lang="de-DE" sz="1500" strike="noStrike" spc="-1" dirty="0">
-                <a:solidFill>
-                  <a:srgbClr val="000000"/>
-                </a:solidFill>
-                <a:uFill>
-                  <a:solidFill>
-                    <a:srgbClr val="FFFFFF"/>
-                  </a:solidFill>
-                </a:uFill>
-                <a:latin typeface="Bitstream Vera Sans Mono"/>
-              </a:rPr>
-              <a:t> (Spurwechselwarnung: 1 &amp; Komfortzugang: 1) </a:t>
-            </a:r>
-            <a:r>
-              <a:rPr lang="de-DE" sz="1500" strike="noStrike" spc="-1" dirty="0" err="1">
-                <a:solidFill>
-                  <a:srgbClr val="000000"/>
-                </a:solidFill>
-                <a:uFill>
-                  <a:solidFill>
-                    <a:srgbClr val="FFFFFF"/>
-                  </a:solidFill>
-                </a:uFill>
-                <a:latin typeface="Bitstream Vera Sans Mono"/>
-              </a:rPr>
-              <a:t>then</a:t>
-            </a:r>
-            <a:r>
-              <a:rPr lang="de-DE" sz="1500" strike="noStrike" spc="-1" dirty="0">
-                <a:solidFill>
-                  <a:srgbClr val="000000"/>
-                </a:solidFill>
-                <a:uFill>
-                  <a:solidFill>
-                    <a:srgbClr val="FFFFFF"/>
-                  </a:solidFill>
-                </a:uFill>
-                <a:latin typeface="Bitstream Vera Sans Mono"/>
-              </a:rPr>
-              <a:t> (</a:t>
-            </a:r>
-            <a:r>
-              <a:rPr lang="de-DE" sz="1500" strike="noStrike" spc="-1" dirty="0" err="1">
-                <a:solidFill>
-                  <a:srgbClr val="000000"/>
-                </a:solidFill>
-                <a:uFill>
-                  <a:solidFill>
-                    <a:srgbClr val="FFFFFF"/>
-                  </a:solidFill>
-                </a:uFill>
-                <a:latin typeface="Bitstream Vera Sans Mono"/>
-              </a:rPr>
-              <a:t>Spurverlassenswarnung</a:t>
-            </a:r>
-            <a:r>
-              <a:rPr lang="de-DE" sz="1500" strike="noStrike" spc="-1" dirty="0">
-                <a:solidFill>
-                  <a:srgbClr val="000000"/>
-                </a:solidFill>
-                <a:uFill>
-                  <a:solidFill>
-                    <a:srgbClr val="FFFFFF"/>
-                  </a:solidFill>
-                </a:uFill>
-                <a:latin typeface="Bitstream Vera Sans Mono"/>
-              </a:rPr>
-              <a:t>: 1)</a:t>
-            </a:r>
-            <a:endParaRPr dirty="0"/>
-          </a:p>
-          <a:p>
-            <a:pPr>
-              <a:lnSpc>
-                <a:spcPct val="90000"/>
-              </a:lnSpc>
-            </a:pPr>
-            <a:r>
-              <a:rPr lang="de-DE" sz="1500" strike="noStrike" spc="-1" dirty="0" err="1">
-                <a:solidFill>
-                  <a:srgbClr val="000000"/>
-                </a:solidFill>
-                <a:uFill>
-                  <a:solidFill>
-                    <a:srgbClr val="FFFFFF"/>
-                  </a:solidFill>
-                </a:uFill>
-                <a:latin typeface="Bitstream Vera Sans Mono"/>
-              </a:rPr>
-              <a:t>lift</a:t>
-            </a:r>
-            <a:r>
-              <a:rPr lang="de-DE" sz="1500" strike="noStrike" spc="-1" dirty="0">
-                <a:solidFill>
-                  <a:srgbClr val="000000"/>
-                </a:solidFill>
-                <a:uFill>
-                  <a:solidFill>
-                    <a:srgbClr val="FFFFFF"/>
-                  </a:solidFill>
-                </a:uFill>
-                <a:latin typeface="Bitstream Vera Sans Mono"/>
-              </a:rPr>
-              <a:t>=19.2441266409; 82.41% </a:t>
-            </a:r>
-            <a:r>
-              <a:rPr lang="de-DE" sz="1500" strike="noStrike" spc="-1" dirty="0" err="1">
-                <a:solidFill>
-                  <a:srgbClr val="000000"/>
-                </a:solidFill>
-                <a:uFill>
-                  <a:solidFill>
-                    <a:srgbClr val="FFFFFF"/>
-                  </a:solidFill>
-                </a:uFill>
-                <a:latin typeface="Bitstream Vera Sans Mono"/>
-              </a:rPr>
-              <a:t>of</a:t>
-            </a:r>
-            <a:r>
-              <a:rPr lang="de-DE" sz="1500" strike="noStrike" spc="-1" dirty="0">
-                <a:solidFill>
-                  <a:srgbClr val="000000"/>
-                </a:solidFill>
-                <a:uFill>
-                  <a:solidFill>
-                    <a:srgbClr val="FFFFFF"/>
-                  </a:solidFill>
-                </a:uFill>
-                <a:latin typeface="Bitstream Vera Sans Mono"/>
-              </a:rPr>
-              <a:t> 17105 </a:t>
-            </a:r>
-            <a:r>
-              <a:rPr lang="de-DE" sz="1500" strike="noStrike" spc="-1" dirty="0" err="1">
-                <a:solidFill>
-                  <a:srgbClr val="000000"/>
-                </a:solidFill>
-                <a:uFill>
-                  <a:solidFill>
-                    <a:srgbClr val="FFFFFF"/>
-                  </a:solidFill>
-                </a:uFill>
-                <a:latin typeface="Bitstream Vera Sans Mono"/>
-              </a:rPr>
-              <a:t>people</a:t>
-            </a:r>
-            <a:r>
-              <a:rPr lang="de-DE" sz="1500" strike="noStrike" spc="-1" dirty="0">
-                <a:solidFill>
-                  <a:srgbClr val="000000"/>
-                </a:solidFill>
-                <a:uFill>
-                  <a:solidFill>
-                    <a:srgbClr val="FFFFFF"/>
-                  </a:solidFill>
-                </a:uFill>
-                <a:latin typeface="Bitstream Vera Sans Mono"/>
-              </a:rPr>
-              <a:t>: </a:t>
-            </a:r>
-            <a:r>
-              <a:rPr lang="de-DE" sz="1500" strike="noStrike" spc="-1" dirty="0" err="1">
-                <a:solidFill>
-                  <a:srgbClr val="000000"/>
-                </a:solidFill>
-                <a:uFill>
-                  <a:solidFill>
-                    <a:srgbClr val="FFFFFF"/>
-                  </a:solidFill>
-                </a:uFill>
-                <a:latin typeface="Bitstream Vera Sans Mono"/>
-              </a:rPr>
-              <a:t>If</a:t>
-            </a:r>
-            <a:r>
-              <a:rPr lang="de-DE" sz="1500" strike="noStrike" spc="-1" dirty="0">
-                <a:solidFill>
-                  <a:srgbClr val="000000"/>
-                </a:solidFill>
-                <a:uFill>
-                  <a:solidFill>
-                    <a:srgbClr val="FFFFFF"/>
-                  </a:solidFill>
-                </a:uFill>
-                <a:latin typeface="Bitstream Vera Sans Mono"/>
-              </a:rPr>
-              <a:t> (Spurwechselwarnung: 1 &amp; Rückfahrkamera: 1) </a:t>
-            </a:r>
-            <a:r>
-              <a:rPr lang="de-DE" sz="1500" strike="noStrike" spc="-1" dirty="0" err="1">
-                <a:solidFill>
-                  <a:srgbClr val="000000"/>
-                </a:solidFill>
-                <a:uFill>
-                  <a:solidFill>
-                    <a:srgbClr val="FFFFFF"/>
-                  </a:solidFill>
-                </a:uFill>
-                <a:latin typeface="Bitstream Vera Sans Mono"/>
-              </a:rPr>
-              <a:t>then</a:t>
-            </a:r>
-            <a:r>
-              <a:rPr lang="de-DE" sz="1500" strike="noStrike" spc="-1" dirty="0">
-                <a:solidFill>
-                  <a:srgbClr val="000000"/>
-                </a:solidFill>
-                <a:uFill>
-                  <a:solidFill>
-                    <a:srgbClr val="FFFFFF"/>
-                  </a:solidFill>
-                </a:uFill>
-                <a:latin typeface="Bitstream Vera Sans Mono"/>
-              </a:rPr>
-              <a:t> (Sonnenschutzrollo für Heckscheibe, elektrisch: 1)</a:t>
-            </a:r>
-            <a:endParaRPr dirty="0"/>
-          </a:p>
-          <a:p>
-            <a:pPr>
-              <a:lnSpc>
-                <a:spcPct val="90000"/>
-              </a:lnSpc>
-            </a:pPr>
-            <a:r>
-              <a:rPr lang="de-DE" sz="1500" strike="noStrike" spc="-1" dirty="0" err="1">
-                <a:solidFill>
-                  <a:srgbClr val="000000"/>
-                </a:solidFill>
-                <a:uFill>
-                  <a:solidFill>
-                    <a:srgbClr val="FFFFFF"/>
-                  </a:solidFill>
-                </a:uFill>
-                <a:latin typeface="Bitstream Vera Sans Mono"/>
-              </a:rPr>
-              <a:t>lift</a:t>
-            </a:r>
-            <a:r>
-              <a:rPr lang="de-DE" sz="1500" strike="noStrike" spc="-1" dirty="0">
-                <a:solidFill>
-                  <a:srgbClr val="000000"/>
-                </a:solidFill>
-                <a:uFill>
-                  <a:solidFill>
-                    <a:srgbClr val="FFFFFF"/>
-                  </a:solidFill>
-                </a:uFill>
-                <a:latin typeface="Bitstream Vera Sans Mono"/>
-              </a:rPr>
-              <a:t>=2.27171193731; 85.09% </a:t>
-            </a:r>
-            <a:r>
-              <a:rPr lang="de-DE" sz="1500" strike="noStrike" spc="-1" dirty="0" err="1">
-                <a:solidFill>
-                  <a:srgbClr val="000000"/>
-                </a:solidFill>
-                <a:uFill>
-                  <a:solidFill>
-                    <a:srgbClr val="FFFFFF"/>
-                  </a:solidFill>
-                </a:uFill>
-                <a:latin typeface="Bitstream Vera Sans Mono"/>
-              </a:rPr>
-              <a:t>of</a:t>
-            </a:r>
-            <a:r>
-              <a:rPr lang="de-DE" sz="1500" strike="noStrike" spc="-1" dirty="0">
-                <a:solidFill>
-                  <a:srgbClr val="000000"/>
-                </a:solidFill>
-                <a:uFill>
-                  <a:solidFill>
-                    <a:srgbClr val="FFFFFF"/>
-                  </a:solidFill>
-                </a:uFill>
-                <a:latin typeface="Bitstream Vera Sans Mono"/>
-              </a:rPr>
-              <a:t> 42318 </a:t>
-            </a:r>
-            <a:r>
-              <a:rPr lang="de-DE" sz="1500" strike="noStrike" spc="-1" dirty="0" err="1">
-                <a:solidFill>
-                  <a:srgbClr val="000000"/>
-                </a:solidFill>
-                <a:uFill>
-                  <a:solidFill>
-                    <a:srgbClr val="FFFFFF"/>
-                  </a:solidFill>
-                </a:uFill>
-                <a:latin typeface="Bitstream Vera Sans Mono"/>
-              </a:rPr>
-              <a:t>people</a:t>
-            </a:r>
-            <a:r>
-              <a:rPr lang="de-DE" sz="1500" strike="noStrike" spc="-1" dirty="0">
-                <a:solidFill>
-                  <a:srgbClr val="000000"/>
-                </a:solidFill>
-                <a:uFill>
-                  <a:solidFill>
-                    <a:srgbClr val="FFFFFF"/>
-                  </a:solidFill>
-                </a:uFill>
-                <a:latin typeface="Bitstream Vera Sans Mono"/>
-              </a:rPr>
-              <a:t>: </a:t>
-            </a:r>
-            <a:r>
-              <a:rPr lang="de-DE" sz="1500" strike="noStrike" spc="-1" dirty="0" err="1">
-                <a:solidFill>
-                  <a:srgbClr val="000000"/>
-                </a:solidFill>
-                <a:uFill>
-                  <a:solidFill>
-                    <a:srgbClr val="FFFFFF"/>
-                  </a:solidFill>
-                </a:uFill>
-                <a:latin typeface="Bitstream Vera Sans Mono"/>
-              </a:rPr>
-              <a:t>If</a:t>
-            </a:r>
-            <a:r>
-              <a:rPr lang="de-DE" sz="1500" strike="noStrike" spc="-1" dirty="0">
-                <a:solidFill>
-                  <a:srgbClr val="000000"/>
-                </a:solidFill>
-                <a:uFill>
-                  <a:solidFill>
-                    <a:srgbClr val="FFFFFF"/>
-                  </a:solidFill>
-                </a:uFill>
-                <a:latin typeface="Bitstream Vera Sans Mono"/>
-              </a:rPr>
-              <a:t> (Head </a:t>
-            </a:r>
-            <a:r>
-              <a:rPr lang="de-DE" sz="1500" strike="noStrike" spc="-1" dirty="0" err="1">
-                <a:solidFill>
-                  <a:srgbClr val="000000"/>
-                </a:solidFill>
-                <a:uFill>
-                  <a:solidFill>
-                    <a:srgbClr val="FFFFFF"/>
-                  </a:solidFill>
-                </a:uFill>
-                <a:latin typeface="Bitstream Vera Sans Mono"/>
-              </a:rPr>
-              <a:t>Up</a:t>
-            </a:r>
-            <a:r>
-              <a:rPr lang="de-DE" sz="1500" strike="noStrike" spc="-1" dirty="0">
-                <a:solidFill>
-                  <a:srgbClr val="000000"/>
-                </a:solidFill>
-                <a:uFill>
-                  <a:solidFill>
-                    <a:srgbClr val="FFFFFF"/>
-                  </a:solidFill>
-                </a:uFill>
-                <a:latin typeface="Bitstream Vera Sans Mono"/>
-              </a:rPr>
-              <a:t> Display (HUD): 1) </a:t>
-            </a:r>
-            <a:r>
-              <a:rPr lang="de-DE" sz="1500" strike="noStrike" spc="-1" dirty="0" err="1">
-                <a:solidFill>
-                  <a:srgbClr val="000000"/>
-                </a:solidFill>
-                <a:uFill>
-                  <a:solidFill>
-                    <a:srgbClr val="FFFFFF"/>
-                  </a:solidFill>
-                </a:uFill>
-                <a:latin typeface="Bitstream Vera Sans Mono"/>
-              </a:rPr>
-              <a:t>then</a:t>
-            </a:r>
-            <a:r>
-              <a:rPr lang="de-DE" sz="1500" strike="noStrike" spc="-1" dirty="0">
-                <a:solidFill>
-                  <a:srgbClr val="000000"/>
-                </a:solidFill>
-                <a:uFill>
-                  <a:solidFill>
-                    <a:srgbClr val="FFFFFF"/>
-                  </a:solidFill>
-                </a:uFill>
-                <a:latin typeface="Bitstream Vera Sans Mono"/>
-              </a:rPr>
-              <a:t> (Klimaautomatik, 2 Zonen mit erweitertem Umfang: 1)</a:t>
-            </a:r>
-            <a:endParaRPr dirty="0"/>
-          </a:p>
-          <a:p>
-            <a:pPr>
-              <a:lnSpc>
-                <a:spcPct val="90000"/>
-              </a:lnSpc>
-            </a:pPr>
-            <a:r>
-              <a:rPr lang="de-DE" sz="1500" strike="noStrike" spc="-1" dirty="0" err="1">
-                <a:solidFill>
-                  <a:srgbClr val="000000"/>
-                </a:solidFill>
-                <a:uFill>
-                  <a:solidFill>
-                    <a:srgbClr val="FFFFFF"/>
-                  </a:solidFill>
-                </a:uFill>
-                <a:latin typeface="Bitstream Vera Sans Mono"/>
-              </a:rPr>
-              <a:t>lift</a:t>
-            </a:r>
-            <a:r>
-              <a:rPr lang="de-DE" sz="1500" strike="noStrike" spc="-1" dirty="0">
-                <a:solidFill>
-                  <a:srgbClr val="000000"/>
-                </a:solidFill>
-                <a:uFill>
-                  <a:solidFill>
-                    <a:srgbClr val="FFFFFF"/>
-                  </a:solidFill>
-                </a:uFill>
-                <a:latin typeface="Bitstream Vera Sans Mono"/>
-              </a:rPr>
-              <a:t>=3.85802119583; 95.75% </a:t>
-            </a:r>
-            <a:r>
-              <a:rPr lang="de-DE" sz="1500" strike="noStrike" spc="-1" dirty="0" err="1">
-                <a:solidFill>
-                  <a:srgbClr val="000000"/>
-                </a:solidFill>
-                <a:uFill>
-                  <a:solidFill>
-                    <a:srgbClr val="FFFFFF"/>
-                  </a:solidFill>
-                </a:uFill>
-                <a:latin typeface="Bitstream Vera Sans Mono"/>
-              </a:rPr>
-              <a:t>of</a:t>
-            </a:r>
-            <a:r>
-              <a:rPr lang="de-DE" sz="1500" strike="noStrike" spc="-1" dirty="0">
-                <a:solidFill>
-                  <a:srgbClr val="000000"/>
-                </a:solidFill>
-                <a:uFill>
-                  <a:solidFill>
-                    <a:srgbClr val="FFFFFF"/>
-                  </a:solidFill>
-                </a:uFill>
-                <a:latin typeface="Bitstream Vera Sans Mono"/>
-              </a:rPr>
-              <a:t> 164828 </a:t>
-            </a:r>
-            <a:r>
-              <a:rPr lang="de-DE" sz="1500" strike="noStrike" spc="-1" dirty="0" err="1">
-                <a:solidFill>
-                  <a:srgbClr val="000000"/>
-                </a:solidFill>
-                <a:uFill>
-                  <a:solidFill>
-                    <a:srgbClr val="FFFFFF"/>
-                  </a:solidFill>
-                </a:uFill>
-                <a:latin typeface="Bitstream Vera Sans Mono"/>
-              </a:rPr>
-              <a:t>people</a:t>
-            </a:r>
-            <a:r>
-              <a:rPr lang="de-DE" sz="1500" strike="noStrike" spc="-1" dirty="0">
-                <a:solidFill>
-                  <a:srgbClr val="000000"/>
-                </a:solidFill>
-                <a:uFill>
-                  <a:solidFill>
-                    <a:srgbClr val="FFFFFF"/>
-                  </a:solidFill>
-                </a:uFill>
-                <a:latin typeface="Bitstream Vera Sans Mono"/>
-              </a:rPr>
-              <a:t>: </a:t>
-            </a:r>
-            <a:r>
-              <a:rPr lang="de-DE" sz="1500" strike="noStrike" spc="-1" dirty="0" err="1">
-                <a:solidFill>
-                  <a:srgbClr val="000000"/>
-                </a:solidFill>
-                <a:uFill>
-                  <a:solidFill>
-                    <a:srgbClr val="FFFFFF"/>
-                  </a:solidFill>
-                </a:uFill>
-                <a:latin typeface="Bitstream Vera Sans Mono"/>
-              </a:rPr>
-              <a:t>If</a:t>
-            </a:r>
-            <a:r>
-              <a:rPr lang="de-DE" sz="1500" strike="noStrike" spc="-1" dirty="0">
-                <a:solidFill>
-                  <a:srgbClr val="000000"/>
-                </a:solidFill>
-                <a:uFill>
-                  <a:solidFill>
-                    <a:srgbClr val="FFFFFF"/>
-                  </a:solidFill>
-                </a:uFill>
-                <a:latin typeface="Bitstream Vera Sans Mono"/>
-              </a:rPr>
-              <a:t> (Polster: Stoff Anthrazit) </a:t>
-            </a:r>
-            <a:r>
-              <a:rPr lang="de-DE" sz="1500" strike="noStrike" spc="-1" dirty="0" err="1">
-                <a:solidFill>
-                  <a:srgbClr val="000000"/>
-                </a:solidFill>
-                <a:uFill>
-                  <a:solidFill>
-                    <a:srgbClr val="FFFFFF"/>
-                  </a:solidFill>
-                </a:uFill>
-                <a:latin typeface="Bitstream Vera Sans Mono"/>
-              </a:rPr>
-              <a:t>then</a:t>
-            </a:r>
-            <a:r>
-              <a:rPr lang="de-DE" sz="1500" strike="noStrike" spc="-1" dirty="0">
-                <a:solidFill>
-                  <a:srgbClr val="000000"/>
-                </a:solidFill>
-                <a:uFill>
-                  <a:solidFill>
-                    <a:srgbClr val="FFFFFF"/>
-                  </a:solidFill>
-                </a:uFill>
-                <a:latin typeface="Bitstream Vera Sans Mono"/>
-              </a:rPr>
-              <a:t> (Line: Keine Line)</a:t>
-            </a:r>
-            <a:endParaRPr dirty="0"/>
-          </a:p>
-          <a:p>
-            <a:pPr>
-              <a:lnSpc>
-                <a:spcPct val="90000"/>
-              </a:lnSpc>
-            </a:pPr>
-            <a:r>
-              <a:rPr lang="de-DE" sz="1500" strike="noStrike" spc="-1" dirty="0" err="1">
-                <a:solidFill>
-                  <a:srgbClr val="000000"/>
-                </a:solidFill>
-                <a:uFill>
-                  <a:solidFill>
-                    <a:srgbClr val="FFFFFF"/>
-                  </a:solidFill>
-                </a:uFill>
-                <a:latin typeface="Bitstream Vera Sans Mono"/>
-              </a:rPr>
-              <a:t>lift</a:t>
-            </a:r>
-            <a:r>
-              <a:rPr lang="de-DE" sz="1500" strike="noStrike" spc="-1" dirty="0">
-                <a:solidFill>
-                  <a:srgbClr val="000000"/>
-                </a:solidFill>
-                <a:uFill>
-                  <a:solidFill>
-                    <a:srgbClr val="FFFFFF"/>
-                  </a:solidFill>
-                </a:uFill>
-                <a:latin typeface="Bitstream Vera Sans Mono"/>
-              </a:rPr>
-              <a:t>=4.65103559361; 80.38% </a:t>
-            </a:r>
-            <a:r>
-              <a:rPr lang="de-DE" sz="1500" strike="noStrike" spc="-1" dirty="0" err="1">
-                <a:solidFill>
-                  <a:srgbClr val="000000"/>
-                </a:solidFill>
-                <a:uFill>
-                  <a:solidFill>
-                    <a:srgbClr val="FFFFFF"/>
-                  </a:solidFill>
-                </a:uFill>
-                <a:latin typeface="Bitstream Vera Sans Mono"/>
-              </a:rPr>
-              <a:t>of</a:t>
-            </a:r>
-            <a:r>
-              <a:rPr lang="de-DE" sz="1500" strike="noStrike" spc="-1" dirty="0">
-                <a:solidFill>
-                  <a:srgbClr val="000000"/>
-                </a:solidFill>
-                <a:uFill>
-                  <a:solidFill>
-                    <a:srgbClr val="FFFFFF"/>
-                  </a:solidFill>
-                </a:uFill>
-                <a:latin typeface="Bitstream Vera Sans Mono"/>
-              </a:rPr>
-              <a:t> 25857 </a:t>
-            </a:r>
-            <a:r>
-              <a:rPr lang="de-DE" sz="1500" strike="noStrike" spc="-1" dirty="0" err="1">
-                <a:solidFill>
-                  <a:srgbClr val="000000"/>
-                </a:solidFill>
-                <a:uFill>
-                  <a:solidFill>
-                    <a:srgbClr val="FFFFFF"/>
-                  </a:solidFill>
-                </a:uFill>
-                <a:latin typeface="Bitstream Vera Sans Mono"/>
-              </a:rPr>
-              <a:t>people</a:t>
-            </a:r>
-            <a:r>
-              <a:rPr lang="de-DE" sz="1500" strike="noStrike" spc="-1" dirty="0">
-                <a:solidFill>
-                  <a:srgbClr val="000000"/>
-                </a:solidFill>
-                <a:uFill>
-                  <a:solidFill>
-                    <a:srgbClr val="FFFFFF"/>
-                  </a:solidFill>
-                </a:uFill>
-                <a:latin typeface="Bitstream Vera Sans Mono"/>
-              </a:rPr>
-              <a:t>: </a:t>
-            </a:r>
-            <a:r>
-              <a:rPr lang="de-DE" sz="1500" strike="noStrike" spc="-1" dirty="0" err="1">
-                <a:solidFill>
-                  <a:srgbClr val="000000"/>
-                </a:solidFill>
-                <a:uFill>
-                  <a:solidFill>
-                    <a:srgbClr val="FFFFFF"/>
-                  </a:solidFill>
-                </a:uFill>
-                <a:latin typeface="Bitstream Vera Sans Mono"/>
-              </a:rPr>
-              <a:t>If</a:t>
-            </a:r>
-            <a:r>
-              <a:rPr lang="de-DE" sz="1500" strike="noStrike" spc="-1" dirty="0">
-                <a:solidFill>
-                  <a:srgbClr val="000000"/>
-                </a:solidFill>
-                <a:uFill>
-                  <a:solidFill>
-                    <a:srgbClr val="FFFFFF"/>
-                  </a:solidFill>
-                </a:uFill>
-                <a:latin typeface="Bitstream Vera Sans Mono"/>
-              </a:rPr>
-              <a:t> (Raeder: 16'' Alu "Basis") </a:t>
-            </a:r>
-            <a:r>
-              <a:rPr lang="de-DE" sz="1500" strike="noStrike" spc="-1" dirty="0" err="1">
-                <a:solidFill>
-                  <a:srgbClr val="000000"/>
-                </a:solidFill>
-                <a:uFill>
-                  <a:solidFill>
-                    <a:srgbClr val="FFFFFF"/>
-                  </a:solidFill>
-                </a:uFill>
-                <a:latin typeface="Bitstream Vera Sans Mono"/>
-              </a:rPr>
-              <a:t>then</a:t>
-            </a:r>
-            <a:r>
-              <a:rPr lang="de-DE" sz="1500" strike="noStrike" spc="-1" dirty="0">
-                <a:solidFill>
-                  <a:srgbClr val="000000"/>
-                </a:solidFill>
-                <a:uFill>
-                  <a:solidFill>
-                    <a:srgbClr val="FFFFFF"/>
-                  </a:solidFill>
-                </a:uFill>
-                <a:latin typeface="Bitstream Vera Sans Mono"/>
-              </a:rPr>
-              <a:t> (Polster: Stoff Anthrazit)</a:t>
-            </a:r>
-            <a:endParaRPr dirty="0"/>
-          </a:p>
-          <a:p>
-            <a:pPr>
-              <a:lnSpc>
-                <a:spcPct val="90000"/>
-              </a:lnSpc>
-            </a:pPr>
-            <a:r>
-              <a:rPr lang="de-DE" sz="1500" strike="noStrike" spc="-1" dirty="0" err="1">
-                <a:solidFill>
-                  <a:srgbClr val="000000"/>
-                </a:solidFill>
-                <a:uFill>
-                  <a:solidFill>
-                    <a:srgbClr val="FFFFFF"/>
-                  </a:solidFill>
-                </a:uFill>
-                <a:latin typeface="Bitstream Vera Sans Mono"/>
-              </a:rPr>
-              <a:t>lift</a:t>
-            </a:r>
-            <a:r>
-              <a:rPr lang="de-DE" sz="1500" strike="noStrike" spc="-1" dirty="0">
-                <a:solidFill>
-                  <a:srgbClr val="000000"/>
-                </a:solidFill>
-                <a:uFill>
-                  <a:solidFill>
-                    <a:srgbClr val="FFFFFF"/>
-                  </a:solidFill>
-                </a:uFill>
-                <a:latin typeface="Bitstream Vera Sans Mono"/>
-              </a:rPr>
-              <a:t>=5.09192881201; 80.30% </a:t>
-            </a:r>
-            <a:r>
-              <a:rPr lang="de-DE" sz="1500" strike="noStrike" spc="-1" dirty="0" err="1">
-                <a:solidFill>
-                  <a:srgbClr val="000000"/>
-                </a:solidFill>
-                <a:uFill>
-                  <a:solidFill>
-                    <a:srgbClr val="FFFFFF"/>
-                  </a:solidFill>
-                </a:uFill>
-                <a:latin typeface="Bitstream Vera Sans Mono"/>
-              </a:rPr>
-              <a:t>of</a:t>
-            </a:r>
-            <a:r>
-              <a:rPr lang="de-DE" sz="1500" strike="noStrike" spc="-1" dirty="0">
-                <a:solidFill>
-                  <a:srgbClr val="000000"/>
-                </a:solidFill>
-                <a:uFill>
-                  <a:solidFill>
-                    <a:srgbClr val="FFFFFF"/>
-                  </a:solidFill>
-                </a:uFill>
-                <a:latin typeface="Bitstream Vera Sans Mono"/>
-              </a:rPr>
-              <a:t> 34073 </a:t>
-            </a:r>
-            <a:r>
-              <a:rPr lang="de-DE" sz="1500" strike="noStrike" spc="-1" dirty="0" err="1">
-                <a:solidFill>
-                  <a:srgbClr val="000000"/>
-                </a:solidFill>
-                <a:uFill>
-                  <a:solidFill>
-                    <a:srgbClr val="FFFFFF"/>
-                  </a:solidFill>
-                </a:uFill>
-                <a:latin typeface="Bitstream Vera Sans Mono"/>
-              </a:rPr>
-              <a:t>people</a:t>
-            </a:r>
-            <a:r>
-              <a:rPr lang="de-DE" sz="1500" strike="noStrike" spc="-1" dirty="0">
-                <a:solidFill>
-                  <a:srgbClr val="000000"/>
-                </a:solidFill>
-                <a:uFill>
-                  <a:solidFill>
-                    <a:srgbClr val="FFFFFF"/>
-                  </a:solidFill>
-                </a:uFill>
-                <a:latin typeface="Bitstream Vera Sans Mono"/>
-              </a:rPr>
-              <a:t>: </a:t>
-            </a:r>
-            <a:r>
-              <a:rPr lang="de-DE" sz="1500" strike="noStrike" spc="-1" dirty="0" err="1">
-                <a:solidFill>
-                  <a:srgbClr val="000000"/>
-                </a:solidFill>
-                <a:uFill>
-                  <a:solidFill>
-                    <a:srgbClr val="FFFFFF"/>
-                  </a:solidFill>
-                </a:uFill>
-                <a:latin typeface="Bitstream Vera Sans Mono"/>
-              </a:rPr>
-              <a:t>If</a:t>
-            </a:r>
-            <a:r>
-              <a:rPr lang="de-DE" sz="1500" strike="noStrike" spc="-1" dirty="0">
-                <a:solidFill>
-                  <a:srgbClr val="000000"/>
-                </a:solidFill>
-                <a:uFill>
-                  <a:solidFill>
-                    <a:srgbClr val="FFFFFF"/>
-                  </a:solidFill>
-                </a:uFill>
-                <a:latin typeface="Bitstream Vera Sans Mono"/>
-              </a:rPr>
-              <a:t> (Raeder: 16 Zoll Stahlräder mit Radvollblenden) </a:t>
-            </a:r>
-            <a:r>
-              <a:rPr lang="de-DE" sz="1500" strike="noStrike" spc="-1" dirty="0" err="1">
-                <a:solidFill>
-                  <a:srgbClr val="000000"/>
-                </a:solidFill>
-                <a:uFill>
-                  <a:solidFill>
-                    <a:srgbClr val="FFFFFF"/>
-                  </a:solidFill>
-                </a:uFill>
-                <a:latin typeface="Bitstream Vera Sans Mono"/>
-              </a:rPr>
-              <a:t>then</a:t>
-            </a:r>
-            <a:r>
-              <a:rPr lang="de-DE" sz="1500" strike="noStrike" spc="-1" dirty="0">
-                <a:solidFill>
-                  <a:srgbClr val="000000"/>
-                </a:solidFill>
-                <a:uFill>
-                  <a:solidFill>
-                    <a:srgbClr val="FFFFFF"/>
-                  </a:solidFill>
-                </a:uFill>
-                <a:latin typeface="Bitstream Vera Sans Mono"/>
-              </a:rPr>
-              <a:t> (Leisten: Satinsilber, matt)</a:t>
-            </a:r>
-            <a:endParaRPr dirty="0"/>
-          </a:p>
-          <a:p>
-            <a:pPr>
-              <a:lnSpc>
-                <a:spcPct val="90000"/>
-              </a:lnSpc>
-            </a:pPr>
-            <a:r>
-              <a:rPr lang="de-DE" sz="1500" strike="noStrike" spc="-1" dirty="0" err="1">
-                <a:solidFill>
-                  <a:srgbClr val="000000"/>
-                </a:solidFill>
-                <a:uFill>
-                  <a:solidFill>
-                    <a:srgbClr val="FFFFFF"/>
-                  </a:solidFill>
-                </a:uFill>
-                <a:latin typeface="Bitstream Vera Sans Mono"/>
-              </a:rPr>
-              <a:t>lift</a:t>
-            </a:r>
-            <a:r>
-              <a:rPr lang="de-DE" sz="1500" strike="noStrike" spc="-1" dirty="0">
-                <a:solidFill>
-                  <a:srgbClr val="000000"/>
-                </a:solidFill>
-                <a:uFill>
-                  <a:solidFill>
-                    <a:srgbClr val="FFFFFF"/>
-                  </a:solidFill>
-                </a:uFill>
-                <a:latin typeface="Bitstream Vera Sans Mono"/>
-              </a:rPr>
-              <a:t>=5.95112465993; 96.30% </a:t>
-            </a:r>
-            <a:r>
-              <a:rPr lang="de-DE" sz="1500" strike="noStrike" spc="-1" dirty="0" err="1">
-                <a:solidFill>
-                  <a:srgbClr val="000000"/>
-                </a:solidFill>
-                <a:uFill>
-                  <a:solidFill>
-                    <a:srgbClr val="FFFFFF"/>
-                  </a:solidFill>
-                </a:uFill>
-                <a:latin typeface="Bitstream Vera Sans Mono"/>
-              </a:rPr>
-              <a:t>of</a:t>
-            </a:r>
-            <a:r>
-              <a:rPr lang="de-DE" sz="1500" strike="noStrike" spc="-1" dirty="0">
-                <a:solidFill>
-                  <a:srgbClr val="000000"/>
-                </a:solidFill>
-                <a:uFill>
-                  <a:solidFill>
-                    <a:srgbClr val="FFFFFF"/>
-                  </a:solidFill>
-                </a:uFill>
-                <a:latin typeface="Bitstream Vera Sans Mono"/>
-              </a:rPr>
-              <a:t> 45443 </a:t>
-            </a:r>
-            <a:r>
-              <a:rPr lang="de-DE" sz="1500" strike="noStrike" spc="-1" dirty="0" err="1">
-                <a:solidFill>
-                  <a:srgbClr val="000000"/>
-                </a:solidFill>
-                <a:uFill>
-                  <a:solidFill>
-                    <a:srgbClr val="FFFFFF"/>
-                  </a:solidFill>
-                </a:uFill>
-                <a:latin typeface="Bitstream Vera Sans Mono"/>
-              </a:rPr>
-              <a:t>people</a:t>
-            </a:r>
-            <a:r>
-              <a:rPr lang="de-DE" sz="1500" strike="noStrike" spc="-1" dirty="0">
-                <a:solidFill>
-                  <a:srgbClr val="000000"/>
-                </a:solidFill>
-                <a:uFill>
-                  <a:solidFill>
-                    <a:srgbClr val="FFFFFF"/>
-                  </a:solidFill>
-                </a:uFill>
-                <a:latin typeface="Bitstream Vera Sans Mono"/>
-              </a:rPr>
-              <a:t>: </a:t>
-            </a:r>
-            <a:r>
-              <a:rPr lang="de-DE" sz="1500" strike="noStrike" spc="-1" dirty="0" err="1">
-                <a:solidFill>
-                  <a:srgbClr val="000000"/>
-                </a:solidFill>
-                <a:uFill>
-                  <a:solidFill>
-                    <a:srgbClr val="FFFFFF"/>
-                  </a:solidFill>
-                </a:uFill>
-                <a:latin typeface="Bitstream Vera Sans Mono"/>
-              </a:rPr>
-              <a:t>If</a:t>
-            </a:r>
-            <a:r>
-              <a:rPr lang="de-DE" sz="1500" strike="noStrike" spc="-1" dirty="0">
-                <a:solidFill>
-                  <a:srgbClr val="000000"/>
-                </a:solidFill>
-                <a:uFill>
-                  <a:solidFill>
-                    <a:srgbClr val="FFFFFF"/>
-                  </a:solidFill>
-                </a:uFill>
-                <a:latin typeface="Bitstream Vera Sans Mono"/>
-              </a:rPr>
-              <a:t> (Polster: Stoff-Lederkombination Anthrazit) </a:t>
-            </a:r>
-            <a:r>
-              <a:rPr lang="de-DE" sz="1500" strike="noStrike" spc="-1" dirty="0" err="1">
-                <a:solidFill>
-                  <a:srgbClr val="000000"/>
-                </a:solidFill>
-                <a:uFill>
-                  <a:solidFill>
-                    <a:srgbClr val="FFFFFF"/>
-                  </a:solidFill>
-                </a:uFill>
-                <a:latin typeface="Bitstream Vera Sans Mono"/>
-              </a:rPr>
-              <a:t>then</a:t>
-            </a:r>
-            <a:r>
-              <a:rPr lang="de-DE" sz="1500" strike="noStrike" spc="-1" dirty="0">
-                <a:solidFill>
-                  <a:srgbClr val="000000"/>
-                </a:solidFill>
-                <a:uFill>
-                  <a:solidFill>
-                    <a:srgbClr val="FFFFFF"/>
-                  </a:solidFill>
-                </a:uFill>
-                <a:latin typeface="Bitstream Vera Sans Mono"/>
-              </a:rPr>
-              <a:t> (Line: Modern)</a:t>
-            </a:r>
-            <a:endParaRPr dirty="0"/>
-          </a:p>
-          <a:p>
-            <a:pPr>
-              <a:lnSpc>
-                <a:spcPct val="90000"/>
-              </a:lnSpc>
-            </a:pPr>
-            <a:r>
-              <a:rPr lang="de-DE" sz="1500" strike="noStrike" spc="-1" dirty="0" err="1">
-                <a:solidFill>
-                  <a:srgbClr val="000000"/>
-                </a:solidFill>
-                <a:uFill>
-                  <a:solidFill>
-                    <a:srgbClr val="FFFFFF"/>
-                  </a:solidFill>
-                </a:uFill>
-                <a:latin typeface="Bitstream Vera Sans Mono"/>
-              </a:rPr>
-              <a:t>lift</a:t>
-            </a:r>
-            <a:r>
-              <a:rPr lang="de-DE" sz="1500" strike="noStrike" spc="-1" dirty="0">
-                <a:solidFill>
-                  <a:srgbClr val="000000"/>
-                </a:solidFill>
-                <a:uFill>
-                  <a:solidFill>
-                    <a:srgbClr val="FFFFFF"/>
-                  </a:solidFill>
-                </a:uFill>
-                <a:latin typeface="Bitstream Vera Sans Mono"/>
-              </a:rPr>
-              <a:t>=7.72051040099; 96.61% </a:t>
-            </a:r>
-            <a:r>
-              <a:rPr lang="de-DE" sz="1500" strike="noStrike" spc="-1" dirty="0" err="1">
-                <a:solidFill>
-                  <a:srgbClr val="000000"/>
-                </a:solidFill>
-                <a:uFill>
-                  <a:solidFill>
-                    <a:srgbClr val="FFFFFF"/>
-                  </a:solidFill>
-                </a:uFill>
-                <a:latin typeface="Bitstream Vera Sans Mono"/>
-              </a:rPr>
-              <a:t>of</a:t>
-            </a:r>
-            <a:r>
-              <a:rPr lang="de-DE" sz="1500" strike="noStrike" spc="-1" dirty="0">
-                <a:solidFill>
-                  <a:srgbClr val="000000"/>
-                </a:solidFill>
-                <a:uFill>
-                  <a:solidFill>
-                    <a:srgbClr val="FFFFFF"/>
-                  </a:solidFill>
-                </a:uFill>
-                <a:latin typeface="Bitstream Vera Sans Mono"/>
-              </a:rPr>
-              <a:t> 45593 </a:t>
-            </a:r>
-            <a:r>
-              <a:rPr lang="de-DE" sz="1500" strike="noStrike" spc="-1" dirty="0" err="1">
-                <a:solidFill>
-                  <a:srgbClr val="000000"/>
-                </a:solidFill>
-                <a:uFill>
-                  <a:solidFill>
-                    <a:srgbClr val="FFFFFF"/>
-                  </a:solidFill>
-                </a:uFill>
-                <a:latin typeface="Bitstream Vera Sans Mono"/>
-              </a:rPr>
-              <a:t>people</a:t>
-            </a:r>
-            <a:r>
-              <a:rPr lang="de-DE" sz="1500" strike="noStrike" spc="-1" dirty="0">
-                <a:solidFill>
-                  <a:srgbClr val="000000"/>
-                </a:solidFill>
-                <a:uFill>
-                  <a:solidFill>
-                    <a:srgbClr val="FFFFFF"/>
-                  </a:solidFill>
-                </a:uFill>
-                <a:latin typeface="Bitstream Vera Sans Mono"/>
-              </a:rPr>
-              <a:t>: </a:t>
-            </a:r>
-            <a:r>
-              <a:rPr lang="de-DE" sz="1500" strike="noStrike" spc="-1" dirty="0" err="1">
-                <a:solidFill>
-                  <a:srgbClr val="000000"/>
-                </a:solidFill>
-                <a:uFill>
-                  <a:solidFill>
-                    <a:srgbClr val="FFFFFF"/>
-                  </a:solidFill>
-                </a:uFill>
-                <a:latin typeface="Bitstream Vera Sans Mono"/>
-              </a:rPr>
-              <a:t>If</a:t>
-            </a:r>
-            <a:r>
-              <a:rPr lang="de-DE" sz="1500" strike="noStrike" spc="-1" dirty="0">
-                <a:solidFill>
-                  <a:srgbClr val="000000"/>
-                </a:solidFill>
-                <a:uFill>
-                  <a:solidFill>
-                    <a:srgbClr val="FFFFFF"/>
-                  </a:solidFill>
-                </a:uFill>
-                <a:latin typeface="Bitstream Vera Sans Mono"/>
-              </a:rPr>
-              <a:t> (Polster: Stoff „Salome“ Sattelbraun / Anthrazit) </a:t>
-            </a:r>
-            <a:r>
-              <a:rPr lang="de-DE" sz="1500" strike="noStrike" spc="-1" dirty="0" err="1">
-                <a:solidFill>
-                  <a:srgbClr val="000000"/>
-                </a:solidFill>
-                <a:uFill>
-                  <a:solidFill>
-                    <a:srgbClr val="FFFFFF"/>
-                  </a:solidFill>
-                </a:uFill>
-                <a:latin typeface="Bitstream Vera Sans Mono"/>
-              </a:rPr>
-              <a:t>then</a:t>
-            </a:r>
-            <a:r>
-              <a:rPr lang="de-DE" sz="1500" strike="noStrike" spc="-1" dirty="0">
-                <a:solidFill>
-                  <a:srgbClr val="000000"/>
-                </a:solidFill>
-                <a:uFill>
-                  <a:solidFill>
-                    <a:srgbClr val="FFFFFF"/>
-                  </a:solidFill>
-                </a:uFill>
-                <a:latin typeface="Bitstream Vera Sans Mono"/>
-              </a:rPr>
-              <a:t> (Line: </a:t>
-            </a:r>
-            <a:r>
-              <a:rPr lang="de-DE" sz="1500" strike="noStrike" spc="-1" dirty="0" err="1">
-                <a:solidFill>
-                  <a:srgbClr val="000000"/>
-                </a:solidFill>
-                <a:uFill>
-                  <a:solidFill>
-                    <a:srgbClr val="FFFFFF"/>
-                  </a:solidFill>
-                </a:uFill>
-                <a:latin typeface="Bitstream Vera Sans Mono"/>
-              </a:rPr>
-              <a:t>Luxury</a:t>
-            </a:r>
-            <a:r>
-              <a:rPr lang="de-DE" sz="1500" strike="noStrike" spc="-1" dirty="0">
-                <a:solidFill>
-                  <a:srgbClr val="000000"/>
-                </a:solidFill>
-                <a:uFill>
-                  <a:solidFill>
-                    <a:srgbClr val="FFFFFF"/>
-                  </a:solidFill>
-                </a:uFill>
-                <a:latin typeface="Bitstream Vera Sans Mono"/>
-              </a:rPr>
-              <a:t>)</a:t>
-            </a:r>
-            <a:endParaRPr dirty="0"/>
-          </a:p>
-          <a:p>
-            <a:pPr>
-              <a:lnSpc>
-                <a:spcPct val="90000"/>
-              </a:lnSpc>
-            </a:pPr>
-            <a:r>
-              <a:rPr lang="de-DE" sz="1500" strike="noStrike" spc="-1" dirty="0" err="1">
-                <a:solidFill>
-                  <a:srgbClr val="000000"/>
-                </a:solidFill>
-                <a:uFill>
-                  <a:solidFill>
-                    <a:srgbClr val="FFFFFF"/>
-                  </a:solidFill>
-                </a:uFill>
-                <a:latin typeface="Bitstream Vera Sans Mono"/>
-              </a:rPr>
-              <a:t>lift</a:t>
-            </a:r>
-            <a:r>
-              <a:rPr lang="de-DE" sz="1500" strike="noStrike" spc="-1" dirty="0">
-                <a:solidFill>
-                  <a:srgbClr val="000000"/>
-                </a:solidFill>
-                <a:uFill>
-                  <a:solidFill>
-                    <a:srgbClr val="FFFFFF"/>
-                  </a:solidFill>
-                </a:uFill>
-                <a:latin typeface="Bitstream Vera Sans Mono"/>
-              </a:rPr>
-              <a:t>=7.76450453372; 97.16% </a:t>
-            </a:r>
-            <a:r>
-              <a:rPr lang="de-DE" sz="1500" strike="noStrike" spc="-1" dirty="0" err="1">
-                <a:solidFill>
-                  <a:srgbClr val="000000"/>
-                </a:solidFill>
-                <a:uFill>
-                  <a:solidFill>
-                    <a:srgbClr val="FFFFFF"/>
-                  </a:solidFill>
-                </a:uFill>
-                <a:latin typeface="Bitstream Vera Sans Mono"/>
-              </a:rPr>
-              <a:t>of</a:t>
-            </a:r>
-            <a:r>
-              <a:rPr lang="de-DE" sz="1500" strike="noStrike" spc="-1" dirty="0">
-                <a:solidFill>
-                  <a:srgbClr val="000000"/>
-                </a:solidFill>
-                <a:uFill>
-                  <a:solidFill>
-                    <a:srgbClr val="FFFFFF"/>
-                  </a:solidFill>
-                </a:uFill>
-                <a:latin typeface="Bitstream Vera Sans Mono"/>
-              </a:rPr>
-              <a:t> 38456 </a:t>
-            </a:r>
-            <a:r>
-              <a:rPr lang="de-DE" sz="1500" strike="noStrike" spc="-1" dirty="0" err="1">
-                <a:solidFill>
-                  <a:srgbClr val="000000"/>
-                </a:solidFill>
-                <a:uFill>
-                  <a:solidFill>
-                    <a:srgbClr val="FFFFFF"/>
-                  </a:solidFill>
-                </a:uFill>
-                <a:latin typeface="Bitstream Vera Sans Mono"/>
-              </a:rPr>
-              <a:t>people</a:t>
-            </a:r>
-            <a:r>
-              <a:rPr lang="de-DE" sz="1500" strike="noStrike" spc="-1" dirty="0">
-                <a:solidFill>
-                  <a:srgbClr val="000000"/>
-                </a:solidFill>
-                <a:uFill>
-                  <a:solidFill>
-                    <a:srgbClr val="FFFFFF"/>
-                  </a:solidFill>
-                </a:uFill>
-                <a:latin typeface="Bitstream Vera Sans Mono"/>
-              </a:rPr>
-              <a:t>: </a:t>
-            </a:r>
-            <a:r>
-              <a:rPr lang="de-DE" sz="1500" strike="noStrike" spc="-1" dirty="0" err="1">
-                <a:solidFill>
-                  <a:srgbClr val="000000"/>
-                </a:solidFill>
-                <a:uFill>
-                  <a:solidFill>
-                    <a:srgbClr val="FFFFFF"/>
-                  </a:solidFill>
-                </a:uFill>
-                <a:latin typeface="Bitstream Vera Sans Mono"/>
-              </a:rPr>
-              <a:t>If</a:t>
-            </a:r>
-            <a:r>
-              <a:rPr lang="de-DE" sz="1500" strike="noStrike" spc="-1" dirty="0">
-                <a:solidFill>
-                  <a:srgbClr val="000000"/>
-                </a:solidFill>
-                <a:uFill>
-                  <a:solidFill>
-                    <a:srgbClr val="FFFFFF"/>
-                  </a:solidFill>
-                </a:uFill>
-                <a:latin typeface="Bitstream Vera Sans Mono"/>
-              </a:rPr>
-              <a:t> (Polster: Leder Dakota Schwarz) </a:t>
-            </a:r>
-            <a:r>
-              <a:rPr lang="de-DE" sz="1500" strike="noStrike" spc="-1" dirty="0" err="1">
-                <a:solidFill>
-                  <a:srgbClr val="000000"/>
-                </a:solidFill>
-                <a:uFill>
-                  <a:solidFill>
-                    <a:srgbClr val="FFFFFF"/>
-                  </a:solidFill>
-                </a:uFill>
-                <a:latin typeface="Bitstream Vera Sans Mono"/>
-              </a:rPr>
-              <a:t>then</a:t>
-            </a:r>
-            <a:r>
-              <a:rPr lang="de-DE" sz="1500" strike="noStrike" spc="-1" dirty="0">
-                <a:solidFill>
-                  <a:srgbClr val="000000"/>
-                </a:solidFill>
-                <a:uFill>
-                  <a:solidFill>
-                    <a:srgbClr val="FFFFFF"/>
-                  </a:solidFill>
-                </a:uFill>
-                <a:latin typeface="Bitstream Vera Sans Mono"/>
-              </a:rPr>
-              <a:t> (Line: </a:t>
-            </a:r>
-            <a:r>
-              <a:rPr lang="de-DE" sz="1500" strike="noStrike" spc="-1" dirty="0" err="1">
-                <a:solidFill>
-                  <a:srgbClr val="000000"/>
-                </a:solidFill>
-                <a:uFill>
-                  <a:solidFill>
-                    <a:srgbClr val="FFFFFF"/>
-                  </a:solidFill>
-                </a:uFill>
-                <a:latin typeface="Bitstream Vera Sans Mono"/>
-              </a:rPr>
-              <a:t>Luxury</a:t>
-            </a:r>
-            <a:r>
-              <a:rPr lang="de-DE" sz="1500" strike="noStrike" spc="-1" dirty="0">
-                <a:solidFill>
-                  <a:srgbClr val="000000"/>
-                </a:solidFill>
-                <a:uFill>
-                  <a:solidFill>
-                    <a:srgbClr val="FFFFFF"/>
-                  </a:solidFill>
-                </a:uFill>
-                <a:latin typeface="Bitstream Vera Sans Mono"/>
-              </a:rPr>
-              <a:t>)</a:t>
-            </a:r>
-            <a:endParaRPr dirty="0"/>
-          </a:p>
-          <a:p>
-            <a:pPr>
-              <a:lnSpc>
-                <a:spcPct val="90000"/>
-              </a:lnSpc>
-            </a:pPr>
-            <a:endParaRPr dirty="0"/>
-          </a:p>
-          <a:p>
-            <a:pPr>
-              <a:lnSpc>
-                <a:spcPct val="90000"/>
-              </a:lnSpc>
-            </a:pPr>
-            <a:endParaRPr dirty="0"/>
+            <a:endParaRPr/>
           </a:p>
         </p:txBody>
       </p:sp>
@@ -6428,60 +5246,14 @@
       </p:grpSpPr>
       <p:sp>
         <p:nvSpPr>
-          <p:cNvPr id="100" name="TextShape 1"/>
+          <p:cNvPr id="99" name="TextShape 1"/>
           <p:cNvSpPr txBox="1"/>
           <p:nvPr/>
         </p:nvSpPr>
         <p:spPr>
           <a:xfrm>
-            <a:off x="838080" y="365040"/>
-            <a:ext cx="10515240" cy="1325160"/>
-          </a:xfrm>
-          <a:prstGeom prst="rect">
-            <a:avLst/>
-          </a:prstGeom>
-          <a:noFill/>
-          <a:ln>
-            <a:noFill/>
-          </a:ln>
-        </p:spPr>
-        <p:txBody>
-          <a:bodyPr anchor="ctr"/>
-          <a:lstStyle/>
-          <a:p>
-            <a:pPr>
-              <a:lnSpc>
-                <a:spcPct val="90000"/>
-              </a:lnSpc>
-            </a:pPr>
-            <a:r>
-              <a:rPr lang="de-DE" sz="4400" strike="noStrike" spc="-1">
-                <a:solidFill>
-                  <a:srgbClr val="000000"/>
-                </a:solidFill>
-                <a:uFill>
-                  <a:solidFill>
-                    <a:srgbClr val="FFFFFF"/>
-                  </a:solidFill>
-                </a:uFill>
-                <a:latin typeface="Calibri Light"/>
-              </a:rPr>
-              <a:t>Assoziationsregeln – Skalierbarkeit</a:t>
-            </a:r>
-            <a:endParaRPr/>
-          </a:p>
-        </p:txBody>
-      </p:sp>
-      <p:sp>
-        <p:nvSpPr>
-          <p:cNvPr id="101" name="TextShape 2"/>
-          <p:cNvSpPr txBox="1"/>
-          <p:nvPr/>
-        </p:nvSpPr>
-        <p:spPr>
-          <a:xfrm>
-            <a:off x="838080" y="1825560"/>
-            <a:ext cx="10515240" cy="4350960"/>
+            <a:off x="144000" y="185040"/>
+            <a:ext cx="11736000" cy="6510960"/>
           </a:xfrm>
           <a:prstGeom prst="rect">
             <a:avLst/>
@@ -6503,185 +5275,20 @@
               <a:buChar char="•"/>
             </a:pPr>
             <a:r>
-              <a:rPr lang="de-DE" sz="2400" strike="noStrike" spc="-1">
-                <a:solidFill>
-                  <a:srgbClr val="000000"/>
-                </a:solidFill>
-                <a:uFill>
-                  <a:solidFill>
-                    <a:srgbClr val="FFFFFF"/>
-                  </a:solidFill>
-                </a:uFill>
-                <a:latin typeface="Calibri"/>
-              </a:rPr>
-              <a:t>Laufzeit auf Laptop (für 1 Mio Konfigurationen mit pyfim)</a:t>
-            </a:r>
-            <a:endParaRPr/>
-          </a:p>
-          <a:p>
-            <a:pPr marL="864000" lvl="1" indent="-324000">
-              <a:buClr>
-                <a:srgbClr val="FFFFFF"/>
-              </a:buClr>
-              <a:buSzPct val="75000"/>
-              <a:buFont typeface="Symbol" charset="2"/>
-              <a:buChar char=""/>
-            </a:pPr>
-            <a:r>
-              <a:rPr lang="de-DE" sz="2400" strike="noStrike" spc="-1">
-                <a:solidFill>
-                  <a:srgbClr val="000000"/>
-                </a:solidFill>
-                <a:uFill>
-                  <a:solidFill>
-                    <a:srgbClr val="FFFFFF"/>
-                  </a:solidFill>
-                </a:uFill>
-                <a:latin typeface="Calibri"/>
-              </a:rPr>
-              <a:t>Apriori-Common-Itemsets: 5.6s (findet 244k Sets mit support ≥ 2%)</a:t>
-            </a:r>
-            <a:endParaRPr/>
-          </a:p>
-          <a:p>
-            <a:pPr marL="864000" lvl="1" indent="-324000">
-              <a:buClr>
-                <a:srgbClr val="FFFFFF"/>
-              </a:buClr>
-              <a:buSzPct val="75000"/>
-              <a:buFont typeface="Symbol" charset="2"/>
-              <a:buChar char=""/>
-            </a:pPr>
-            <a:r>
-              <a:rPr lang="de-DE" sz="2400" strike="noStrike" spc="-1">
-                <a:solidFill>
-                  <a:srgbClr val="000000"/>
-                </a:solidFill>
-                <a:uFill>
-                  <a:solidFill>
-                    <a:srgbClr val="FFFFFF"/>
-                  </a:solidFill>
-                </a:uFill>
-                <a:latin typeface="Calibri"/>
-              </a:rPr>
-              <a:t>Apriori-Regeln inkl. Lift-Berechnung: 1.4s (support ≥ 10%)</a:t>
-            </a:r>
-            <a:endParaRPr/>
-          </a:p>
-          <a:p>
-            <a:pPr marL="864000" lvl="1" indent="-324000">
-              <a:buClr>
-                <a:srgbClr val="FFFFFF"/>
-              </a:buClr>
-              <a:buSzPct val="75000"/>
-              <a:buFont typeface="Symbol" charset="2"/>
-              <a:buChar char=""/>
-            </a:pPr>
-            <a:r>
-              <a:rPr lang="de-DE" sz="2400" strike="noStrike" spc="-1">
-                <a:solidFill>
-                  <a:srgbClr val="000000"/>
-                </a:solidFill>
-                <a:uFill>
-                  <a:solidFill>
-                    <a:srgbClr val="FFFFFF"/>
-                  </a:solidFill>
-                </a:uFill>
-                <a:latin typeface="Calibri"/>
-              </a:rPr>
-              <a:t>Apriori-Regeln inkl. Lift-Berechnung: 13.4s (support ≥ 2% → 920k Regeln)</a:t>
-            </a:r>
-            <a:endParaRPr/>
-          </a:p>
-          <a:p>
-            <a:pPr marL="228600" indent="-228240">
-              <a:buFont typeface="Arial"/>
-              <a:buChar char="•"/>
-            </a:pPr>
-            <a:r>
-              <a:rPr lang="de-DE" sz="2400" strike="noStrike" spc="-1">
-                <a:solidFill>
-                  <a:srgbClr val="000000"/>
-                </a:solidFill>
-                <a:uFill>
-                  <a:solidFill>
-                    <a:srgbClr val="FFFFFF"/>
-                  </a:solidFill>
-                </a:uFill>
-                <a:latin typeface="Calibri"/>
-              </a:rPr>
-              <a:t>Apriori skaliert linear in Anzahl Transaktionen</a:t>
-            </a:r>
-            <a:endParaRPr/>
-          </a:p>
-          <a:p>
-            <a:pPr marL="228600" indent="-228240">
-              <a:buFont typeface="Arial"/>
-              <a:buChar char="•"/>
-            </a:pPr>
-            <a:r>
-              <a:rPr lang="de-DE" sz="2400" strike="noStrike" spc="-1">
-                <a:solidFill>
-                  <a:srgbClr val="000000"/>
-                </a:solidFill>
-                <a:uFill>
-                  <a:solidFill>
-                    <a:srgbClr val="FFFFFF"/>
-                  </a:solidFill>
-                </a:uFill>
-                <a:latin typeface="Calibri"/>
-              </a:rPr>
-              <a:t>Pyfim hat auch alternative, modernere Algorithmen mit gleichem Interface (z.B. eclat)</a:t>
-            </a:r>
-            <a:endParaRPr/>
-          </a:p>
-          <a:p>
-            <a:pPr marL="228600" indent="-228240">
-              <a:lnSpc>
-                <a:spcPct val="90000"/>
-              </a:lnSpc>
-              <a:buFont typeface="Arial"/>
-              <a:buChar char="•"/>
-            </a:pPr>
-            <a:r>
-              <a:rPr lang="de-DE" sz="2400" strike="noStrike" spc="-1">
-                <a:solidFill>
-                  <a:srgbClr val="000000"/>
-                </a:solidFill>
-                <a:uFill>
-                  <a:solidFill>
-                    <a:srgbClr val="FFFFFF"/>
-                  </a:solidFill>
-                </a:uFill>
-                <a:latin typeface="Calibri"/>
-              </a:rPr>
-              <a:t> </a:t>
-            </a:r>
-            <a:endParaRPr/>
-          </a:p>
-          <a:p>
-            <a:pPr marL="228600" indent="-228240">
-              <a:lnSpc>
-                <a:spcPct val="90000"/>
-              </a:lnSpc>
-              <a:buFont typeface="Arial"/>
-              <a:buChar char="•"/>
-            </a:pPr>
-            <a:r>
-              <a:rPr lang="de-DE" sz="2400" strike="noStrike" spc="-1">
-                <a:solidFill>
-                  <a:srgbClr val="000000"/>
-                </a:solidFill>
-                <a:uFill>
-                  <a:solidFill>
-                    <a:srgbClr val="FFFFFF"/>
-                  </a:solidFill>
-                </a:uFill>
-                <a:latin typeface="Calibri"/>
-              </a:rPr>
-              <a:t>ggf. Proximus?</a:t>
-            </a:r>
-            <a:endParaRPr/>
+              <a:rPr lang="de-DE" sz="1500" strike="noStrike" spc="-1" dirty="0">
+                <a:solidFill>
+                  <a:srgbClr val="000000"/>
+                </a:solidFill>
+                <a:uFill>
+                  <a:solidFill>
+                    <a:srgbClr val="FFFFFF"/>
+                  </a:solidFill>
+                </a:uFill>
+                <a:latin typeface="Bitstream Vera Sans Mono"/>
+              </a:rPr>
+              <a:t>Beispielausgabe, sortiert nach |Voraussetzung|, Lift:</a:t>
+            </a:r>
+            <a:endParaRPr dirty="0"/>
           </a:p>
           <a:p>
             <a:pPr>
@@ -6689,7 +5296,203 @@
                 <a:spcPct val="90000"/>
               </a:lnSpc>
             </a:pPr>
-            <a:endParaRPr/>
+            <a:r>
+              <a:rPr lang="de-DE" sz="1500" strike="noStrike" spc="-1" dirty="0" err="1">
+                <a:solidFill>
+                  <a:srgbClr val="000000"/>
+                </a:solidFill>
+                <a:uFill>
+                  <a:solidFill>
+                    <a:srgbClr val="FFFFFF"/>
+                  </a:solidFill>
+                </a:uFill>
+                <a:latin typeface="Bitstream Vera Sans Mono"/>
+              </a:rPr>
+              <a:t>lift</a:t>
+            </a:r>
+            <a:r>
+              <a:rPr lang="de-DE" sz="1500" strike="noStrike" spc="-1" dirty="0">
+                <a:solidFill>
+                  <a:srgbClr val="000000"/>
+                </a:solidFill>
+                <a:uFill>
+                  <a:solidFill>
+                    <a:srgbClr val="FFFFFF"/>
+                  </a:solidFill>
+                </a:uFill>
+                <a:latin typeface="Bitstream Vera Sans Mono"/>
+              </a:rPr>
+              <a:t>=15.9336817238; 95.77% </a:t>
+            </a:r>
+            <a:r>
+              <a:rPr lang="de-DE" sz="1500" strike="noStrike" spc="-1" dirty="0" err="1">
+                <a:solidFill>
+                  <a:srgbClr val="000000"/>
+                </a:solidFill>
+                <a:uFill>
+                  <a:solidFill>
+                    <a:srgbClr val="FFFFFF"/>
+                  </a:solidFill>
+                </a:uFill>
+                <a:latin typeface="Bitstream Vera Sans Mono"/>
+              </a:rPr>
+              <a:t>of</a:t>
+            </a:r>
+            <a:r>
+              <a:rPr lang="de-DE" sz="1500" strike="noStrike" spc="-1" dirty="0">
+                <a:solidFill>
+                  <a:srgbClr val="000000"/>
+                </a:solidFill>
+                <a:uFill>
+                  <a:solidFill>
+                    <a:srgbClr val="FFFFFF"/>
+                  </a:solidFill>
+                </a:uFill>
+                <a:latin typeface="Bitstream Vera Sans Mono"/>
+              </a:rPr>
+              <a:t> 20140 </a:t>
+            </a:r>
+            <a:r>
+              <a:rPr lang="de-DE" sz="1500" strike="noStrike" spc="-1" dirty="0" err="1">
+                <a:solidFill>
+                  <a:srgbClr val="000000"/>
+                </a:solidFill>
+                <a:uFill>
+                  <a:solidFill>
+                    <a:srgbClr val="FFFFFF"/>
+                  </a:solidFill>
+                </a:uFill>
+                <a:latin typeface="Bitstream Vera Sans Mono"/>
+              </a:rPr>
+              <a:t>people</a:t>
+            </a:r>
+            <a:r>
+              <a:rPr lang="de-DE" sz="1500" strike="noStrike" spc="-1" dirty="0">
+                <a:solidFill>
+                  <a:srgbClr val="000000"/>
+                </a:solidFill>
+                <a:uFill>
+                  <a:solidFill>
+                    <a:srgbClr val="FFFFFF"/>
+                  </a:solidFill>
+                </a:uFill>
+                <a:latin typeface="Bitstream Vera Sans Mono"/>
+              </a:rPr>
+              <a:t>: </a:t>
+            </a:r>
+            <a:r>
+              <a:rPr lang="de-DE" sz="1500" strike="noStrike" spc="-1" dirty="0" err="1">
+                <a:solidFill>
+                  <a:srgbClr val="000000"/>
+                </a:solidFill>
+                <a:uFill>
+                  <a:solidFill>
+                    <a:srgbClr val="FFFFFF"/>
+                  </a:solidFill>
+                </a:uFill>
+                <a:latin typeface="Bitstream Vera Sans Mono"/>
+              </a:rPr>
+              <a:t>If</a:t>
+            </a:r>
+            <a:r>
+              <a:rPr lang="de-DE" sz="1500" strike="noStrike" spc="-1" dirty="0">
+                <a:solidFill>
+                  <a:srgbClr val="000000"/>
+                </a:solidFill>
+                <a:uFill>
+                  <a:solidFill>
+                    <a:srgbClr val="FFFFFF"/>
+                  </a:solidFill>
+                </a:uFill>
+                <a:latin typeface="Bitstream Vera Sans Mono"/>
+              </a:rPr>
+              <a:t> (</a:t>
+            </a:r>
+            <a:r>
+              <a:rPr lang="de-DE" sz="1500" strike="noStrike" spc="-1" dirty="0" err="1">
+                <a:solidFill>
+                  <a:srgbClr val="000000"/>
+                </a:solidFill>
+                <a:uFill>
+                  <a:solidFill>
+                    <a:srgbClr val="FFFFFF"/>
+                  </a:solidFill>
+                </a:uFill>
+                <a:latin typeface="Bitstream Vera Sans Mono"/>
+              </a:rPr>
+              <a:t>Spurverlassenswarnung</a:t>
+            </a:r>
+            <a:r>
+              <a:rPr lang="de-DE" sz="1500" strike="noStrike" spc="-1" dirty="0">
+                <a:solidFill>
+                  <a:srgbClr val="000000"/>
+                </a:solidFill>
+                <a:uFill>
+                  <a:solidFill>
+                    <a:srgbClr val="FFFFFF"/>
+                  </a:solidFill>
+                </a:uFill>
+                <a:latin typeface="Bitstream Vera Sans Mono"/>
+              </a:rPr>
+              <a:t>: 1 &amp; </a:t>
+            </a:r>
+            <a:r>
+              <a:rPr lang="de-DE" sz="1500" strike="noStrike" spc="-1" dirty="0" err="1">
+                <a:solidFill>
+                  <a:srgbClr val="000000"/>
+                </a:solidFill>
+                <a:uFill>
+                  <a:solidFill>
+                    <a:srgbClr val="FFFFFF"/>
+                  </a:solidFill>
+                </a:uFill>
+                <a:latin typeface="Bitstream Vera Sans Mono"/>
+              </a:rPr>
+              <a:t>Ablagenpaket</a:t>
+            </a:r>
+            <a:r>
+              <a:rPr lang="de-DE" sz="1500" strike="noStrike" spc="-1" dirty="0">
+                <a:solidFill>
+                  <a:srgbClr val="000000"/>
+                </a:solidFill>
+                <a:uFill>
+                  <a:solidFill>
+                    <a:srgbClr val="FFFFFF"/>
+                  </a:solidFill>
+                </a:uFill>
+                <a:latin typeface="Bitstream Vera Sans Mono"/>
+              </a:rPr>
+              <a:t>: 1) </a:t>
+            </a:r>
+            <a:r>
+              <a:rPr lang="de-DE" sz="1500" strike="noStrike" spc="-1" dirty="0" err="1">
+                <a:solidFill>
+                  <a:srgbClr val="000000"/>
+                </a:solidFill>
+                <a:uFill>
+                  <a:solidFill>
+                    <a:srgbClr val="FFFFFF"/>
+                  </a:solidFill>
+                </a:uFill>
+                <a:latin typeface="Bitstream Vera Sans Mono"/>
+              </a:rPr>
+              <a:t>then</a:t>
+            </a:r>
+            <a:r>
+              <a:rPr lang="de-DE" sz="1500" strike="noStrike" spc="-1" dirty="0">
+                <a:solidFill>
+                  <a:srgbClr val="000000"/>
+                </a:solidFill>
+                <a:uFill>
+                  <a:solidFill>
+                    <a:srgbClr val="FFFFFF"/>
+                  </a:solidFill>
+                </a:uFill>
+                <a:latin typeface="Bitstream Vera Sans Mono"/>
+              </a:rPr>
+              <a:t> (Spurwechselwarnung: 1)</a:t>
+            </a:r>
+            <a:endParaRPr dirty="0"/>
           </a:p>
           <a:p>
             <a:pPr>
@@ -6697,7 +5500,1839 @@
                 <a:spcPct val="90000"/>
               </a:lnSpc>
             </a:pPr>
-            <a:endParaRPr/>
+            <a:r>
+              <a:rPr lang="de-DE" sz="1500" strike="noStrike" spc="-1" dirty="0" err="1">
+                <a:solidFill>
+                  <a:srgbClr val="000000"/>
+                </a:solidFill>
+                <a:uFill>
+                  <a:solidFill>
+                    <a:srgbClr val="FFFFFF"/>
+                  </a:solidFill>
+                </a:uFill>
+                <a:latin typeface="Bitstream Vera Sans Mono"/>
+              </a:rPr>
+              <a:t>lift</a:t>
+            </a:r>
+            <a:r>
+              <a:rPr lang="de-DE" sz="1500" strike="noStrike" spc="-1" dirty="0">
+                <a:solidFill>
+                  <a:srgbClr val="000000"/>
+                </a:solidFill>
+                <a:uFill>
+                  <a:solidFill>
+                    <a:srgbClr val="FFFFFF"/>
+                  </a:solidFill>
+                </a:uFill>
+                <a:latin typeface="Bitstream Vera Sans Mono"/>
+              </a:rPr>
+              <a:t>=17.8853609108; 90.50% </a:t>
+            </a:r>
+            <a:r>
+              <a:rPr lang="de-DE" sz="1500" strike="noStrike" spc="-1" dirty="0" err="1">
+                <a:solidFill>
+                  <a:srgbClr val="000000"/>
+                </a:solidFill>
+                <a:uFill>
+                  <a:solidFill>
+                    <a:srgbClr val="FFFFFF"/>
+                  </a:solidFill>
+                </a:uFill>
+                <a:latin typeface="Bitstream Vera Sans Mono"/>
+              </a:rPr>
+              <a:t>of</a:t>
+            </a:r>
+            <a:r>
+              <a:rPr lang="de-DE" sz="1500" strike="noStrike" spc="-1" dirty="0">
+                <a:solidFill>
+                  <a:srgbClr val="000000"/>
+                </a:solidFill>
+                <a:uFill>
+                  <a:solidFill>
+                    <a:srgbClr val="FFFFFF"/>
+                  </a:solidFill>
+                </a:uFill>
+                <a:latin typeface="Bitstream Vera Sans Mono"/>
+              </a:rPr>
+              <a:t> 18040 </a:t>
+            </a:r>
+            <a:r>
+              <a:rPr lang="de-DE" sz="1500" strike="noStrike" spc="-1" dirty="0" err="1">
+                <a:solidFill>
+                  <a:srgbClr val="000000"/>
+                </a:solidFill>
+                <a:uFill>
+                  <a:solidFill>
+                    <a:srgbClr val="FFFFFF"/>
+                  </a:solidFill>
+                </a:uFill>
+                <a:latin typeface="Bitstream Vera Sans Mono"/>
+              </a:rPr>
+              <a:t>people</a:t>
+            </a:r>
+            <a:r>
+              <a:rPr lang="de-DE" sz="1500" strike="noStrike" spc="-1" dirty="0">
+                <a:solidFill>
+                  <a:srgbClr val="000000"/>
+                </a:solidFill>
+                <a:uFill>
+                  <a:solidFill>
+                    <a:srgbClr val="FFFFFF"/>
+                  </a:solidFill>
+                </a:uFill>
+                <a:latin typeface="Bitstream Vera Sans Mono"/>
+              </a:rPr>
+              <a:t>: </a:t>
+            </a:r>
+            <a:r>
+              <a:rPr lang="de-DE" sz="1500" strike="noStrike" spc="-1" dirty="0" err="1">
+                <a:solidFill>
+                  <a:srgbClr val="000000"/>
+                </a:solidFill>
+                <a:uFill>
+                  <a:solidFill>
+                    <a:srgbClr val="FFFFFF"/>
+                  </a:solidFill>
+                </a:uFill>
+                <a:latin typeface="Bitstream Vera Sans Mono"/>
+              </a:rPr>
+              <a:t>If</a:t>
+            </a:r>
+            <a:r>
+              <a:rPr lang="de-DE" sz="1500" strike="noStrike" spc="-1" dirty="0">
+                <a:solidFill>
+                  <a:srgbClr val="000000"/>
+                </a:solidFill>
+                <a:uFill>
+                  <a:solidFill>
+                    <a:srgbClr val="FFFFFF"/>
+                  </a:solidFill>
+                </a:uFill>
+                <a:latin typeface="Bitstream Vera Sans Mono"/>
+              </a:rPr>
+              <a:t> (Komfortzugang: 1 &amp; Aktive Geschwindigkeitsregelung mit </a:t>
+            </a:r>
+            <a:r>
+              <a:rPr lang="de-DE" sz="1500" strike="noStrike" spc="-1" dirty="0" err="1">
+                <a:solidFill>
+                  <a:srgbClr val="000000"/>
+                </a:solidFill>
+                <a:uFill>
+                  <a:solidFill>
+                    <a:srgbClr val="FFFFFF"/>
+                  </a:solidFill>
+                </a:uFill>
+                <a:latin typeface="Bitstream Vera Sans Mono"/>
+              </a:rPr>
+              <a:t>Stop</a:t>
+            </a:r>
+            <a:r>
+              <a:rPr lang="de-DE" sz="1500" strike="noStrike" spc="-1" dirty="0">
+                <a:solidFill>
+                  <a:srgbClr val="000000"/>
+                </a:solidFill>
+                <a:uFill>
+                  <a:solidFill>
+                    <a:srgbClr val="FFFFFF"/>
+                  </a:solidFill>
+                </a:uFill>
+                <a:latin typeface="Bitstream Vera Sans Mono"/>
+              </a:rPr>
+              <a:t> &amp; Go Funktion: 1) </a:t>
+            </a:r>
+            <a:r>
+              <a:rPr lang="de-DE" sz="1500" strike="noStrike" spc="-1" dirty="0" err="1">
+                <a:solidFill>
+                  <a:srgbClr val="000000"/>
+                </a:solidFill>
+                <a:uFill>
+                  <a:solidFill>
+                    <a:srgbClr val="FFFFFF"/>
+                  </a:solidFill>
+                </a:uFill>
+                <a:latin typeface="Bitstream Vera Sans Mono"/>
+              </a:rPr>
+              <a:t>then</a:t>
+            </a:r>
+            <a:r>
+              <a:rPr lang="de-DE" sz="1500" strike="noStrike" spc="-1" dirty="0">
+                <a:solidFill>
+                  <a:srgbClr val="000000"/>
+                </a:solidFill>
+                <a:uFill>
+                  <a:solidFill>
+                    <a:srgbClr val="FFFFFF"/>
+                  </a:solidFill>
+                </a:uFill>
+                <a:latin typeface="Bitstream Vera Sans Mono"/>
+              </a:rPr>
+              <a:t> (</a:t>
+            </a:r>
+            <a:r>
+              <a:rPr lang="de-DE" sz="1500" strike="noStrike" spc="-1" dirty="0" err="1">
+                <a:solidFill>
+                  <a:srgbClr val="000000"/>
+                </a:solidFill>
+                <a:uFill>
+                  <a:solidFill>
+                    <a:srgbClr val="FFFFFF"/>
+                  </a:solidFill>
+                </a:uFill>
+                <a:latin typeface="Bitstream Vera Sans Mono"/>
+              </a:rPr>
+              <a:t>Spurverlassenswarnung</a:t>
+            </a:r>
+            <a:r>
+              <a:rPr lang="de-DE" sz="1500" strike="noStrike" spc="-1" dirty="0">
+                <a:solidFill>
+                  <a:srgbClr val="000000"/>
+                </a:solidFill>
+                <a:uFill>
+                  <a:solidFill>
+                    <a:srgbClr val="FFFFFF"/>
+                  </a:solidFill>
+                </a:uFill>
+                <a:latin typeface="Bitstream Vera Sans Mono"/>
+              </a:rPr>
+              <a:t>: 1)</a:t>
+            </a:r>
+            <a:endParaRPr dirty="0"/>
+          </a:p>
+          <a:p>
+            <a:pPr>
+              <a:lnSpc>
+                <a:spcPct val="90000"/>
+              </a:lnSpc>
+            </a:pPr>
+            <a:r>
+              <a:rPr lang="de-DE" sz="1500" strike="noStrike" spc="-1" dirty="0" err="1">
+                <a:solidFill>
+                  <a:srgbClr val="000000"/>
+                </a:solidFill>
+                <a:uFill>
+                  <a:solidFill>
+                    <a:srgbClr val="FFFFFF"/>
+                  </a:solidFill>
+                </a:uFill>
+                <a:latin typeface="Bitstream Vera Sans Mono"/>
+              </a:rPr>
+              <a:t>lift</a:t>
+            </a:r>
+            <a:r>
+              <a:rPr lang="de-DE" sz="1500" strike="noStrike" spc="-1" dirty="0">
+                <a:solidFill>
+                  <a:srgbClr val="000000"/>
+                </a:solidFill>
+                <a:uFill>
+                  <a:solidFill>
+                    <a:srgbClr val="FFFFFF"/>
+                  </a:solidFill>
+                </a:uFill>
+                <a:latin typeface="Bitstream Vera Sans Mono"/>
+              </a:rPr>
+              <a:t>=18.7918878923; 95.09% </a:t>
+            </a:r>
+            <a:r>
+              <a:rPr lang="de-DE" sz="1500" strike="noStrike" spc="-1" dirty="0" err="1">
+                <a:solidFill>
+                  <a:srgbClr val="000000"/>
+                </a:solidFill>
+                <a:uFill>
+                  <a:solidFill>
+                    <a:srgbClr val="FFFFFF"/>
+                  </a:solidFill>
+                </a:uFill>
+                <a:latin typeface="Bitstream Vera Sans Mono"/>
+              </a:rPr>
+              <a:t>of</a:t>
+            </a:r>
+            <a:r>
+              <a:rPr lang="de-DE" sz="1500" strike="noStrike" spc="-1" dirty="0">
+                <a:solidFill>
+                  <a:srgbClr val="000000"/>
+                </a:solidFill>
+                <a:uFill>
+                  <a:solidFill>
+                    <a:srgbClr val="FFFFFF"/>
+                  </a:solidFill>
+                </a:uFill>
+                <a:latin typeface="Bitstream Vera Sans Mono"/>
+              </a:rPr>
+              <a:t> 19271 </a:t>
+            </a:r>
+            <a:r>
+              <a:rPr lang="de-DE" sz="1500" strike="noStrike" spc="-1" dirty="0" err="1">
+                <a:solidFill>
+                  <a:srgbClr val="000000"/>
+                </a:solidFill>
+                <a:uFill>
+                  <a:solidFill>
+                    <a:srgbClr val="FFFFFF"/>
+                  </a:solidFill>
+                </a:uFill>
+                <a:latin typeface="Bitstream Vera Sans Mono"/>
+              </a:rPr>
+              <a:t>people</a:t>
+            </a:r>
+            <a:r>
+              <a:rPr lang="de-DE" sz="1500" strike="noStrike" spc="-1" dirty="0">
+                <a:solidFill>
+                  <a:srgbClr val="000000"/>
+                </a:solidFill>
+                <a:uFill>
+                  <a:solidFill>
+                    <a:srgbClr val="FFFFFF"/>
+                  </a:solidFill>
+                </a:uFill>
+                <a:latin typeface="Bitstream Vera Sans Mono"/>
+              </a:rPr>
+              <a:t>: </a:t>
+            </a:r>
+            <a:r>
+              <a:rPr lang="de-DE" sz="1500" strike="noStrike" spc="-1" dirty="0" err="1">
+                <a:solidFill>
+                  <a:srgbClr val="000000"/>
+                </a:solidFill>
+                <a:uFill>
+                  <a:solidFill>
+                    <a:srgbClr val="FFFFFF"/>
+                  </a:solidFill>
+                </a:uFill>
+                <a:latin typeface="Bitstream Vera Sans Mono"/>
+              </a:rPr>
+              <a:t>If</a:t>
+            </a:r>
+            <a:r>
+              <a:rPr lang="de-DE" sz="1500" strike="noStrike" spc="-1" dirty="0">
+                <a:solidFill>
+                  <a:srgbClr val="000000"/>
+                </a:solidFill>
+                <a:uFill>
+                  <a:solidFill>
+                    <a:srgbClr val="FFFFFF"/>
+                  </a:solidFill>
+                </a:uFill>
+                <a:latin typeface="Bitstream Vera Sans Mono"/>
+              </a:rPr>
+              <a:t> (Spurwechselwarnung: 1 &amp; Variable Sportlenkung: 1) </a:t>
+            </a:r>
+            <a:r>
+              <a:rPr lang="de-DE" sz="1500" strike="noStrike" spc="-1" dirty="0" err="1">
+                <a:solidFill>
+                  <a:srgbClr val="000000"/>
+                </a:solidFill>
+                <a:uFill>
+                  <a:solidFill>
+                    <a:srgbClr val="FFFFFF"/>
+                  </a:solidFill>
+                </a:uFill>
+                <a:latin typeface="Bitstream Vera Sans Mono"/>
+              </a:rPr>
+              <a:t>then</a:t>
+            </a:r>
+            <a:r>
+              <a:rPr lang="de-DE" sz="1500" strike="noStrike" spc="-1" dirty="0">
+                <a:solidFill>
+                  <a:srgbClr val="000000"/>
+                </a:solidFill>
+                <a:uFill>
+                  <a:solidFill>
+                    <a:srgbClr val="FFFFFF"/>
+                  </a:solidFill>
+                </a:uFill>
+                <a:latin typeface="Bitstream Vera Sans Mono"/>
+              </a:rPr>
+              <a:t> (</a:t>
+            </a:r>
+            <a:r>
+              <a:rPr lang="de-DE" sz="1500" strike="noStrike" spc="-1" dirty="0" err="1">
+                <a:solidFill>
+                  <a:srgbClr val="000000"/>
+                </a:solidFill>
+                <a:uFill>
+                  <a:solidFill>
+                    <a:srgbClr val="FFFFFF"/>
+                  </a:solidFill>
+                </a:uFill>
+                <a:latin typeface="Bitstream Vera Sans Mono"/>
+              </a:rPr>
+              <a:t>Spurverlassenswarnung</a:t>
+            </a:r>
+            <a:r>
+              <a:rPr lang="de-DE" sz="1500" strike="noStrike" spc="-1" dirty="0">
+                <a:solidFill>
+                  <a:srgbClr val="000000"/>
+                </a:solidFill>
+                <a:uFill>
+                  <a:solidFill>
+                    <a:srgbClr val="FFFFFF"/>
+                  </a:solidFill>
+                </a:uFill>
+                <a:latin typeface="Bitstream Vera Sans Mono"/>
+              </a:rPr>
+              <a:t>: 1)</a:t>
+            </a:r>
+            <a:endParaRPr dirty="0"/>
+          </a:p>
+          <a:p>
+            <a:pPr>
+              <a:lnSpc>
+                <a:spcPct val="90000"/>
+              </a:lnSpc>
+            </a:pPr>
+            <a:r>
+              <a:rPr lang="de-DE" sz="1500" strike="noStrike" spc="-1" dirty="0" err="1">
+                <a:solidFill>
+                  <a:srgbClr val="000000"/>
+                </a:solidFill>
+                <a:uFill>
+                  <a:solidFill>
+                    <a:srgbClr val="FFFFFF"/>
+                  </a:solidFill>
+                </a:uFill>
+                <a:latin typeface="Bitstream Vera Sans Mono"/>
+              </a:rPr>
+              <a:t>lift</a:t>
+            </a:r>
+            <a:r>
+              <a:rPr lang="de-DE" sz="1500" strike="noStrike" spc="-1" dirty="0">
+                <a:solidFill>
+                  <a:srgbClr val="000000"/>
+                </a:solidFill>
+                <a:uFill>
+                  <a:solidFill>
+                    <a:srgbClr val="FFFFFF"/>
+                  </a:solidFill>
+                </a:uFill>
+                <a:latin typeface="Bitstream Vera Sans Mono"/>
+              </a:rPr>
+              <a:t>=18.8751943598; 95.51% </a:t>
+            </a:r>
+            <a:r>
+              <a:rPr lang="de-DE" sz="1500" strike="noStrike" spc="-1" dirty="0" err="1">
+                <a:solidFill>
+                  <a:srgbClr val="000000"/>
+                </a:solidFill>
+                <a:uFill>
+                  <a:solidFill>
+                    <a:srgbClr val="FFFFFF"/>
+                  </a:solidFill>
+                </a:uFill>
+                <a:latin typeface="Bitstream Vera Sans Mono"/>
+              </a:rPr>
+              <a:t>of</a:t>
+            </a:r>
+            <a:r>
+              <a:rPr lang="de-DE" sz="1500" strike="noStrike" spc="-1" dirty="0">
+                <a:solidFill>
+                  <a:srgbClr val="000000"/>
+                </a:solidFill>
+                <a:uFill>
+                  <a:solidFill>
+                    <a:srgbClr val="FFFFFF"/>
+                  </a:solidFill>
+                </a:uFill>
+                <a:latin typeface="Bitstream Vera Sans Mono"/>
+              </a:rPr>
+              <a:t> 20556 </a:t>
+            </a:r>
+            <a:r>
+              <a:rPr lang="de-DE" sz="1500" strike="noStrike" spc="-1" dirty="0" err="1">
+                <a:solidFill>
+                  <a:srgbClr val="000000"/>
+                </a:solidFill>
+                <a:uFill>
+                  <a:solidFill>
+                    <a:srgbClr val="FFFFFF"/>
+                  </a:solidFill>
+                </a:uFill>
+                <a:latin typeface="Bitstream Vera Sans Mono"/>
+              </a:rPr>
+              <a:t>people</a:t>
+            </a:r>
+            <a:r>
+              <a:rPr lang="de-DE" sz="1500" strike="noStrike" spc="-1" dirty="0">
+                <a:solidFill>
+                  <a:srgbClr val="000000"/>
+                </a:solidFill>
+                <a:uFill>
+                  <a:solidFill>
+                    <a:srgbClr val="FFFFFF"/>
+                  </a:solidFill>
+                </a:uFill>
+                <a:latin typeface="Bitstream Vera Sans Mono"/>
+              </a:rPr>
+              <a:t>: </a:t>
+            </a:r>
+            <a:r>
+              <a:rPr lang="de-DE" sz="1500" strike="noStrike" spc="-1" dirty="0" err="1">
+                <a:solidFill>
+                  <a:srgbClr val="000000"/>
+                </a:solidFill>
+                <a:uFill>
+                  <a:solidFill>
+                    <a:srgbClr val="FFFFFF"/>
+                  </a:solidFill>
+                </a:uFill>
+                <a:latin typeface="Bitstream Vera Sans Mono"/>
+              </a:rPr>
+              <a:t>If</a:t>
+            </a:r>
+            <a:r>
+              <a:rPr lang="de-DE" sz="1500" strike="noStrike" spc="-1" dirty="0">
+                <a:solidFill>
+                  <a:srgbClr val="000000"/>
+                </a:solidFill>
+                <a:uFill>
+                  <a:solidFill>
+                    <a:srgbClr val="FFFFFF"/>
+                  </a:solidFill>
+                </a:uFill>
+                <a:latin typeface="Bitstream Vera Sans Mono"/>
+              </a:rPr>
+              <a:t> (Spurwechselwarnung: 1 &amp; Komfortzugang: 1) </a:t>
+            </a:r>
+            <a:r>
+              <a:rPr lang="de-DE" sz="1500" strike="noStrike" spc="-1" dirty="0" err="1">
+                <a:solidFill>
+                  <a:srgbClr val="000000"/>
+                </a:solidFill>
+                <a:uFill>
+                  <a:solidFill>
+                    <a:srgbClr val="FFFFFF"/>
+                  </a:solidFill>
+                </a:uFill>
+                <a:latin typeface="Bitstream Vera Sans Mono"/>
+              </a:rPr>
+              <a:t>then</a:t>
+            </a:r>
+            <a:r>
+              <a:rPr lang="de-DE" sz="1500" strike="noStrike" spc="-1" dirty="0">
+                <a:solidFill>
+                  <a:srgbClr val="000000"/>
+                </a:solidFill>
+                <a:uFill>
+                  <a:solidFill>
+                    <a:srgbClr val="FFFFFF"/>
+                  </a:solidFill>
+                </a:uFill>
+                <a:latin typeface="Bitstream Vera Sans Mono"/>
+              </a:rPr>
+              <a:t> (</a:t>
+            </a:r>
+            <a:r>
+              <a:rPr lang="de-DE" sz="1500" strike="noStrike" spc="-1" dirty="0" err="1">
+                <a:solidFill>
+                  <a:srgbClr val="000000"/>
+                </a:solidFill>
+                <a:uFill>
+                  <a:solidFill>
+                    <a:srgbClr val="FFFFFF"/>
+                  </a:solidFill>
+                </a:uFill>
+                <a:latin typeface="Bitstream Vera Sans Mono"/>
+              </a:rPr>
+              <a:t>Spurverlassenswarnung</a:t>
+            </a:r>
+            <a:r>
+              <a:rPr lang="de-DE" sz="1500" strike="noStrike" spc="-1" dirty="0">
+                <a:solidFill>
+                  <a:srgbClr val="000000"/>
+                </a:solidFill>
+                <a:uFill>
+                  <a:solidFill>
+                    <a:srgbClr val="FFFFFF"/>
+                  </a:solidFill>
+                </a:uFill>
+                <a:latin typeface="Bitstream Vera Sans Mono"/>
+              </a:rPr>
+              <a:t>: 1)</a:t>
+            </a:r>
+            <a:endParaRPr dirty="0"/>
+          </a:p>
+          <a:p>
+            <a:pPr>
+              <a:lnSpc>
+                <a:spcPct val="90000"/>
+              </a:lnSpc>
+            </a:pPr>
+            <a:r>
+              <a:rPr lang="de-DE" sz="1500" strike="noStrike" spc="-1" dirty="0" err="1">
+                <a:solidFill>
+                  <a:srgbClr val="000000"/>
+                </a:solidFill>
+                <a:uFill>
+                  <a:solidFill>
+                    <a:srgbClr val="FFFFFF"/>
+                  </a:solidFill>
+                </a:uFill>
+                <a:latin typeface="Bitstream Vera Sans Mono"/>
+              </a:rPr>
+              <a:t>lift</a:t>
+            </a:r>
+            <a:r>
+              <a:rPr lang="de-DE" sz="1500" strike="noStrike" spc="-1" dirty="0">
+                <a:solidFill>
+                  <a:srgbClr val="000000"/>
+                </a:solidFill>
+                <a:uFill>
+                  <a:solidFill>
+                    <a:srgbClr val="FFFFFF"/>
+                  </a:solidFill>
+                </a:uFill>
+                <a:latin typeface="Bitstream Vera Sans Mono"/>
+              </a:rPr>
+              <a:t>=19.2441266409; 82.41% </a:t>
+            </a:r>
+            <a:r>
+              <a:rPr lang="de-DE" sz="1500" strike="noStrike" spc="-1" dirty="0" err="1">
+                <a:solidFill>
+                  <a:srgbClr val="000000"/>
+                </a:solidFill>
+                <a:uFill>
+                  <a:solidFill>
+                    <a:srgbClr val="FFFFFF"/>
+                  </a:solidFill>
+                </a:uFill>
+                <a:latin typeface="Bitstream Vera Sans Mono"/>
+              </a:rPr>
+              <a:t>of</a:t>
+            </a:r>
+            <a:r>
+              <a:rPr lang="de-DE" sz="1500" strike="noStrike" spc="-1" dirty="0">
+                <a:solidFill>
+                  <a:srgbClr val="000000"/>
+                </a:solidFill>
+                <a:uFill>
+                  <a:solidFill>
+                    <a:srgbClr val="FFFFFF"/>
+                  </a:solidFill>
+                </a:uFill>
+                <a:latin typeface="Bitstream Vera Sans Mono"/>
+              </a:rPr>
+              <a:t> 17105 </a:t>
+            </a:r>
+            <a:r>
+              <a:rPr lang="de-DE" sz="1500" strike="noStrike" spc="-1" dirty="0" err="1">
+                <a:solidFill>
+                  <a:srgbClr val="000000"/>
+                </a:solidFill>
+                <a:uFill>
+                  <a:solidFill>
+                    <a:srgbClr val="FFFFFF"/>
+                  </a:solidFill>
+                </a:uFill>
+                <a:latin typeface="Bitstream Vera Sans Mono"/>
+              </a:rPr>
+              <a:t>people</a:t>
+            </a:r>
+            <a:r>
+              <a:rPr lang="de-DE" sz="1500" strike="noStrike" spc="-1" dirty="0">
+                <a:solidFill>
+                  <a:srgbClr val="000000"/>
+                </a:solidFill>
+                <a:uFill>
+                  <a:solidFill>
+                    <a:srgbClr val="FFFFFF"/>
+                  </a:solidFill>
+                </a:uFill>
+                <a:latin typeface="Bitstream Vera Sans Mono"/>
+              </a:rPr>
+              <a:t>: </a:t>
+            </a:r>
+            <a:r>
+              <a:rPr lang="de-DE" sz="1500" strike="noStrike" spc="-1" dirty="0" err="1">
+                <a:solidFill>
+                  <a:srgbClr val="000000"/>
+                </a:solidFill>
+                <a:uFill>
+                  <a:solidFill>
+                    <a:srgbClr val="FFFFFF"/>
+                  </a:solidFill>
+                </a:uFill>
+                <a:latin typeface="Bitstream Vera Sans Mono"/>
+              </a:rPr>
+              <a:t>If</a:t>
+            </a:r>
+            <a:r>
+              <a:rPr lang="de-DE" sz="1500" strike="noStrike" spc="-1" dirty="0">
+                <a:solidFill>
+                  <a:srgbClr val="000000"/>
+                </a:solidFill>
+                <a:uFill>
+                  <a:solidFill>
+                    <a:srgbClr val="FFFFFF"/>
+                  </a:solidFill>
+                </a:uFill>
+                <a:latin typeface="Bitstream Vera Sans Mono"/>
+              </a:rPr>
+              <a:t> (Spurwechselwarnung: 1 &amp; Rückfahrkamera: 1) </a:t>
+            </a:r>
+            <a:r>
+              <a:rPr lang="de-DE" sz="1500" strike="noStrike" spc="-1" dirty="0" err="1">
+                <a:solidFill>
+                  <a:srgbClr val="000000"/>
+                </a:solidFill>
+                <a:uFill>
+                  <a:solidFill>
+                    <a:srgbClr val="FFFFFF"/>
+                  </a:solidFill>
+                </a:uFill>
+                <a:latin typeface="Bitstream Vera Sans Mono"/>
+              </a:rPr>
+              <a:t>then</a:t>
+            </a:r>
+            <a:r>
+              <a:rPr lang="de-DE" sz="1500" strike="noStrike" spc="-1" dirty="0">
+                <a:solidFill>
+                  <a:srgbClr val="000000"/>
+                </a:solidFill>
+                <a:uFill>
+                  <a:solidFill>
+                    <a:srgbClr val="FFFFFF"/>
+                  </a:solidFill>
+                </a:uFill>
+                <a:latin typeface="Bitstream Vera Sans Mono"/>
+              </a:rPr>
+              <a:t> (Sonnenschutzrollo für Heckscheibe, elektrisch: 1)</a:t>
+            </a:r>
+            <a:endParaRPr dirty="0"/>
+          </a:p>
+          <a:p>
+            <a:pPr>
+              <a:lnSpc>
+                <a:spcPct val="90000"/>
+              </a:lnSpc>
+            </a:pPr>
+            <a:r>
+              <a:rPr lang="de-DE" sz="1500" strike="noStrike" spc="-1" dirty="0" err="1">
+                <a:solidFill>
+                  <a:srgbClr val="000000"/>
+                </a:solidFill>
+                <a:uFill>
+                  <a:solidFill>
+                    <a:srgbClr val="FFFFFF"/>
+                  </a:solidFill>
+                </a:uFill>
+                <a:latin typeface="Bitstream Vera Sans Mono"/>
+              </a:rPr>
+              <a:t>lift</a:t>
+            </a:r>
+            <a:r>
+              <a:rPr lang="de-DE" sz="1500" strike="noStrike" spc="-1" dirty="0">
+                <a:solidFill>
+                  <a:srgbClr val="000000"/>
+                </a:solidFill>
+                <a:uFill>
+                  <a:solidFill>
+                    <a:srgbClr val="FFFFFF"/>
+                  </a:solidFill>
+                </a:uFill>
+                <a:latin typeface="Bitstream Vera Sans Mono"/>
+              </a:rPr>
+              <a:t>=2.27171193731; 85.09% </a:t>
+            </a:r>
+            <a:r>
+              <a:rPr lang="de-DE" sz="1500" strike="noStrike" spc="-1" dirty="0" err="1">
+                <a:solidFill>
+                  <a:srgbClr val="000000"/>
+                </a:solidFill>
+                <a:uFill>
+                  <a:solidFill>
+                    <a:srgbClr val="FFFFFF"/>
+                  </a:solidFill>
+                </a:uFill>
+                <a:latin typeface="Bitstream Vera Sans Mono"/>
+              </a:rPr>
+              <a:t>of</a:t>
+            </a:r>
+            <a:r>
+              <a:rPr lang="de-DE" sz="1500" strike="noStrike" spc="-1" dirty="0">
+                <a:solidFill>
+                  <a:srgbClr val="000000"/>
+                </a:solidFill>
+                <a:uFill>
+                  <a:solidFill>
+                    <a:srgbClr val="FFFFFF"/>
+                  </a:solidFill>
+                </a:uFill>
+                <a:latin typeface="Bitstream Vera Sans Mono"/>
+              </a:rPr>
+              <a:t> 42318 </a:t>
+            </a:r>
+            <a:r>
+              <a:rPr lang="de-DE" sz="1500" strike="noStrike" spc="-1" dirty="0" err="1">
+                <a:solidFill>
+                  <a:srgbClr val="000000"/>
+                </a:solidFill>
+                <a:uFill>
+                  <a:solidFill>
+                    <a:srgbClr val="FFFFFF"/>
+                  </a:solidFill>
+                </a:uFill>
+                <a:latin typeface="Bitstream Vera Sans Mono"/>
+              </a:rPr>
+              <a:t>people</a:t>
+            </a:r>
+            <a:r>
+              <a:rPr lang="de-DE" sz="1500" strike="noStrike" spc="-1" dirty="0">
+                <a:solidFill>
+                  <a:srgbClr val="000000"/>
+                </a:solidFill>
+                <a:uFill>
+                  <a:solidFill>
+                    <a:srgbClr val="FFFFFF"/>
+                  </a:solidFill>
+                </a:uFill>
+                <a:latin typeface="Bitstream Vera Sans Mono"/>
+              </a:rPr>
+              <a:t>: </a:t>
+            </a:r>
+            <a:r>
+              <a:rPr lang="de-DE" sz="1500" strike="noStrike" spc="-1" dirty="0" err="1">
+                <a:solidFill>
+                  <a:srgbClr val="000000"/>
+                </a:solidFill>
+                <a:uFill>
+                  <a:solidFill>
+                    <a:srgbClr val="FFFFFF"/>
+                  </a:solidFill>
+                </a:uFill>
+                <a:latin typeface="Bitstream Vera Sans Mono"/>
+              </a:rPr>
+              <a:t>If</a:t>
+            </a:r>
+            <a:r>
+              <a:rPr lang="de-DE" sz="1500" strike="noStrike" spc="-1" dirty="0">
+                <a:solidFill>
+                  <a:srgbClr val="000000"/>
+                </a:solidFill>
+                <a:uFill>
+                  <a:solidFill>
+                    <a:srgbClr val="FFFFFF"/>
+                  </a:solidFill>
+                </a:uFill>
+                <a:latin typeface="Bitstream Vera Sans Mono"/>
+              </a:rPr>
+              <a:t> (Head </a:t>
+            </a:r>
+            <a:r>
+              <a:rPr lang="de-DE" sz="1500" strike="noStrike" spc="-1" dirty="0" err="1">
+                <a:solidFill>
+                  <a:srgbClr val="000000"/>
+                </a:solidFill>
+                <a:uFill>
+                  <a:solidFill>
+                    <a:srgbClr val="FFFFFF"/>
+                  </a:solidFill>
+                </a:uFill>
+                <a:latin typeface="Bitstream Vera Sans Mono"/>
+              </a:rPr>
+              <a:t>Up</a:t>
+            </a:r>
+            <a:r>
+              <a:rPr lang="de-DE" sz="1500" strike="noStrike" spc="-1" dirty="0">
+                <a:solidFill>
+                  <a:srgbClr val="000000"/>
+                </a:solidFill>
+                <a:uFill>
+                  <a:solidFill>
+                    <a:srgbClr val="FFFFFF"/>
+                  </a:solidFill>
+                </a:uFill>
+                <a:latin typeface="Bitstream Vera Sans Mono"/>
+              </a:rPr>
+              <a:t> Display (HUD): 1) </a:t>
+            </a:r>
+            <a:r>
+              <a:rPr lang="de-DE" sz="1500" strike="noStrike" spc="-1" dirty="0" err="1">
+                <a:solidFill>
+                  <a:srgbClr val="000000"/>
+                </a:solidFill>
+                <a:uFill>
+                  <a:solidFill>
+                    <a:srgbClr val="FFFFFF"/>
+                  </a:solidFill>
+                </a:uFill>
+                <a:latin typeface="Bitstream Vera Sans Mono"/>
+              </a:rPr>
+              <a:t>then</a:t>
+            </a:r>
+            <a:r>
+              <a:rPr lang="de-DE" sz="1500" strike="noStrike" spc="-1" dirty="0">
+                <a:solidFill>
+                  <a:srgbClr val="000000"/>
+                </a:solidFill>
+                <a:uFill>
+                  <a:solidFill>
+                    <a:srgbClr val="FFFFFF"/>
+                  </a:solidFill>
+                </a:uFill>
+                <a:latin typeface="Bitstream Vera Sans Mono"/>
+              </a:rPr>
+              <a:t> (Klimaautomatik, 2 Zonen mit erweitertem Umfang: 1)</a:t>
+            </a:r>
+            <a:endParaRPr dirty="0"/>
+          </a:p>
+          <a:p>
+            <a:pPr>
+              <a:lnSpc>
+                <a:spcPct val="90000"/>
+              </a:lnSpc>
+            </a:pPr>
+            <a:r>
+              <a:rPr lang="de-DE" sz="1500" strike="noStrike" spc="-1" dirty="0" err="1">
+                <a:solidFill>
+                  <a:srgbClr val="000000"/>
+                </a:solidFill>
+                <a:uFill>
+                  <a:solidFill>
+                    <a:srgbClr val="FFFFFF"/>
+                  </a:solidFill>
+                </a:uFill>
+                <a:latin typeface="Bitstream Vera Sans Mono"/>
+              </a:rPr>
+              <a:t>lift</a:t>
+            </a:r>
+            <a:r>
+              <a:rPr lang="de-DE" sz="1500" strike="noStrike" spc="-1" dirty="0">
+                <a:solidFill>
+                  <a:srgbClr val="000000"/>
+                </a:solidFill>
+                <a:uFill>
+                  <a:solidFill>
+                    <a:srgbClr val="FFFFFF"/>
+                  </a:solidFill>
+                </a:uFill>
+                <a:latin typeface="Bitstream Vera Sans Mono"/>
+              </a:rPr>
+              <a:t>=3.85802119583; 95.75% </a:t>
+            </a:r>
+            <a:r>
+              <a:rPr lang="de-DE" sz="1500" strike="noStrike" spc="-1" dirty="0" err="1">
+                <a:solidFill>
+                  <a:srgbClr val="000000"/>
+                </a:solidFill>
+                <a:uFill>
+                  <a:solidFill>
+                    <a:srgbClr val="FFFFFF"/>
+                  </a:solidFill>
+                </a:uFill>
+                <a:latin typeface="Bitstream Vera Sans Mono"/>
+              </a:rPr>
+              <a:t>of</a:t>
+            </a:r>
+            <a:r>
+              <a:rPr lang="de-DE" sz="1500" strike="noStrike" spc="-1" dirty="0">
+                <a:solidFill>
+                  <a:srgbClr val="000000"/>
+                </a:solidFill>
+                <a:uFill>
+                  <a:solidFill>
+                    <a:srgbClr val="FFFFFF"/>
+                  </a:solidFill>
+                </a:uFill>
+                <a:latin typeface="Bitstream Vera Sans Mono"/>
+              </a:rPr>
+              <a:t> 164828 </a:t>
+            </a:r>
+            <a:r>
+              <a:rPr lang="de-DE" sz="1500" strike="noStrike" spc="-1" dirty="0" err="1">
+                <a:solidFill>
+                  <a:srgbClr val="000000"/>
+                </a:solidFill>
+                <a:uFill>
+                  <a:solidFill>
+                    <a:srgbClr val="FFFFFF"/>
+                  </a:solidFill>
+                </a:uFill>
+                <a:latin typeface="Bitstream Vera Sans Mono"/>
+              </a:rPr>
+              <a:t>people</a:t>
+            </a:r>
+            <a:r>
+              <a:rPr lang="de-DE" sz="1500" strike="noStrike" spc="-1" dirty="0">
+                <a:solidFill>
+                  <a:srgbClr val="000000"/>
+                </a:solidFill>
+                <a:uFill>
+                  <a:solidFill>
+                    <a:srgbClr val="FFFFFF"/>
+                  </a:solidFill>
+                </a:uFill>
+                <a:latin typeface="Bitstream Vera Sans Mono"/>
+              </a:rPr>
+              <a:t>: </a:t>
+            </a:r>
+            <a:r>
+              <a:rPr lang="de-DE" sz="1500" strike="noStrike" spc="-1" dirty="0" err="1">
+                <a:solidFill>
+                  <a:srgbClr val="000000"/>
+                </a:solidFill>
+                <a:uFill>
+                  <a:solidFill>
+                    <a:srgbClr val="FFFFFF"/>
+                  </a:solidFill>
+                </a:uFill>
+                <a:latin typeface="Bitstream Vera Sans Mono"/>
+              </a:rPr>
+              <a:t>If</a:t>
+            </a:r>
+            <a:r>
+              <a:rPr lang="de-DE" sz="1500" strike="noStrike" spc="-1" dirty="0">
+                <a:solidFill>
+                  <a:srgbClr val="000000"/>
+                </a:solidFill>
+                <a:uFill>
+                  <a:solidFill>
+                    <a:srgbClr val="FFFFFF"/>
+                  </a:solidFill>
+                </a:uFill>
+                <a:latin typeface="Bitstream Vera Sans Mono"/>
+              </a:rPr>
+              <a:t> (Polster: Stoff Anthrazit) </a:t>
+            </a:r>
+            <a:r>
+              <a:rPr lang="de-DE" sz="1500" strike="noStrike" spc="-1" dirty="0" err="1">
+                <a:solidFill>
+                  <a:srgbClr val="000000"/>
+                </a:solidFill>
+                <a:uFill>
+                  <a:solidFill>
+                    <a:srgbClr val="FFFFFF"/>
+                  </a:solidFill>
+                </a:uFill>
+                <a:latin typeface="Bitstream Vera Sans Mono"/>
+              </a:rPr>
+              <a:t>then</a:t>
+            </a:r>
+            <a:r>
+              <a:rPr lang="de-DE" sz="1500" strike="noStrike" spc="-1" dirty="0">
+                <a:solidFill>
+                  <a:srgbClr val="000000"/>
+                </a:solidFill>
+                <a:uFill>
+                  <a:solidFill>
+                    <a:srgbClr val="FFFFFF"/>
+                  </a:solidFill>
+                </a:uFill>
+                <a:latin typeface="Bitstream Vera Sans Mono"/>
+              </a:rPr>
+              <a:t> (Line: Keine Line)</a:t>
+            </a:r>
+            <a:endParaRPr dirty="0"/>
+          </a:p>
+          <a:p>
+            <a:pPr>
+              <a:lnSpc>
+                <a:spcPct val="90000"/>
+              </a:lnSpc>
+            </a:pPr>
+            <a:r>
+              <a:rPr lang="de-DE" sz="1500" strike="noStrike" spc="-1" dirty="0" err="1">
+                <a:solidFill>
+                  <a:srgbClr val="000000"/>
+                </a:solidFill>
+                <a:uFill>
+                  <a:solidFill>
+                    <a:srgbClr val="FFFFFF"/>
+                  </a:solidFill>
+                </a:uFill>
+                <a:latin typeface="Bitstream Vera Sans Mono"/>
+              </a:rPr>
+              <a:t>lift</a:t>
+            </a:r>
+            <a:r>
+              <a:rPr lang="de-DE" sz="1500" strike="noStrike" spc="-1" dirty="0">
+                <a:solidFill>
+                  <a:srgbClr val="000000"/>
+                </a:solidFill>
+                <a:uFill>
+                  <a:solidFill>
+                    <a:srgbClr val="FFFFFF"/>
+                  </a:solidFill>
+                </a:uFill>
+                <a:latin typeface="Bitstream Vera Sans Mono"/>
+              </a:rPr>
+              <a:t>=4.65103559361; 80.38% </a:t>
+            </a:r>
+            <a:r>
+              <a:rPr lang="de-DE" sz="1500" strike="noStrike" spc="-1" dirty="0" err="1">
+                <a:solidFill>
+                  <a:srgbClr val="000000"/>
+                </a:solidFill>
+                <a:uFill>
+                  <a:solidFill>
+                    <a:srgbClr val="FFFFFF"/>
+                  </a:solidFill>
+                </a:uFill>
+                <a:latin typeface="Bitstream Vera Sans Mono"/>
+              </a:rPr>
+              <a:t>of</a:t>
+            </a:r>
+            <a:r>
+              <a:rPr lang="de-DE" sz="1500" strike="noStrike" spc="-1" dirty="0">
+                <a:solidFill>
+                  <a:srgbClr val="000000"/>
+                </a:solidFill>
+                <a:uFill>
+                  <a:solidFill>
+                    <a:srgbClr val="FFFFFF"/>
+                  </a:solidFill>
+                </a:uFill>
+                <a:latin typeface="Bitstream Vera Sans Mono"/>
+              </a:rPr>
+              <a:t> 25857 </a:t>
+            </a:r>
+            <a:r>
+              <a:rPr lang="de-DE" sz="1500" strike="noStrike" spc="-1" dirty="0" err="1">
+                <a:solidFill>
+                  <a:srgbClr val="000000"/>
+                </a:solidFill>
+                <a:uFill>
+                  <a:solidFill>
+                    <a:srgbClr val="FFFFFF"/>
+                  </a:solidFill>
+                </a:uFill>
+                <a:latin typeface="Bitstream Vera Sans Mono"/>
+              </a:rPr>
+              <a:t>people</a:t>
+            </a:r>
+            <a:r>
+              <a:rPr lang="de-DE" sz="1500" strike="noStrike" spc="-1" dirty="0">
+                <a:solidFill>
+                  <a:srgbClr val="000000"/>
+                </a:solidFill>
+                <a:uFill>
+                  <a:solidFill>
+                    <a:srgbClr val="FFFFFF"/>
+                  </a:solidFill>
+                </a:uFill>
+                <a:latin typeface="Bitstream Vera Sans Mono"/>
+              </a:rPr>
+              <a:t>: </a:t>
+            </a:r>
+            <a:r>
+              <a:rPr lang="de-DE" sz="1500" strike="noStrike" spc="-1" dirty="0" err="1">
+                <a:solidFill>
+                  <a:srgbClr val="000000"/>
+                </a:solidFill>
+                <a:uFill>
+                  <a:solidFill>
+                    <a:srgbClr val="FFFFFF"/>
+                  </a:solidFill>
+                </a:uFill>
+                <a:latin typeface="Bitstream Vera Sans Mono"/>
+              </a:rPr>
+              <a:t>If</a:t>
+            </a:r>
+            <a:r>
+              <a:rPr lang="de-DE" sz="1500" strike="noStrike" spc="-1" dirty="0">
+                <a:solidFill>
+                  <a:srgbClr val="000000"/>
+                </a:solidFill>
+                <a:uFill>
+                  <a:solidFill>
+                    <a:srgbClr val="FFFFFF"/>
+                  </a:solidFill>
+                </a:uFill>
+                <a:latin typeface="Bitstream Vera Sans Mono"/>
+              </a:rPr>
+              <a:t> (Raeder: 16'' Alu "Basis") </a:t>
+            </a:r>
+            <a:r>
+              <a:rPr lang="de-DE" sz="1500" strike="noStrike" spc="-1" dirty="0" err="1">
+                <a:solidFill>
+                  <a:srgbClr val="000000"/>
+                </a:solidFill>
+                <a:uFill>
+                  <a:solidFill>
+                    <a:srgbClr val="FFFFFF"/>
+                  </a:solidFill>
+                </a:uFill>
+                <a:latin typeface="Bitstream Vera Sans Mono"/>
+              </a:rPr>
+              <a:t>then</a:t>
+            </a:r>
+            <a:r>
+              <a:rPr lang="de-DE" sz="1500" strike="noStrike" spc="-1" dirty="0">
+                <a:solidFill>
+                  <a:srgbClr val="000000"/>
+                </a:solidFill>
+                <a:uFill>
+                  <a:solidFill>
+                    <a:srgbClr val="FFFFFF"/>
+                  </a:solidFill>
+                </a:uFill>
+                <a:latin typeface="Bitstream Vera Sans Mono"/>
+              </a:rPr>
+              <a:t> (Polster: Stoff Anthrazit)</a:t>
+            </a:r>
+            <a:endParaRPr dirty="0"/>
+          </a:p>
+          <a:p>
+            <a:pPr>
+              <a:lnSpc>
+                <a:spcPct val="90000"/>
+              </a:lnSpc>
+            </a:pPr>
+            <a:r>
+              <a:rPr lang="de-DE" sz="1500" strike="noStrike" spc="-1" dirty="0" err="1">
+                <a:solidFill>
+                  <a:srgbClr val="000000"/>
+                </a:solidFill>
+                <a:uFill>
+                  <a:solidFill>
+                    <a:srgbClr val="FFFFFF"/>
+                  </a:solidFill>
+                </a:uFill>
+                <a:latin typeface="Bitstream Vera Sans Mono"/>
+              </a:rPr>
+              <a:t>lift</a:t>
+            </a:r>
+            <a:r>
+              <a:rPr lang="de-DE" sz="1500" strike="noStrike" spc="-1" dirty="0">
+                <a:solidFill>
+                  <a:srgbClr val="000000"/>
+                </a:solidFill>
+                <a:uFill>
+                  <a:solidFill>
+                    <a:srgbClr val="FFFFFF"/>
+                  </a:solidFill>
+                </a:uFill>
+                <a:latin typeface="Bitstream Vera Sans Mono"/>
+              </a:rPr>
+              <a:t>=5.09192881201; 80.30% </a:t>
+            </a:r>
+            <a:r>
+              <a:rPr lang="de-DE" sz="1500" strike="noStrike" spc="-1" dirty="0" err="1">
+                <a:solidFill>
+                  <a:srgbClr val="000000"/>
+                </a:solidFill>
+                <a:uFill>
+                  <a:solidFill>
+                    <a:srgbClr val="FFFFFF"/>
+                  </a:solidFill>
+                </a:uFill>
+                <a:latin typeface="Bitstream Vera Sans Mono"/>
+              </a:rPr>
+              <a:t>of</a:t>
+            </a:r>
+            <a:r>
+              <a:rPr lang="de-DE" sz="1500" strike="noStrike" spc="-1" dirty="0">
+                <a:solidFill>
+                  <a:srgbClr val="000000"/>
+                </a:solidFill>
+                <a:uFill>
+                  <a:solidFill>
+                    <a:srgbClr val="FFFFFF"/>
+                  </a:solidFill>
+                </a:uFill>
+                <a:latin typeface="Bitstream Vera Sans Mono"/>
+              </a:rPr>
+              <a:t> 34073 </a:t>
+            </a:r>
+            <a:r>
+              <a:rPr lang="de-DE" sz="1500" strike="noStrike" spc="-1" dirty="0" err="1">
+                <a:solidFill>
+                  <a:srgbClr val="000000"/>
+                </a:solidFill>
+                <a:uFill>
+                  <a:solidFill>
+                    <a:srgbClr val="FFFFFF"/>
+                  </a:solidFill>
+                </a:uFill>
+                <a:latin typeface="Bitstream Vera Sans Mono"/>
+              </a:rPr>
+              <a:t>people</a:t>
+            </a:r>
+            <a:r>
+              <a:rPr lang="de-DE" sz="1500" strike="noStrike" spc="-1" dirty="0">
+                <a:solidFill>
+                  <a:srgbClr val="000000"/>
+                </a:solidFill>
+                <a:uFill>
+                  <a:solidFill>
+                    <a:srgbClr val="FFFFFF"/>
+                  </a:solidFill>
+                </a:uFill>
+                <a:latin typeface="Bitstream Vera Sans Mono"/>
+              </a:rPr>
+              <a:t>: </a:t>
+            </a:r>
+            <a:r>
+              <a:rPr lang="de-DE" sz="1500" strike="noStrike" spc="-1" dirty="0" err="1">
+                <a:solidFill>
+                  <a:srgbClr val="000000"/>
+                </a:solidFill>
+                <a:uFill>
+                  <a:solidFill>
+                    <a:srgbClr val="FFFFFF"/>
+                  </a:solidFill>
+                </a:uFill>
+                <a:latin typeface="Bitstream Vera Sans Mono"/>
+              </a:rPr>
+              <a:t>If</a:t>
+            </a:r>
+            <a:r>
+              <a:rPr lang="de-DE" sz="1500" strike="noStrike" spc="-1" dirty="0">
+                <a:solidFill>
+                  <a:srgbClr val="000000"/>
+                </a:solidFill>
+                <a:uFill>
+                  <a:solidFill>
+                    <a:srgbClr val="FFFFFF"/>
+                  </a:solidFill>
+                </a:uFill>
+                <a:latin typeface="Bitstream Vera Sans Mono"/>
+              </a:rPr>
+              <a:t> (Raeder: 16 Zoll Stahlräder mit Radvollblenden) </a:t>
+            </a:r>
+            <a:r>
+              <a:rPr lang="de-DE" sz="1500" strike="noStrike" spc="-1" dirty="0" err="1">
+                <a:solidFill>
+                  <a:srgbClr val="000000"/>
+                </a:solidFill>
+                <a:uFill>
+                  <a:solidFill>
+                    <a:srgbClr val="FFFFFF"/>
+                  </a:solidFill>
+                </a:uFill>
+                <a:latin typeface="Bitstream Vera Sans Mono"/>
+              </a:rPr>
+              <a:t>then</a:t>
+            </a:r>
+            <a:r>
+              <a:rPr lang="de-DE" sz="1500" strike="noStrike" spc="-1" dirty="0">
+                <a:solidFill>
+                  <a:srgbClr val="000000"/>
+                </a:solidFill>
+                <a:uFill>
+                  <a:solidFill>
+                    <a:srgbClr val="FFFFFF"/>
+                  </a:solidFill>
+                </a:uFill>
+                <a:latin typeface="Bitstream Vera Sans Mono"/>
+              </a:rPr>
+              <a:t> (Leisten: Satinsilber, matt)</a:t>
+            </a:r>
+            <a:endParaRPr dirty="0"/>
+          </a:p>
+          <a:p>
+            <a:pPr>
+              <a:lnSpc>
+                <a:spcPct val="90000"/>
+              </a:lnSpc>
+            </a:pPr>
+            <a:r>
+              <a:rPr lang="de-DE" sz="1500" strike="noStrike" spc="-1" dirty="0" err="1">
+                <a:solidFill>
+                  <a:srgbClr val="000000"/>
+                </a:solidFill>
+                <a:uFill>
+                  <a:solidFill>
+                    <a:srgbClr val="FFFFFF"/>
+                  </a:solidFill>
+                </a:uFill>
+                <a:latin typeface="Bitstream Vera Sans Mono"/>
+              </a:rPr>
+              <a:t>lift</a:t>
+            </a:r>
+            <a:r>
+              <a:rPr lang="de-DE" sz="1500" strike="noStrike" spc="-1" dirty="0">
+                <a:solidFill>
+                  <a:srgbClr val="000000"/>
+                </a:solidFill>
+                <a:uFill>
+                  <a:solidFill>
+                    <a:srgbClr val="FFFFFF"/>
+                  </a:solidFill>
+                </a:uFill>
+                <a:latin typeface="Bitstream Vera Sans Mono"/>
+              </a:rPr>
+              <a:t>=5.95112465993; 96.30% </a:t>
+            </a:r>
+            <a:r>
+              <a:rPr lang="de-DE" sz="1500" strike="noStrike" spc="-1" dirty="0" err="1">
+                <a:solidFill>
+                  <a:srgbClr val="000000"/>
+                </a:solidFill>
+                <a:uFill>
+                  <a:solidFill>
+                    <a:srgbClr val="FFFFFF"/>
+                  </a:solidFill>
+                </a:uFill>
+                <a:latin typeface="Bitstream Vera Sans Mono"/>
+              </a:rPr>
+              <a:t>of</a:t>
+            </a:r>
+            <a:r>
+              <a:rPr lang="de-DE" sz="1500" strike="noStrike" spc="-1" dirty="0">
+                <a:solidFill>
+                  <a:srgbClr val="000000"/>
+                </a:solidFill>
+                <a:uFill>
+                  <a:solidFill>
+                    <a:srgbClr val="FFFFFF"/>
+                  </a:solidFill>
+                </a:uFill>
+                <a:latin typeface="Bitstream Vera Sans Mono"/>
+              </a:rPr>
+              <a:t> 45443 </a:t>
+            </a:r>
+            <a:r>
+              <a:rPr lang="de-DE" sz="1500" strike="noStrike" spc="-1" dirty="0" err="1">
+                <a:solidFill>
+                  <a:srgbClr val="000000"/>
+                </a:solidFill>
+                <a:uFill>
+                  <a:solidFill>
+                    <a:srgbClr val="FFFFFF"/>
+                  </a:solidFill>
+                </a:uFill>
+                <a:latin typeface="Bitstream Vera Sans Mono"/>
+              </a:rPr>
+              <a:t>people</a:t>
+            </a:r>
+            <a:r>
+              <a:rPr lang="de-DE" sz="1500" strike="noStrike" spc="-1" dirty="0">
+                <a:solidFill>
+                  <a:srgbClr val="000000"/>
+                </a:solidFill>
+                <a:uFill>
+                  <a:solidFill>
+                    <a:srgbClr val="FFFFFF"/>
+                  </a:solidFill>
+                </a:uFill>
+                <a:latin typeface="Bitstream Vera Sans Mono"/>
+              </a:rPr>
+              <a:t>: </a:t>
+            </a:r>
+            <a:r>
+              <a:rPr lang="de-DE" sz="1500" strike="noStrike" spc="-1" dirty="0" err="1">
+                <a:solidFill>
+                  <a:srgbClr val="000000"/>
+                </a:solidFill>
+                <a:uFill>
+                  <a:solidFill>
+                    <a:srgbClr val="FFFFFF"/>
+                  </a:solidFill>
+                </a:uFill>
+                <a:latin typeface="Bitstream Vera Sans Mono"/>
+              </a:rPr>
+              <a:t>If</a:t>
+            </a:r>
+            <a:r>
+              <a:rPr lang="de-DE" sz="1500" strike="noStrike" spc="-1" dirty="0">
+                <a:solidFill>
+                  <a:srgbClr val="000000"/>
+                </a:solidFill>
+                <a:uFill>
+                  <a:solidFill>
+                    <a:srgbClr val="FFFFFF"/>
+                  </a:solidFill>
+                </a:uFill>
+                <a:latin typeface="Bitstream Vera Sans Mono"/>
+              </a:rPr>
+              <a:t> (Polster: Stoff-Lederkombination Anthrazit) </a:t>
+            </a:r>
+            <a:r>
+              <a:rPr lang="de-DE" sz="1500" strike="noStrike" spc="-1" dirty="0" err="1">
+                <a:solidFill>
+                  <a:srgbClr val="000000"/>
+                </a:solidFill>
+                <a:uFill>
+                  <a:solidFill>
+                    <a:srgbClr val="FFFFFF"/>
+                  </a:solidFill>
+                </a:uFill>
+                <a:latin typeface="Bitstream Vera Sans Mono"/>
+              </a:rPr>
+              <a:t>then</a:t>
+            </a:r>
+            <a:r>
+              <a:rPr lang="de-DE" sz="1500" strike="noStrike" spc="-1" dirty="0">
+                <a:solidFill>
+                  <a:srgbClr val="000000"/>
+                </a:solidFill>
+                <a:uFill>
+                  <a:solidFill>
+                    <a:srgbClr val="FFFFFF"/>
+                  </a:solidFill>
+                </a:uFill>
+                <a:latin typeface="Bitstream Vera Sans Mono"/>
+              </a:rPr>
+              <a:t> (Line: Modern)</a:t>
+            </a:r>
+            <a:endParaRPr dirty="0"/>
+          </a:p>
+          <a:p>
+            <a:pPr>
+              <a:lnSpc>
+                <a:spcPct val="90000"/>
+              </a:lnSpc>
+            </a:pPr>
+            <a:r>
+              <a:rPr lang="de-DE" sz="1500" strike="noStrike" spc="-1" dirty="0" err="1">
+                <a:solidFill>
+                  <a:srgbClr val="000000"/>
+                </a:solidFill>
+                <a:uFill>
+                  <a:solidFill>
+                    <a:srgbClr val="FFFFFF"/>
+                  </a:solidFill>
+                </a:uFill>
+                <a:latin typeface="Bitstream Vera Sans Mono"/>
+              </a:rPr>
+              <a:t>lift</a:t>
+            </a:r>
+            <a:r>
+              <a:rPr lang="de-DE" sz="1500" strike="noStrike" spc="-1" dirty="0">
+                <a:solidFill>
+                  <a:srgbClr val="000000"/>
+                </a:solidFill>
+                <a:uFill>
+                  <a:solidFill>
+                    <a:srgbClr val="FFFFFF"/>
+                  </a:solidFill>
+                </a:uFill>
+                <a:latin typeface="Bitstream Vera Sans Mono"/>
+              </a:rPr>
+              <a:t>=7.72051040099; 96.61% </a:t>
+            </a:r>
+            <a:r>
+              <a:rPr lang="de-DE" sz="1500" strike="noStrike" spc="-1" dirty="0" err="1">
+                <a:solidFill>
+                  <a:srgbClr val="000000"/>
+                </a:solidFill>
+                <a:uFill>
+                  <a:solidFill>
+                    <a:srgbClr val="FFFFFF"/>
+                  </a:solidFill>
+                </a:uFill>
+                <a:latin typeface="Bitstream Vera Sans Mono"/>
+              </a:rPr>
+              <a:t>of</a:t>
+            </a:r>
+            <a:r>
+              <a:rPr lang="de-DE" sz="1500" strike="noStrike" spc="-1" dirty="0">
+                <a:solidFill>
+                  <a:srgbClr val="000000"/>
+                </a:solidFill>
+                <a:uFill>
+                  <a:solidFill>
+                    <a:srgbClr val="FFFFFF"/>
+                  </a:solidFill>
+                </a:uFill>
+                <a:latin typeface="Bitstream Vera Sans Mono"/>
+              </a:rPr>
+              <a:t> 45593 </a:t>
+            </a:r>
+            <a:r>
+              <a:rPr lang="de-DE" sz="1500" strike="noStrike" spc="-1" dirty="0" err="1">
+                <a:solidFill>
+                  <a:srgbClr val="000000"/>
+                </a:solidFill>
+                <a:uFill>
+                  <a:solidFill>
+                    <a:srgbClr val="FFFFFF"/>
+                  </a:solidFill>
+                </a:uFill>
+                <a:latin typeface="Bitstream Vera Sans Mono"/>
+              </a:rPr>
+              <a:t>people</a:t>
+            </a:r>
+            <a:r>
+              <a:rPr lang="de-DE" sz="1500" strike="noStrike" spc="-1" dirty="0">
+                <a:solidFill>
+                  <a:srgbClr val="000000"/>
+                </a:solidFill>
+                <a:uFill>
+                  <a:solidFill>
+                    <a:srgbClr val="FFFFFF"/>
+                  </a:solidFill>
+                </a:uFill>
+                <a:latin typeface="Bitstream Vera Sans Mono"/>
+              </a:rPr>
+              <a:t>: </a:t>
+            </a:r>
+            <a:r>
+              <a:rPr lang="de-DE" sz="1500" strike="noStrike" spc="-1" dirty="0" err="1">
+                <a:solidFill>
+                  <a:srgbClr val="000000"/>
+                </a:solidFill>
+                <a:uFill>
+                  <a:solidFill>
+                    <a:srgbClr val="FFFFFF"/>
+                  </a:solidFill>
+                </a:uFill>
+                <a:latin typeface="Bitstream Vera Sans Mono"/>
+              </a:rPr>
+              <a:t>If</a:t>
+            </a:r>
+            <a:r>
+              <a:rPr lang="de-DE" sz="1500" strike="noStrike" spc="-1" dirty="0">
+                <a:solidFill>
+                  <a:srgbClr val="000000"/>
+                </a:solidFill>
+                <a:uFill>
+                  <a:solidFill>
+                    <a:srgbClr val="FFFFFF"/>
+                  </a:solidFill>
+                </a:uFill>
+                <a:latin typeface="Bitstream Vera Sans Mono"/>
+              </a:rPr>
+              <a:t> (Polster: Stoff „Salome“ Sattelbraun / Anthrazit) </a:t>
+            </a:r>
+            <a:r>
+              <a:rPr lang="de-DE" sz="1500" strike="noStrike" spc="-1" dirty="0" err="1">
+                <a:solidFill>
+                  <a:srgbClr val="000000"/>
+                </a:solidFill>
+                <a:uFill>
+                  <a:solidFill>
+                    <a:srgbClr val="FFFFFF"/>
+                  </a:solidFill>
+                </a:uFill>
+                <a:latin typeface="Bitstream Vera Sans Mono"/>
+              </a:rPr>
+              <a:t>then</a:t>
+            </a:r>
+            <a:r>
+              <a:rPr lang="de-DE" sz="1500" strike="noStrike" spc="-1" dirty="0">
+                <a:solidFill>
+                  <a:srgbClr val="000000"/>
+                </a:solidFill>
+                <a:uFill>
+                  <a:solidFill>
+                    <a:srgbClr val="FFFFFF"/>
+                  </a:solidFill>
+                </a:uFill>
+                <a:latin typeface="Bitstream Vera Sans Mono"/>
+              </a:rPr>
+              <a:t> (Line: </a:t>
+            </a:r>
+            <a:r>
+              <a:rPr lang="de-DE" sz="1500" strike="noStrike" spc="-1" dirty="0" err="1">
+                <a:solidFill>
+                  <a:srgbClr val="000000"/>
+                </a:solidFill>
+                <a:uFill>
+                  <a:solidFill>
+                    <a:srgbClr val="FFFFFF"/>
+                  </a:solidFill>
+                </a:uFill>
+                <a:latin typeface="Bitstream Vera Sans Mono"/>
+              </a:rPr>
+              <a:t>Luxury</a:t>
+            </a:r>
+            <a:r>
+              <a:rPr lang="de-DE" sz="1500" strike="noStrike" spc="-1" dirty="0">
+                <a:solidFill>
+                  <a:srgbClr val="000000"/>
+                </a:solidFill>
+                <a:uFill>
+                  <a:solidFill>
+                    <a:srgbClr val="FFFFFF"/>
+                  </a:solidFill>
+                </a:uFill>
+                <a:latin typeface="Bitstream Vera Sans Mono"/>
+              </a:rPr>
+              <a:t>)</a:t>
+            </a:r>
+            <a:endParaRPr dirty="0"/>
+          </a:p>
+          <a:p>
+            <a:pPr>
+              <a:lnSpc>
+                <a:spcPct val="90000"/>
+              </a:lnSpc>
+            </a:pPr>
+            <a:r>
+              <a:rPr lang="de-DE" sz="1500" strike="noStrike" spc="-1" dirty="0" err="1">
+                <a:solidFill>
+                  <a:srgbClr val="000000"/>
+                </a:solidFill>
+                <a:uFill>
+                  <a:solidFill>
+                    <a:srgbClr val="FFFFFF"/>
+                  </a:solidFill>
+                </a:uFill>
+                <a:latin typeface="Bitstream Vera Sans Mono"/>
+              </a:rPr>
+              <a:t>lift</a:t>
+            </a:r>
+            <a:r>
+              <a:rPr lang="de-DE" sz="1500" strike="noStrike" spc="-1" dirty="0">
+                <a:solidFill>
+                  <a:srgbClr val="000000"/>
+                </a:solidFill>
+                <a:uFill>
+                  <a:solidFill>
+                    <a:srgbClr val="FFFFFF"/>
+                  </a:solidFill>
+                </a:uFill>
+                <a:latin typeface="Bitstream Vera Sans Mono"/>
+              </a:rPr>
+              <a:t>=7.76450453372; 97.16% </a:t>
+            </a:r>
+            <a:r>
+              <a:rPr lang="de-DE" sz="1500" strike="noStrike" spc="-1" dirty="0" err="1">
+                <a:solidFill>
+                  <a:srgbClr val="000000"/>
+                </a:solidFill>
+                <a:uFill>
+                  <a:solidFill>
+                    <a:srgbClr val="FFFFFF"/>
+                  </a:solidFill>
+                </a:uFill>
+                <a:latin typeface="Bitstream Vera Sans Mono"/>
+              </a:rPr>
+              <a:t>of</a:t>
+            </a:r>
+            <a:r>
+              <a:rPr lang="de-DE" sz="1500" strike="noStrike" spc="-1" dirty="0">
+                <a:solidFill>
+                  <a:srgbClr val="000000"/>
+                </a:solidFill>
+                <a:uFill>
+                  <a:solidFill>
+                    <a:srgbClr val="FFFFFF"/>
+                  </a:solidFill>
+                </a:uFill>
+                <a:latin typeface="Bitstream Vera Sans Mono"/>
+              </a:rPr>
+              <a:t> 38456 </a:t>
+            </a:r>
+            <a:r>
+              <a:rPr lang="de-DE" sz="1500" strike="noStrike" spc="-1" dirty="0" err="1">
+                <a:solidFill>
+                  <a:srgbClr val="000000"/>
+                </a:solidFill>
+                <a:uFill>
+                  <a:solidFill>
+                    <a:srgbClr val="FFFFFF"/>
+                  </a:solidFill>
+                </a:uFill>
+                <a:latin typeface="Bitstream Vera Sans Mono"/>
+              </a:rPr>
+              <a:t>people</a:t>
+            </a:r>
+            <a:r>
+              <a:rPr lang="de-DE" sz="1500" strike="noStrike" spc="-1" dirty="0">
+                <a:solidFill>
+                  <a:srgbClr val="000000"/>
+                </a:solidFill>
+                <a:uFill>
+                  <a:solidFill>
+                    <a:srgbClr val="FFFFFF"/>
+                  </a:solidFill>
+                </a:uFill>
+                <a:latin typeface="Bitstream Vera Sans Mono"/>
+              </a:rPr>
+              <a:t>: </a:t>
+            </a:r>
+            <a:r>
+              <a:rPr lang="de-DE" sz="1500" strike="noStrike" spc="-1" dirty="0" err="1">
+                <a:solidFill>
+                  <a:srgbClr val="000000"/>
+                </a:solidFill>
+                <a:uFill>
+                  <a:solidFill>
+                    <a:srgbClr val="FFFFFF"/>
+                  </a:solidFill>
+                </a:uFill>
+                <a:latin typeface="Bitstream Vera Sans Mono"/>
+              </a:rPr>
+              <a:t>If</a:t>
+            </a:r>
+            <a:r>
+              <a:rPr lang="de-DE" sz="1500" strike="noStrike" spc="-1" dirty="0">
+                <a:solidFill>
+                  <a:srgbClr val="000000"/>
+                </a:solidFill>
+                <a:uFill>
+                  <a:solidFill>
+                    <a:srgbClr val="FFFFFF"/>
+                  </a:solidFill>
+                </a:uFill>
+                <a:latin typeface="Bitstream Vera Sans Mono"/>
+              </a:rPr>
+              <a:t> (Polster: Leder Dakota Schwarz) </a:t>
+            </a:r>
+            <a:r>
+              <a:rPr lang="de-DE" sz="1500" strike="noStrike" spc="-1" dirty="0" err="1">
+                <a:solidFill>
+                  <a:srgbClr val="000000"/>
+                </a:solidFill>
+                <a:uFill>
+                  <a:solidFill>
+                    <a:srgbClr val="FFFFFF"/>
+                  </a:solidFill>
+                </a:uFill>
+                <a:latin typeface="Bitstream Vera Sans Mono"/>
+              </a:rPr>
+              <a:t>then</a:t>
+            </a:r>
+            <a:r>
+              <a:rPr lang="de-DE" sz="1500" strike="noStrike" spc="-1" dirty="0">
+                <a:solidFill>
+                  <a:srgbClr val="000000"/>
+                </a:solidFill>
+                <a:uFill>
+                  <a:solidFill>
+                    <a:srgbClr val="FFFFFF"/>
+                  </a:solidFill>
+                </a:uFill>
+                <a:latin typeface="Bitstream Vera Sans Mono"/>
+              </a:rPr>
+              <a:t> (Line: </a:t>
+            </a:r>
+            <a:r>
+              <a:rPr lang="de-DE" sz="1500" strike="noStrike" spc="-1" dirty="0" err="1">
+                <a:solidFill>
+                  <a:srgbClr val="000000"/>
+                </a:solidFill>
+                <a:uFill>
+                  <a:solidFill>
+                    <a:srgbClr val="FFFFFF"/>
+                  </a:solidFill>
+                </a:uFill>
+                <a:latin typeface="Bitstream Vera Sans Mono"/>
+              </a:rPr>
+              <a:t>Luxury</a:t>
+            </a:r>
+            <a:r>
+              <a:rPr lang="de-DE" sz="1500" strike="noStrike" spc="-1" dirty="0">
+                <a:solidFill>
+                  <a:srgbClr val="000000"/>
+                </a:solidFill>
+                <a:uFill>
+                  <a:solidFill>
+                    <a:srgbClr val="FFFFFF"/>
+                  </a:solidFill>
+                </a:uFill>
+                <a:latin typeface="Bitstream Vera Sans Mono"/>
+              </a:rPr>
+              <a:t>)</a:t>
+            </a:r>
+            <a:endParaRPr dirty="0"/>
+          </a:p>
+          <a:p>
+            <a:pPr>
+              <a:lnSpc>
+                <a:spcPct val="90000"/>
+              </a:lnSpc>
+            </a:pPr>
+            <a:endParaRPr dirty="0"/>
+          </a:p>
+          <a:p>
+            <a:pPr>
+              <a:lnSpc>
+                <a:spcPct val="90000"/>
+              </a:lnSpc>
+            </a:pPr>
+            <a:endParaRPr dirty="0"/>
           </a:p>
         </p:txBody>
       </p:sp>
@@ -6755,7 +7390,7 @@
       </p:grpSpPr>
       <p:sp>
         <p:nvSpPr>
-          <p:cNvPr id="102" name="TextShape 1"/>
+          <p:cNvPr id="100" name="TextShape 1"/>
           <p:cNvSpPr txBox="1"/>
           <p:nvPr/>
         </p:nvSpPr>
@@ -6793,15 +7428,15 @@
                 </a:uFill>
                 <a:latin typeface="Calibri Light"/>
               </a:rPr>
-              <a:t>Prädiktion von Nutzerverhalten</a:t>
-            </a:r>
-            <a:endParaRPr/>
-          </a:p>
-        </p:txBody>
-      </p:sp>
-      <p:sp>
-        <p:nvSpPr>
-          <p:cNvPr id="103" name="TextShape 2"/>
+              <a:t>Assoziationsregeln – Skalierbarkeit</a:t>
+            </a:r>
+            <a:endParaRPr/>
+          </a:p>
+        </p:txBody>
+      </p:sp>
+      <p:sp>
+        <p:nvSpPr>
+          <p:cNvPr id="101" name="TextShape 2"/>
           <p:cNvSpPr txBox="1"/>
           <p:nvPr/>
         </p:nvSpPr>
@@ -6830,7 +7465,7 @@
               <a:buChar char="•"/>
             </a:pPr>
             <a:r>
-              <a:rPr lang="de-DE" sz="2800" strike="noStrike" spc="-1">
+              <a:rPr lang="de-DE" sz="2400" strike="noStrike" spc="-1">
                 <a:solidFill>
                   <a:srgbClr val="000000"/>
                 </a:solidFill>
@@ -6841,7 +7476,7 @@
                 </a:uFill>
                 <a:latin typeface="Calibri"/>
               </a:rPr>
-              <a:t>Fragestellung: Konfiguriert ein Nutzer ein weiteres Auto?</a:t>
+              <a:t>Laufzeit auf Laptop (für 1 Mio Konfigurationen mit pyfim)</a:t>
             </a:r>
             <a:endParaRPr/>
           </a:p>
@@ -6855,7 +7490,7 @@
               <a:buChar char=""/>
             </a:pPr>
             <a:r>
-              <a:rPr lang="de-DE" sz="2800" strike="noStrike" spc="-1">
+              <a:rPr lang="de-DE" sz="2400" strike="noStrike" spc="-1">
                 <a:solidFill>
                   <a:srgbClr val="000000"/>
                 </a:solidFill>
@@ -6866,7 +7501,7 @@
                 </a:uFill>
                 <a:latin typeface="Calibri"/>
               </a:rPr>
-              <a:t>Eingabe: Alle Features jeweils als 1 oder 0</a:t>
+              <a:t>Apriori-Common-Itemsets: 5.6s (findet 244k Sets mit support ≥ 2%)</a:t>
             </a:r>
             <a:endParaRPr/>
           </a:p>
@@ -6880,7 +7515,7 @@
               <a:buChar char=""/>
             </a:pPr>
             <a:r>
-              <a:rPr lang="de-DE" sz="2800" strike="noStrike" spc="-1">
+              <a:rPr lang="de-DE" sz="2400" strike="noStrike" spc="-1">
                 <a:solidFill>
                   <a:srgbClr val="000000"/>
                 </a:solidFill>
@@ -6891,7 +7526,74 @@
                 </a:uFill>
                 <a:latin typeface="Calibri"/>
               </a:rPr>
-              <a:t>Ausgabe: 1 falls Nutzer nach Konfiguration weiteres Auto konfiguriert, 0 sonst</a:t>
+              <a:t>Apriori-Regeln inkl. Lift-Berechnung: 1.4s (support ≥ 10%)</a:t>
+            </a:r>
+            <a:endParaRPr/>
+          </a:p>
+          <a:p>
+            <a:pPr marL="864000" lvl="1" indent="-324000">
+              <a:buClr>
+                <a:srgbClr val="FFFFFF"/>
+              </a:buClr>
+              <a:buSzPct val="75000"/>
+              <a:buFont typeface="Symbol" charset="2"/>
+              <a:buChar char=""/>
+            </a:pPr>
+            <a:r>
+              <a:rPr lang="de-DE" sz="2400" strike="noStrike" spc="-1">
+                <a:solidFill>
+                  <a:srgbClr val="000000"/>
+                </a:solidFill>
+                <a:uFill>
+                  <a:solidFill>
+                    <a:srgbClr val="FFFFFF"/>
+                  </a:solidFill>
+                </a:uFill>
+                <a:latin typeface="Calibri"/>
+              </a:rPr>
+              <a:t>Apriori-Regeln inkl. Lift-Berechnung: 13.4s (support ≥ 2% → 920k Regeln)</a:t>
+            </a:r>
+            <a:endParaRPr/>
+          </a:p>
+          <a:p>
+            <a:pPr marL="228600" indent="-228240">
+              <a:buFont typeface="Arial"/>
+              <a:buChar char="•"/>
+            </a:pPr>
+            <a:r>
+              <a:rPr lang="de-DE" sz="2400" strike="noStrike" spc="-1">
+                <a:solidFill>
+                  <a:srgbClr val="000000"/>
+                </a:solidFill>
+                <a:uFill>
+                  <a:solidFill>
+                    <a:srgbClr val="FFFFFF"/>
+                  </a:solidFill>
+                </a:uFill>
+                <a:latin typeface="Calibri"/>
+              </a:rPr>
+              <a:t>Apriori skaliert linear in Anzahl Transaktionen</a:t>
+            </a:r>
+            <a:endParaRPr/>
+          </a:p>
+          <a:p>
+            <a:pPr marL="228600" indent="-228240">
+              <a:buFont typeface="Arial"/>
+              <a:buChar char="•"/>
+            </a:pPr>
+            <a:r>
+              <a:rPr lang="de-DE" sz="2400" strike="noStrike" spc="-1">
+                <a:solidFill>
+                  <a:srgbClr val="000000"/>
+                </a:solidFill>
+                <a:uFill>
+                  <a:solidFill>
+                    <a:srgbClr val="FFFFFF"/>
+                  </a:solidFill>
+                </a:uFill>
+                <a:latin typeface="Calibri"/>
+              </a:rPr>
+              <a:t>Pyfim hat auch alternative, modernere Algorithmen mit gleichem Interface (z.B. eclat)</a:t>
             </a:r>
             <a:endParaRPr/>
           </a:p>
@@ -6904,7 +7606,7 @@
               <a:buChar char="•"/>
             </a:pPr>
             <a:r>
-              <a:rPr lang="de-DE" sz="2800" strike="noStrike" spc="-1">
+              <a:rPr lang="de-DE" sz="2400" strike="noStrike" spc="-1">
                 <a:solidFill>
                   <a:srgbClr val="000000"/>
                 </a:solidFill>
@@ -6915,7 +7617,7 @@
                 </a:uFill>
                 <a:latin typeface="Calibri"/>
               </a:rPr>
-              <a:t>Möglicher Nutzen: z.B. Um Nutzer mit Sonderangeboten zum dableiben zu bewegen</a:t>
+              <a:t> </a:t>
             </a:r>
             <a:endParaRPr/>
           </a:p>
@@ -6928,7 +7630,7 @@
               <a:buChar char="•"/>
             </a:pPr>
             <a:r>
-              <a:rPr lang="de-DE" sz="2800" strike="noStrike" spc="-1">
+              <a:rPr lang="de-DE" sz="2400" strike="noStrike" spc="-1">
                 <a:solidFill>
                   <a:srgbClr val="000000"/>
                 </a:solidFill>
@@ -6939,8 +7641,24 @@
                 </a:uFill>
                 <a:latin typeface="Calibri"/>
               </a:rPr>
-              <a:t>Eingesetzte Technologie: Torch7 basierend auf Lua und C/C++</a:t>
-            </a:r>
+              <a:t>ggf. Proximus?</a:t>
+            </a:r>
+            <a:endParaRPr/>
+          </a:p>
+          <a:p>
+            <a:pPr>
+              <a:lnSpc>
+                <a:spcPct val="90000"/>
+              </a:lnSpc>
+            </a:pPr>
+            <a:endParaRPr/>
+          </a:p>
+          <a:p>
+            <a:pPr>
+              <a:lnSpc>
+                <a:spcPct val="90000"/>
+              </a:lnSpc>
+            </a:pPr>
             <a:endParaRPr/>
           </a:p>
         </p:txBody>
@@ -6999,7 +7717,7 @@
       </p:grpSpPr>
       <p:sp>
         <p:nvSpPr>
-          <p:cNvPr id="104" name="TextShape 1"/>
+          <p:cNvPr id="102" name="TextShape 1"/>
           <p:cNvSpPr txBox="1"/>
           <p:nvPr/>
         </p:nvSpPr>
@@ -7037,35 +7755,158 @@
                 </a:uFill>
                 <a:latin typeface="Calibri Light"/>
               </a:rPr>
-              <a:t>Einfaches Feed-Forward Netz</a:t>
-            </a:r>
-            <a:endParaRPr/>
-          </a:p>
-        </p:txBody>
-      </p:sp>
-      <p:pic>
-        <p:nvPicPr>
-          <p:cNvPr id="105" name="Grafik 3"/>
-          <p:cNvPicPr/>
+              <a:t>Prädiktion von Nutzerverhalten</a:t>
+            </a:r>
+            <a:endParaRPr/>
+          </a:p>
+        </p:txBody>
+      </p:sp>
+      <p:sp>
+        <p:nvSpPr>
+          <p:cNvPr id="103" name="TextShape 2"/>
+          <p:cNvSpPr txBox="1"/>
           <p:nvPr/>
-        </p:nvPicPr>
-        <p:blipFill>
-          <a:blip r:embed="rId2"/>
-          <a:stretch/>
-        </p:blipFill>
-        <p:spPr>
-          <a:xfrm>
-            <a:off x="3905280" y="1467000"/>
-            <a:ext cx="4066920" cy="5030280"/>
-          </a:xfrm>
-          <a:prstGeom prst="rect">
-            <a:avLst/>
-          </a:prstGeom>
+        </p:nvSpPr>
+        <p:spPr>
+          <a:xfrm>
+            <a:off x="838080" y="1825560"/>
+            <a:ext cx="10515240" cy="4350960"/>
+          </a:xfrm>
+          <a:prstGeom prst="rect">
+            <a:avLst/>
+          </a:prstGeom>
+          <a:noFill/>
           <a:ln>
             <a:noFill/>
           </a:ln>
         </p:spPr>
-      </p:pic>
+        <p:txBody>
+          <a:bodyPr/>
+          <a:lstStyle/>
+          <a:p>
+            <a:pPr marL="228600" indent="-228240">
+              <a:lnSpc>
+                <a:spcPct val="90000"/>
+              </a:lnSpc>
+              <a:buFont typeface="Arial"/>
+              <a:buChar char="•"/>
+            </a:pPr>
+            <a:r>
+              <a:rPr lang="de-DE" sz="2800" strike="noStrike" spc="-1">
+                <a:solidFill>
+                  <a:srgbClr val="000000"/>
+                </a:solidFill>
+                <a:uFill>
+                  <a:solidFill>
+                    <a:srgbClr val="FFFFFF"/>
+                  </a:solidFill>
+                </a:uFill>
+                <a:latin typeface="Calibri"/>
+              </a:rPr>
+              <a:t>Fragestellung: Konfiguriert ein Nutzer ein weiteres Auto?</a:t>
+            </a:r>
+            <a:endParaRPr/>
+          </a:p>
+          <a:p>
+            <a:pPr marL="864000" lvl="1" indent="-324000">
+              <a:buClr>
+                <a:srgbClr val="FFFFFF"/>
+              </a:buClr>
+              <a:buSzPct val="75000"/>
+              <a:buFont typeface="Symbol" charset="2"/>
+              <a:buChar char=""/>
+            </a:pPr>
+            <a:r>
+              <a:rPr lang="de-DE" sz="2800" strike="noStrike" spc="-1">
+                <a:solidFill>
+                  <a:srgbClr val="000000"/>
+                </a:solidFill>
+                <a:uFill>
+                  <a:solidFill>
+                    <a:srgbClr val="FFFFFF"/>
+                  </a:solidFill>
+                </a:uFill>
+                <a:latin typeface="Calibri"/>
+              </a:rPr>
+              <a:t>Eingabe: Alle Features jeweils als 1 oder 0</a:t>
+            </a:r>
+            <a:endParaRPr/>
+          </a:p>
+          <a:p>
+            <a:pPr marL="864000" lvl="1" indent="-324000">
+              <a:buClr>
+                <a:srgbClr val="FFFFFF"/>
+              </a:buClr>
+              <a:buSzPct val="75000"/>
+              <a:buFont typeface="Symbol" charset="2"/>
+              <a:buChar char=""/>
+            </a:pPr>
+            <a:r>
+              <a:rPr lang="de-DE" sz="2800" strike="noStrike" spc="-1">
+                <a:solidFill>
+                  <a:srgbClr val="000000"/>
+                </a:solidFill>
+                <a:uFill>
+                  <a:solidFill>
+                    <a:srgbClr val="FFFFFF"/>
+                  </a:solidFill>
+                </a:uFill>
+                <a:latin typeface="Calibri"/>
+              </a:rPr>
+              <a:t>Ausgabe: 1 falls Nutzer nach Konfiguration weiteres Auto konfiguriert, 0 sonst</a:t>
+            </a:r>
+            <a:endParaRPr/>
+          </a:p>
+          <a:p>
+            <a:pPr marL="228600" indent="-228240">
+              <a:lnSpc>
+                <a:spcPct val="90000"/>
+              </a:lnSpc>
+              <a:buFont typeface="Arial"/>
+              <a:buChar char="•"/>
+            </a:pPr>
+            <a:r>
+              <a:rPr lang="de-DE" sz="2800" strike="noStrike" spc="-1">
+                <a:solidFill>
+                  <a:srgbClr val="000000"/>
+                </a:solidFill>
+                <a:uFill>
+                  <a:solidFill>
+                    <a:srgbClr val="FFFFFF"/>
+                  </a:solidFill>
+                </a:uFill>
+                <a:latin typeface="Calibri"/>
+              </a:rPr>
+              <a:t>Möglicher Nutzen: z.B. Um Nutzer mit Sonderangeboten zum dableiben zu bewegen</a:t>
+            </a:r>
+            <a:endParaRPr/>
+          </a:p>
+          <a:p>
+            <a:pPr marL="228600" indent="-228240">
+              <a:lnSpc>
+                <a:spcPct val="90000"/>
+              </a:lnSpc>
+              <a:buFont typeface="Arial"/>
+              <a:buChar char="•"/>
+            </a:pPr>
+            <a:r>
+              <a:rPr lang="de-DE" sz="2800" strike="noStrike" spc="-1">
+                <a:solidFill>
+                  <a:srgbClr val="000000"/>
+                </a:solidFill>
+                <a:uFill>
+                  <a:solidFill>
+                    <a:srgbClr val="FFFFFF"/>
+                  </a:solidFill>
+                </a:uFill>
+                <a:latin typeface="Calibri"/>
+              </a:rPr>
+              <a:t>Eingesetzte Technologie: Torch7 basierend auf Lua und C/C++</a:t>
+            </a:r>
+            <a:endParaRPr/>
+          </a:p>
+        </p:txBody>
+      </p:sp>
     </p:spTree>
   </p:cSld>
   <p:clrMapOvr>
@@ -7120,7 +7961,7 @@
       </p:grpSpPr>
       <p:sp>
         <p:nvSpPr>
-          <p:cNvPr id="106" name="TextShape 1"/>
+          <p:cNvPr id="104" name="TextShape 1"/>
           <p:cNvSpPr txBox="1"/>
           <p:nvPr/>
         </p:nvSpPr>
@@ -7158,7 +7999,7 @@
                 </a:uFill>
                 <a:latin typeface="Calibri Light"/>
               </a:rPr>
-              <a:t>Netz mit Bottleneck</a:t>
+              <a:t>Einfaches Feed-Forward Netz</a:t>
             </a:r>
             <a:endParaRPr/>
           </a:p>
@@ -7166,19 +8007,18 @@
       </p:sp>
       <p:pic>
         <p:nvPicPr>
-          <p:cNvPr id="107" name="Grafik 3"/>
+          <p:cNvPr id="105" name="Grafik 3"/>
           <p:cNvPicPr/>
           <p:nvPr/>
         </p:nvPicPr>
         <p:blipFill>
           <a:blip r:embed="rId2"/>
-          <a:srcRect l="2603" t="1096" r="565" b="930"/>
           <a:stretch/>
         </p:blipFill>
         <p:spPr>
           <a:xfrm>
-            <a:off x="2414520" y="1690560"/>
-            <a:ext cx="7362360" cy="4730040"/>
+            <a:off x="3905280" y="1467000"/>
+            <a:ext cx="4066920" cy="5030280"/>
           </a:xfrm>
           <a:prstGeom prst="rect">
             <a:avLst/>
@@ -7242,7 +8082,7 @@
       </p:grpSpPr>
       <p:sp>
         <p:nvSpPr>
-          <p:cNvPr id="108" name="TextShape 1"/>
+          <p:cNvPr id="106" name="TextShape 1"/>
           <p:cNvSpPr txBox="1"/>
           <p:nvPr/>
         </p:nvSpPr>
@@ -7280,156 +8120,36 @@
                 </a:uFill>
                 <a:latin typeface="Calibri Light"/>
               </a:rPr>
-              <a:t>Klassifikationsergebnisse</a:t>
-            </a:r>
-            <a:endParaRPr/>
-          </a:p>
-        </p:txBody>
-      </p:sp>
-      <p:sp>
-        <p:nvSpPr>
-          <p:cNvPr id="109" name="TextShape 2"/>
-          <p:cNvSpPr txBox="1"/>
+              <a:t>Netz mit Bottleneck</a:t>
+            </a:r>
+            <a:endParaRPr/>
+          </a:p>
+        </p:txBody>
+      </p:sp>
+      <p:pic>
+        <p:nvPicPr>
+          <p:cNvPr id="107" name="Grafik 3"/>
+          <p:cNvPicPr/>
           <p:nvPr/>
-        </p:nvSpPr>
-        <p:spPr>
-          <a:xfrm>
-            <a:off x="838080" y="1825560"/>
-            <a:ext cx="10515240" cy="4350960"/>
-          </a:xfrm>
-          <a:prstGeom prst="rect">
-            <a:avLst/>
-          </a:prstGeom>
-          <a:noFill/>
+        </p:nvPicPr>
+        <p:blipFill>
+          <a:blip r:embed="rId2"/>
+          <a:srcRect l="2603" t="1096" r="565" b="930"/>
+          <a:stretch/>
+        </p:blipFill>
+        <p:spPr>
+          <a:xfrm>
+            <a:off x="2414520" y="1690560"/>
+            <a:ext cx="7362360" cy="4730040"/>
+          </a:xfrm>
+          <a:prstGeom prst="rect">
+            <a:avLst/>
+          </a:prstGeom>
           <a:ln>
             <a:noFill/>
           </a:ln>
         </p:spPr>
-        <p:txBody>
-          <a:bodyPr/>
-          <a:lstStyle/>
-          <a:p>
-            <a:pPr marL="228600" indent="-228240">
-              <a:lnSpc>
-                <a:spcPct val="90000"/>
-              </a:lnSpc>
-              <a:buFont typeface="Arial"/>
-              <a:buChar char="•"/>
-            </a:pPr>
-            <a:r>
-              <a:rPr lang="de-DE" sz="2800" strike="noStrike" spc="-1">
-                <a:solidFill>
-                  <a:srgbClr val="000000"/>
-                </a:solidFill>
-                <a:uFill>
-                  <a:solidFill>
-                    <a:srgbClr val="FFFFFF"/>
-                  </a:solidFill>
-                </a:uFill>
-                <a:latin typeface="Calibri"/>
-              </a:rPr>
-              <a:t>Naive Prädiktion: </a:t>
-            </a:r>
-            <a:endParaRPr/>
-          </a:p>
-          <a:p>
-            <a:pPr marL="685800" lvl="1" indent="-228240">
-              <a:lnSpc>
-                <a:spcPct val="100000"/>
-              </a:lnSpc>
-              <a:buFont typeface="Arial"/>
-              <a:buChar char="•"/>
-            </a:pPr>
-            <a:r>
-              <a:rPr lang="de-DE" sz="2400" strike="noStrike" spc="-1">
-                <a:solidFill>
-                  <a:srgbClr val="000000"/>
-                </a:solidFill>
-                <a:uFill>
-                  <a:solidFill>
-                    <a:srgbClr val="FFFFFF"/>
-                  </a:solidFill>
-                </a:uFill>
-                <a:latin typeface="Calibri"/>
-              </a:rPr>
-              <a:t>Nach jeder Konfiguration folgt eine weitere: 52,6%</a:t>
-            </a:r>
-            <a:endParaRPr/>
-          </a:p>
-          <a:p>
-            <a:pPr marL="685800" lvl="1" indent="-228240">
-              <a:lnSpc>
-                <a:spcPct val="100000"/>
-              </a:lnSpc>
-              <a:buFont typeface="Arial"/>
-              <a:buChar char="•"/>
-            </a:pPr>
-            <a:r>
-              <a:rPr lang="de-DE" sz="2400" strike="noStrike" spc="-1">
-                <a:solidFill>
-                  <a:srgbClr val="000000"/>
-                </a:solidFill>
-                <a:uFill>
-                  <a:solidFill>
-                    <a:srgbClr val="FFFFFF"/>
-                  </a:solidFill>
-                </a:uFill>
-                <a:latin typeface="Calibri"/>
-              </a:rPr>
-              <a:t>Der Nutzer stoppt das Konfigurieren nach dem aktuellem Auto: 47,4 %</a:t>
-            </a:r>
-            <a:endParaRPr/>
-          </a:p>
-          <a:p>
-            <a:pPr marL="228600" indent="-228240">
-              <a:lnSpc>
-                <a:spcPct val="90000"/>
-              </a:lnSpc>
-              <a:buFont typeface="Arial"/>
-              <a:buChar char="•"/>
-            </a:pPr>
-            <a:r>
-              <a:rPr lang="de-DE" sz="2800" strike="noStrike" spc="-1">
-                <a:solidFill>
-                  <a:srgbClr val="000000"/>
-                </a:solidFill>
-                <a:uFill>
-                  <a:solidFill>
-                    <a:srgbClr val="FFFFFF"/>
-                  </a:solidFill>
-                </a:uFill>
-                <a:latin typeface="Calibri"/>
-              </a:rPr>
-              <a:t>Einfaches NN: 72,9 % richtige Entscheidungen prädiziert</a:t>
-            </a:r>
-            <a:endParaRPr/>
-          </a:p>
-          <a:p>
-            <a:pPr marL="228600" indent="-228240">
-              <a:lnSpc>
-                <a:spcPct val="90000"/>
-              </a:lnSpc>
-              <a:buFont typeface="Arial"/>
-              <a:buChar char="•"/>
-            </a:pPr>
-            <a:r>
-              <a:rPr lang="de-DE" sz="2800" strike="noStrike" spc="-1">
-                <a:solidFill>
-                  <a:srgbClr val="000000"/>
-                </a:solidFill>
-                <a:uFill>
-                  <a:solidFill>
-                    <a:srgbClr val="FFFFFF"/>
-                  </a:solidFill>
-                </a:uFill>
-                <a:latin typeface="Calibri"/>
-              </a:rPr>
-              <a:t>BNF-NN: 74,07 % </a:t>
-            </a:r>
-            <a:endParaRPr/>
-          </a:p>
-        </p:txBody>
-      </p:sp>
+      </p:pic>
     </p:spTree>
   </p:cSld>
   <p:clrMapOvr>
@@ -7484,7 +8204,7 @@
       </p:grpSpPr>
       <p:sp>
         <p:nvSpPr>
-          <p:cNvPr id="110" name="TextShape 1"/>
+          <p:cNvPr id="108" name="TextShape 1"/>
           <p:cNvSpPr txBox="1"/>
           <p:nvPr/>
         </p:nvSpPr>
@@ -7522,15 +8242,15 @@
                 </a:uFill>
                 <a:latin typeface="Calibri Light"/>
               </a:rPr>
-              <a:t>Andere Anwendungen</a:t>
-            </a:r>
-            <a:endParaRPr/>
-          </a:p>
-        </p:txBody>
-      </p:sp>
-      <p:sp>
-        <p:nvSpPr>
-          <p:cNvPr id="111" name="TextShape 2"/>
+              <a:t>Klassifikationsergebnisse</a:t>
+            </a:r>
+            <a:endParaRPr/>
+          </a:p>
+        </p:txBody>
+      </p:sp>
+      <p:sp>
+        <p:nvSpPr>
+          <p:cNvPr id="109" name="TextShape 2"/>
           <p:cNvSpPr txBox="1"/>
           <p:nvPr/>
         </p:nvSpPr>
@@ -7570,7 +8290,55 @@
                 </a:uFill>
                 <a:latin typeface="Calibri"/>
               </a:rPr>
-              <a:t>z.B. vorhersagen, ob Auto gekauft wird (Trainingsdaten haben gefehlt)</a:t>
+              <a:t>Naive Prädiktion: </a:t>
+            </a:r>
+            <a:endParaRPr/>
+          </a:p>
+          <a:p>
+            <a:pPr marL="685800" lvl="1" indent="-228240">
+              <a:lnSpc>
+                <a:spcPct val="100000"/>
+              </a:lnSpc>
+              <a:buFont typeface="Arial"/>
+              <a:buChar char="•"/>
+            </a:pPr>
+            <a:r>
+              <a:rPr lang="de-DE" sz="2400" strike="noStrike" spc="-1">
+                <a:solidFill>
+                  <a:srgbClr val="000000"/>
+                </a:solidFill>
+                <a:uFill>
+                  <a:solidFill>
+                    <a:srgbClr val="FFFFFF"/>
+                  </a:solidFill>
+                </a:uFill>
+                <a:latin typeface="Calibri"/>
+              </a:rPr>
+              <a:t>Nach jeder Konfiguration folgt eine weitere: 52,6%</a:t>
+            </a:r>
+            <a:endParaRPr/>
+          </a:p>
+          <a:p>
+            <a:pPr marL="685800" lvl="1" indent="-228240">
+              <a:lnSpc>
+                <a:spcPct val="100000"/>
+              </a:lnSpc>
+              <a:buFont typeface="Arial"/>
+              <a:buChar char="•"/>
+            </a:pPr>
+            <a:r>
+              <a:rPr lang="de-DE" sz="2400" strike="noStrike" spc="-1">
+                <a:solidFill>
+                  <a:srgbClr val="000000"/>
+                </a:solidFill>
+                <a:uFill>
+                  <a:solidFill>
+                    <a:srgbClr val="FFFFFF"/>
+                  </a:solidFill>
+                </a:uFill>
+                <a:latin typeface="Calibri"/>
+              </a:rPr>
+              <a:t>Der Nutzer stoppt das Konfigurieren nach dem aktuellem Auto: 47,4 %</a:t>
             </a:r>
             <a:endParaRPr/>
           </a:p>
@@ -7594,7 +8362,31 @@
                 </a:uFill>
                 <a:latin typeface="Calibri"/>
               </a:rPr>
-              <a:t> </a:t>
+              <a:t>Einfaches NN: 72,9 % richtige Entscheidungen prädiziert</a:t>
+            </a:r>
+            <a:endParaRPr/>
+          </a:p>
+          <a:p>
+            <a:pPr marL="228600" indent="-228240">
+              <a:lnSpc>
+                <a:spcPct val="90000"/>
+              </a:lnSpc>
+              <a:buFont typeface="Arial"/>
+              <a:buChar char="•"/>
+            </a:pPr>
+            <a:r>
+              <a:rPr lang="de-DE" sz="2800" strike="noStrike" spc="-1">
+                <a:solidFill>
+                  <a:srgbClr val="000000"/>
+                </a:solidFill>
+                <a:uFill>
+                  <a:solidFill>
+                    <a:srgbClr val="FFFFFF"/>
+                  </a:solidFill>
+                </a:uFill>
+                <a:latin typeface="Calibri"/>
+              </a:rPr>
+              <a:t>BNF-NN: 74,07 % </a:t>
             </a:r>
             <a:endParaRPr/>
           </a:p>
@@ -7654,7 +8446,7 @@
       </p:grpSpPr>
       <p:sp>
         <p:nvSpPr>
-          <p:cNvPr id="112" name="TextShape 1"/>
+          <p:cNvPr id="110" name="TextShape 1"/>
           <p:cNvSpPr txBox="1"/>
           <p:nvPr/>
         </p:nvSpPr>
@@ -7672,16 +8464,35 @@
           </a:ln>
         </p:spPr>
         <p:txBody>
-          <a:bodyPr lIns="0" tIns="0" rIns="0" bIns="0" anchor="ctr"/>
+          <a:bodyPr anchor="ctr"/>
           <a:lstStyle/>
           <a:p>
-            <a:endParaRPr/>
-          </a:p>
-        </p:txBody>
-      </p:sp>
-      <p:sp>
-        <p:nvSpPr>
-          <p:cNvPr id="113" name="TextShape 2"/>
+            <a:pPr>
+              <a:lnSpc>
+                <a:spcPct val="90000"/>
+              </a:lnSpc>
+            </a:pPr>
+            <a:r>
+              <a:rPr lang="de-DE" sz="4400" strike="noStrike" spc="-1">
+                <a:solidFill>
+                  <a:srgbClr val="000000"/>
+                </a:solidFill>
+                <a:uFill>
+                  <a:solidFill>
+                    <a:srgbClr val="FFFFFF"/>
+                  </a:solidFill>
+                </a:uFill>
+                <a:latin typeface="Calibri Light"/>
+              </a:rPr>
+              <a:t>Andere Anwendungen</a:t>
+            </a:r>
+            <a:endParaRPr/>
+          </a:p>
+        </p:txBody>
+      </p:sp>
+      <p:sp>
+        <p:nvSpPr>
+          <p:cNvPr id="111" name="TextShape 2"/>
           <p:cNvSpPr txBox="1"/>
           <p:nvPr/>
         </p:nvSpPr>
@@ -7699,86 +8510,58 @@
           </a:ln>
         </p:spPr>
         <p:txBody>
-          <a:bodyPr lIns="0" tIns="0" rIns="0" bIns="0"/>
+          <a:bodyPr/>
           <a:lstStyle/>
           <a:p>
-            <a:endParaRPr/>
-          </a:p>
-        </p:txBody>
-      </p:sp>
-      <p:sp>
-        <p:nvSpPr>
-          <p:cNvPr id="114" name="TextShape 3"/>
-          <p:cNvSpPr txBox="1"/>
-          <p:nvPr/>
-        </p:nvSpPr>
-        <p:spPr>
-          <a:xfrm>
-            <a:off x="838080" y="1825560"/>
-            <a:ext cx="10515240" cy="4350960"/>
-          </a:xfrm>
-          <a:prstGeom prst="rect">
-            <a:avLst/>
-          </a:prstGeom>
-          <a:noFill/>
-          <a:ln>
-            <a:noFill/>
-          </a:ln>
-        </p:spPr>
-        <p:txBody>
-          <a:bodyPr lIns="0" tIns="0" rIns="0" bIns="0"/>
-          <a:lstStyle/>
-          <a:p>
-            <a:endParaRPr/>
-          </a:p>
-        </p:txBody>
-      </p:sp>
-      <p:pic>
-        <p:nvPicPr>
-          <p:cNvPr id="115" name="Bild 114"/>
-          <p:cNvPicPr/>
-          <p:nvPr/>
-        </p:nvPicPr>
-        <p:blipFill>
-          <a:blip r:embed="rId2"/>
-          <a:stretch/>
-        </p:blipFill>
-        <p:spPr>
-          <a:xfrm>
-            <a:off x="3368880" y="1825560"/>
-            <a:ext cx="5452920" cy="4350960"/>
-          </a:xfrm>
-          <a:prstGeom prst="rect">
-            <a:avLst/>
-          </a:prstGeom>
-          <a:ln>
-            <a:noFill/>
-          </a:ln>
-        </p:spPr>
-      </p:pic>
-      <p:pic>
-        <p:nvPicPr>
-          <p:cNvPr id="116" name="Bild 115"/>
-          <p:cNvPicPr/>
-          <p:nvPr/>
-        </p:nvPicPr>
-        <p:blipFill>
-          <a:blip r:embed="rId2"/>
-          <a:stretch/>
-        </p:blipFill>
-        <p:spPr>
-          <a:xfrm>
-            <a:off x="3368880" y="1825560"/>
-            <a:ext cx="5452920" cy="4350960"/>
-          </a:xfrm>
-          <a:prstGeom prst="rect">
-            <a:avLst/>
-          </a:prstGeom>
-          <a:ln>
-            <a:noFill/>
-          </a:ln>
-        </p:spPr>
-      </p:pic>
+            <a:pPr marL="228600" indent="-228240">
+              <a:lnSpc>
+                <a:spcPct val="90000"/>
+              </a:lnSpc>
+              <a:buFont typeface="Arial"/>
+              <a:buChar char="•"/>
+            </a:pPr>
+            <a:r>
+              <a:rPr lang="de-DE" sz="2800" strike="noStrike" spc="-1">
+                <a:solidFill>
+                  <a:srgbClr val="000000"/>
+                </a:solidFill>
+                <a:uFill>
+                  <a:solidFill>
+                    <a:srgbClr val="FFFFFF"/>
+                  </a:solidFill>
+                </a:uFill>
+                <a:latin typeface="Calibri"/>
+              </a:rPr>
+              <a:t>z.B. vorhersagen, ob Auto gekauft wird (Trainingsdaten haben gefehlt)</a:t>
+            </a:r>
+            <a:endParaRPr/>
+          </a:p>
+          <a:p>
+            <a:pPr marL="228600" indent="-228240">
+              <a:lnSpc>
+                <a:spcPct val="90000"/>
+              </a:lnSpc>
+              <a:buFont typeface="Arial"/>
+              <a:buChar char="•"/>
+            </a:pPr>
+            <a:r>
+              <a:rPr lang="de-DE" sz="2800" strike="noStrike" spc="-1">
+                <a:solidFill>
+                  <a:srgbClr val="000000"/>
+                </a:solidFill>
+                <a:uFill>
+                  <a:solidFill>
+                    <a:srgbClr val="FFFFFF"/>
+                  </a:solidFill>
+                </a:uFill>
+                <a:latin typeface="Calibri"/>
+              </a:rPr>
+              <a:t> </a:t>
+            </a:r>
+            <a:endParaRPr/>
+          </a:p>
+        </p:txBody>
+      </p:sp>
     </p:spTree>
   </p:cSld>
   <p:clrMapOvr>
@@ -8054,7 +8837,7 @@
       </p:grpSpPr>
       <p:sp>
         <p:nvSpPr>
-          <p:cNvPr id="117" name="TextShape 1"/>
+          <p:cNvPr id="112" name="TextShape 1"/>
           <p:cNvSpPr txBox="1"/>
           <p:nvPr/>
         </p:nvSpPr>
@@ -8081,7 +8864,7 @@
       </p:sp>
       <p:sp>
         <p:nvSpPr>
-          <p:cNvPr id="118" name="TextShape 2"/>
+          <p:cNvPr id="113" name="TextShape 2"/>
           <p:cNvSpPr txBox="1"/>
           <p:nvPr/>
         </p:nvSpPr>
@@ -8108,7 +8891,7 @@
       </p:sp>
       <p:sp>
         <p:nvSpPr>
-          <p:cNvPr id="119" name="TextShape 3"/>
+          <p:cNvPr id="114" name="TextShape 3"/>
           <p:cNvSpPr txBox="1"/>
           <p:nvPr/>
         </p:nvSpPr>
@@ -8135,7 +8918,7 @@
       </p:sp>
       <p:pic>
         <p:nvPicPr>
-          <p:cNvPr id="120" name="Bild 119"/>
+          <p:cNvPr id="115" name="Bild 114"/>
           <p:cNvPicPr/>
           <p:nvPr/>
         </p:nvPicPr>
@@ -8158,7 +8941,7 @@
       </p:pic>
       <p:pic>
         <p:nvPicPr>
-          <p:cNvPr id="121" name="Bild 120"/>
+          <p:cNvPr id="116" name="Bild 115"/>
           <p:cNvPicPr/>
           <p:nvPr/>
         </p:nvPicPr>
@@ -8233,6 +9016,185 @@
       </p:grpSpPr>
       <p:sp>
         <p:nvSpPr>
+          <p:cNvPr id="117" name="TextShape 1"/>
+          <p:cNvSpPr txBox="1"/>
+          <p:nvPr/>
+        </p:nvSpPr>
+        <p:spPr>
+          <a:xfrm>
+            <a:off x="838080" y="365040"/>
+            <a:ext cx="10515240" cy="1325160"/>
+          </a:xfrm>
+          <a:prstGeom prst="rect">
+            <a:avLst/>
+          </a:prstGeom>
+          <a:noFill/>
+          <a:ln>
+            <a:noFill/>
+          </a:ln>
+        </p:spPr>
+        <p:txBody>
+          <a:bodyPr lIns="0" tIns="0" rIns="0" bIns="0" anchor="ctr"/>
+          <a:lstStyle/>
+          <a:p>
+            <a:endParaRPr/>
+          </a:p>
+        </p:txBody>
+      </p:sp>
+      <p:sp>
+        <p:nvSpPr>
+          <p:cNvPr id="118" name="TextShape 2"/>
+          <p:cNvSpPr txBox="1"/>
+          <p:nvPr/>
+        </p:nvSpPr>
+        <p:spPr>
+          <a:xfrm>
+            <a:off x="838080" y="1825560"/>
+            <a:ext cx="10515240" cy="4350960"/>
+          </a:xfrm>
+          <a:prstGeom prst="rect">
+            <a:avLst/>
+          </a:prstGeom>
+          <a:noFill/>
+          <a:ln>
+            <a:noFill/>
+          </a:ln>
+        </p:spPr>
+        <p:txBody>
+          <a:bodyPr lIns="0" tIns="0" rIns="0" bIns="0"/>
+          <a:lstStyle/>
+          <a:p>
+            <a:endParaRPr/>
+          </a:p>
+        </p:txBody>
+      </p:sp>
+      <p:sp>
+        <p:nvSpPr>
+          <p:cNvPr id="119" name="TextShape 3"/>
+          <p:cNvSpPr txBox="1"/>
+          <p:nvPr/>
+        </p:nvSpPr>
+        <p:spPr>
+          <a:xfrm>
+            <a:off x="838080" y="1825560"/>
+            <a:ext cx="10515240" cy="4350960"/>
+          </a:xfrm>
+          <a:prstGeom prst="rect">
+            <a:avLst/>
+          </a:prstGeom>
+          <a:noFill/>
+          <a:ln>
+            <a:noFill/>
+          </a:ln>
+        </p:spPr>
+        <p:txBody>
+          <a:bodyPr lIns="0" tIns="0" rIns="0" bIns="0"/>
+          <a:lstStyle/>
+          <a:p>
+            <a:endParaRPr/>
+          </a:p>
+        </p:txBody>
+      </p:sp>
+      <p:pic>
+        <p:nvPicPr>
+          <p:cNvPr id="120" name="Bild 119"/>
+          <p:cNvPicPr/>
+          <p:nvPr/>
+        </p:nvPicPr>
+        <p:blipFill>
+          <a:blip r:embed="rId2"/>
+          <a:stretch/>
+        </p:blipFill>
+        <p:spPr>
+          <a:xfrm>
+            <a:off x="3368880" y="1825560"/>
+            <a:ext cx="5452920" cy="4350960"/>
+          </a:xfrm>
+          <a:prstGeom prst="rect">
+            <a:avLst/>
+          </a:prstGeom>
+          <a:ln>
+            <a:noFill/>
+          </a:ln>
+        </p:spPr>
+      </p:pic>
+      <p:pic>
+        <p:nvPicPr>
+          <p:cNvPr id="121" name="Bild 120"/>
+          <p:cNvPicPr/>
+          <p:nvPr/>
+        </p:nvPicPr>
+        <p:blipFill>
+          <a:blip r:embed="rId2"/>
+          <a:stretch/>
+        </p:blipFill>
+        <p:spPr>
+          <a:xfrm>
+            <a:off x="3368880" y="1825560"/>
+            <a:ext cx="5452920" cy="4350960"/>
+          </a:xfrm>
+          <a:prstGeom prst="rect">
+            <a:avLst/>
+          </a:prstGeom>
+          <a:ln>
+            <a:noFill/>
+          </a:ln>
+        </p:spPr>
+      </p:pic>
+    </p:spTree>
+  </p:cSld>
+  <p:clrMapOvr>
+    <a:masterClrMapping/>
+  </p:clrMapOvr>
+  <p:timing>
+    <p:tnLst>
+      <p:par>
+        <p:cTn xmlns:p14="http://schemas.microsoft.com/office/powerpoint/2010/main" id="1" dur="indefinite" restart="never" nodeType="tmRoot">
+          <p:childTnLst>
+            <p:seq>
+              <p:cTn id="2" nodeType="mainSeq"/>
+              <p:prevCondLst>
+                <p:cond evt="onPrev" delay="0">
+                  <p:tgtEl>
+                    <p:sldTgt/>
+                  </p:tgtEl>
+                </p:cond>
+              </p:prevCondLst>
+              <p:nextCondLst>
+                <p:cond evt="onNext" delay="0">
+                  <p:tgtEl>
+                    <p:sldTgt/>
+                  </p:tgtEl>
+                </p:cond>
+              </p:nextCondLst>
+            </p:seq>
+          </p:childTnLst>
+        </p:cTn>
+      </p:par>
+    </p:tnLst>
+  </p:timing>
+</p:sld>
+</file>
+
+<file path=ppt/slides/slide22.xml><?xml version="1.0" encoding="utf-8"?>
+<p:sld xmlns:a="http://schemas.openxmlformats.org/drawingml/2006/main" xmlns:r="http://schemas.openxmlformats.org/officeDocument/2006/relationships" xmlns:p="http://schemas.openxmlformats.org/presentationml/2006/main">
+  <p:cSld>
+    <p:spTree>
+      <p:nvGrpSpPr>
+        <p:cNvPr id="1" name=""/>
+        <p:cNvGrpSpPr/>
+        <p:nvPr/>
+      </p:nvGrpSpPr>
+      <p:grpSpPr>
+        <a:xfrm>
+          <a:off x="0" y="0"/>
+          <a:ext cx="0" cy="0"/>
+          <a:chOff x="0" y="0"/>
+          <a:chExt cx="0" cy="0"/>
+        </a:xfrm>
+      </p:grpSpPr>
+      <p:sp>
+        <p:nvSpPr>
           <p:cNvPr id="122" name="TextShape 1"/>
           <p:cNvSpPr txBox="1"/>
           <p:nvPr/>
@@ -8584,7 +9546,7 @@
           <p:nvPr/>
         </p:nvPicPr>
         <p:blipFill>
-          <a:blip r:embed="rId2">
+          <a:blip r:embed="rId3">
             <a:extLst>
               <a:ext uri="{28A0092B-C50C-407E-A947-70E740481C1C}">
                 <a14:useLocalDpi xmlns:a14="http://schemas.microsoft.com/office/drawing/2010/main" val="0"/>
@@ -8703,109 +9665,9 @@
           </a:p>
         </p:txBody>
       </p:sp>
-      <p:sp>
-        <p:nvSpPr>
-          <p:cNvPr id="86" name="TextShape 2"/>
-          <p:cNvSpPr txBox="1"/>
-          <p:nvPr/>
-        </p:nvSpPr>
-        <p:spPr>
-          <a:xfrm>
-            <a:off x="838080" y="1825560"/>
-            <a:ext cx="10515240" cy="4350960"/>
-          </a:xfrm>
-          <a:prstGeom prst="rect">
-            <a:avLst/>
-          </a:prstGeom>
-          <a:noFill/>
-          <a:ln>
-            <a:noFill/>
-          </a:ln>
-        </p:spPr>
-        <p:txBody>
-          <a:bodyPr/>
-          <a:lstStyle/>
-          <a:p>
-            <a:pPr marL="228600" indent="-228240">
-              <a:lnSpc>
-                <a:spcPct val="90000"/>
-              </a:lnSpc>
-              <a:buFont typeface="Arial"/>
-              <a:buChar char="•"/>
-            </a:pPr>
-            <a:r>
-              <a:rPr lang="de-DE" sz="2800" strike="noStrike" spc="-1" dirty="0">
-                <a:solidFill>
-                  <a:srgbClr val="000000"/>
-                </a:solidFill>
-                <a:uFill>
-                  <a:solidFill>
-                    <a:srgbClr val="FFFFFF"/>
-                  </a:solidFill>
-                </a:uFill>
-                <a:latin typeface="Calibri"/>
-              </a:rPr>
-              <a:t>Hier Graphen einfügen (Histogramm Attributen, </a:t>
-            </a:r>
-            <a:r>
-              <a:rPr lang="de-DE" sz="2800" u="sng" strike="noStrike" spc="-1" dirty="0">
-                <a:solidFill>
-                  <a:srgbClr val="000000"/>
-                </a:solidFill>
-                <a:uFill>
-                  <a:solidFill>
-                    <a:srgbClr val="FFFFFF"/>
-                  </a:solidFill>
-                </a:uFill>
-                <a:latin typeface="Calibri"/>
-              </a:rPr>
-              <a:t>Thomas</a:t>
-            </a:r>
-            <a:r>
-              <a:rPr lang="de-DE" sz="2800" strike="noStrike" spc="-1" dirty="0">
-                <a:solidFill>
-                  <a:srgbClr val="000000"/>
-                </a:solidFill>
-                <a:uFill>
-                  <a:solidFill>
-                    <a:srgbClr val="FFFFFF"/>
-                  </a:solidFill>
-                </a:uFill>
-                <a:latin typeface="Calibri"/>
-              </a:rPr>
-              <a:t> Ideen)</a:t>
-            </a:r>
-            <a:endParaRPr dirty="0"/>
-          </a:p>
-        </p:txBody>
-      </p:sp>
       <p:pic>
         <p:nvPicPr>
           <p:cNvPr id="3" name="Bild 2"/>
-          <p:cNvPicPr>
-            <a:picLocks noChangeAspect="1"/>
-          </p:cNvPicPr>
-          <p:nvPr/>
-        </p:nvPicPr>
-        <p:blipFill>
-          <a:blip r:embed="rId2"/>
-          <a:stretch>
-            <a:fillRect/>
-          </a:stretch>
-        </p:blipFill>
-        <p:spPr>
-          <a:xfrm>
-            <a:off x="215900" y="2773680"/>
-            <a:ext cx="4003805" cy="3159760"/>
-          </a:xfrm>
-          <a:prstGeom prst="rect">
-            <a:avLst/>
-          </a:prstGeom>
-        </p:spPr>
-      </p:pic>
-      <p:pic>
-        <p:nvPicPr>
-          <p:cNvPr id="4" name="Bild 3"/>
           <p:cNvPicPr>
             <a:picLocks noChangeAspect="1"/>
           </p:cNvPicPr>
@@ -8819,6 +9681,30 @@
         </p:blipFill>
         <p:spPr>
           <a:xfrm>
+            <a:off x="215900" y="2773680"/>
+            <a:ext cx="4003805" cy="3159760"/>
+          </a:xfrm>
+          <a:prstGeom prst="rect">
+            <a:avLst/>
+          </a:prstGeom>
+        </p:spPr>
+      </p:pic>
+      <p:pic>
+        <p:nvPicPr>
+          <p:cNvPr id="4" name="Bild 3"/>
+          <p:cNvPicPr>
+            <a:picLocks noChangeAspect="1"/>
+          </p:cNvPicPr>
+          <p:nvPr/>
+        </p:nvPicPr>
+        <p:blipFill>
+          <a:blip r:embed="rId4"/>
+          <a:stretch>
+            <a:fillRect/>
+          </a:stretch>
+        </p:blipFill>
+        <p:spPr>
+          <a:xfrm>
             <a:off x="3980668" y="2641600"/>
             <a:ext cx="4171168" cy="3291840"/>
           </a:xfrm>
@@ -8836,7 +9722,7 @@
           <p:nvPr/>
         </p:nvPicPr>
         <p:blipFill>
-          <a:blip r:embed="rId4"/>
+          <a:blip r:embed="rId5"/>
           <a:stretch>
             <a:fillRect/>
           </a:stretch>
@@ -8965,8 +9851,8 @@
         </p:blipFill>
         <p:spPr>
           <a:xfrm>
-            <a:off x="182880" y="2809240"/>
-            <a:ext cx="6339840" cy="1187395"/>
+            <a:off x="102882" y="3891981"/>
+            <a:ext cx="9199141" cy="1722916"/>
           </a:xfrm>
           <a:prstGeom prst="rect">
             <a:avLst/>
@@ -8975,7 +9861,7 @@
       </p:pic>
       <p:pic>
         <p:nvPicPr>
-          <p:cNvPr id="7" name="Bild 6"/>
+          <p:cNvPr id="2" name="Bild 1"/>
           <p:cNvPicPr>
             <a:picLocks noChangeAspect="1"/>
           </p:cNvPicPr>
@@ -8989,32 +9875,8 @@
         </p:blipFill>
         <p:spPr>
           <a:xfrm>
-            <a:off x="182880" y="1295400"/>
-            <a:ext cx="9168171" cy="1412240"/>
-          </a:xfrm>
-          <a:prstGeom prst="rect">
-            <a:avLst/>
-          </a:prstGeom>
-        </p:spPr>
-      </p:pic>
-      <p:pic>
-        <p:nvPicPr>
-          <p:cNvPr id="8" name="Bild 7"/>
-          <p:cNvPicPr>
-            <a:picLocks noChangeAspect="1"/>
-          </p:cNvPicPr>
-          <p:nvPr/>
-        </p:nvPicPr>
-        <p:blipFill>
-          <a:blip r:embed="rId4"/>
-          <a:stretch>
-            <a:fillRect/>
-          </a:stretch>
-        </p:blipFill>
-        <p:spPr>
-          <a:xfrm>
-            <a:off x="6602527" y="2611120"/>
-            <a:ext cx="5110967" cy="4033520"/>
+            <a:off x="102882" y="1690200"/>
+            <a:ext cx="11892142" cy="1828417"/>
           </a:xfrm>
           <a:prstGeom prst="rect">
             <a:avLst/>
@@ -9080,7 +9942,7 @@
       </p:grpSpPr>
       <p:sp>
         <p:nvSpPr>
-          <p:cNvPr id="87" name="TextShape 1"/>
+          <p:cNvPr id="85" name="TextShape 1"/>
           <p:cNvSpPr txBox="1"/>
           <p:nvPr/>
         </p:nvSpPr>
@@ -9118,258 +9980,42 @@
                 </a:uFill>
                 <a:latin typeface="Calibri Light"/>
               </a:rPr>
-              <a:t>Warenkorbanalyse</a:t>
-            </a:r>
-            <a:endParaRPr/>
-          </a:p>
-        </p:txBody>
-      </p:sp>
-      <p:sp>
-        <p:nvSpPr>
-          <p:cNvPr id="88" name="TextShape 2"/>
-          <p:cNvSpPr txBox="1"/>
+              <a:t>Einführung und deskriptiver Überblick</a:t>
+            </a:r>
+            <a:endParaRPr/>
+          </a:p>
+        </p:txBody>
+      </p:sp>
+      <p:pic>
+        <p:nvPicPr>
+          <p:cNvPr id="8" name="Bild 7"/>
+          <p:cNvPicPr>
+            <a:picLocks noChangeAspect="1"/>
+          </p:cNvPicPr>
           <p:nvPr/>
-        </p:nvSpPr>
-        <p:spPr>
-          <a:xfrm>
-            <a:off x="838080" y="1825560"/>
-            <a:ext cx="10515240" cy="4350960"/>
-          </a:xfrm>
-          <a:prstGeom prst="rect">
-            <a:avLst/>
-          </a:prstGeom>
-          <a:noFill/>
-          <a:ln>
-            <a:noFill/>
-          </a:ln>
-        </p:spPr>
-        <p:txBody>
-          <a:bodyPr/>
-          <a:lstStyle/>
-          <a:p>
-            <a:pPr marL="228600" indent="-228240">
-              <a:lnSpc>
-                <a:spcPct val="90000"/>
-              </a:lnSpc>
-              <a:buFont typeface="Arial"/>
-              <a:buChar char="•"/>
-            </a:pPr>
-            <a:r>
-              <a:rPr lang="de-DE" sz="2800" strike="noStrike" spc="-1">
-                <a:solidFill>
-                  <a:srgbClr val="000000"/>
-                </a:solidFill>
-                <a:uFill>
-                  <a:solidFill>
-                    <a:srgbClr val="FFFFFF"/>
-                  </a:solidFill>
-                </a:uFill>
-                <a:latin typeface="Calibri"/>
-              </a:rPr>
-              <a:t>Eingesetzter Algorithmus: Apriori (bzw. Eclat)</a:t>
-            </a:r>
-            <a:endParaRPr/>
-          </a:p>
-          <a:p>
-            <a:pPr marL="228600" indent="-228240">
-              <a:lnSpc>
-                <a:spcPct val="90000"/>
-              </a:lnSpc>
-              <a:buFont typeface="Arial"/>
-              <a:buChar char="•"/>
-            </a:pPr>
-            <a:r>
-              <a:rPr lang="de-DE" sz="2800" strike="noStrike" spc="-1">
-                <a:solidFill>
-                  <a:srgbClr val="000000"/>
-                </a:solidFill>
-                <a:uFill>
-                  <a:solidFill>
-                    <a:srgbClr val="FFFFFF"/>
-                  </a:solidFill>
-                </a:uFill>
-                <a:latin typeface="Calibri"/>
-              </a:rPr>
-              <a:t>Einfachste Ausführung: Suche nach häufigsten Itemsets</a:t>
-            </a:r>
-            <a:endParaRPr/>
-          </a:p>
-          <a:p>
-            <a:pPr marL="228600" indent="-228240">
-              <a:lnSpc>
-                <a:spcPct val="90000"/>
-              </a:lnSpc>
-              <a:buFont typeface="Arial"/>
-              <a:buChar char="•"/>
-            </a:pPr>
-            <a:r>
-              <a:rPr lang="de-DE" sz="2800" strike="noStrike" spc="-1">
-                <a:solidFill>
-                  <a:srgbClr val="000000"/>
-                </a:solidFill>
-                <a:uFill>
-                  <a:solidFill>
-                    <a:srgbClr val="FFFFFF"/>
-                  </a:solidFill>
-                </a:uFill>
-                <a:latin typeface="Calibri"/>
-              </a:rPr>
-              <a:t>Häufigste Itemsets im gegebenen Datensatz:</a:t>
-            </a:r>
-            <a:endParaRPr/>
-          </a:p>
-          <a:p>
-            <a:pPr marL="864000" lvl="1" indent="-324000">
-              <a:buClr>
-                <a:srgbClr val="FFFFFF"/>
-              </a:buClr>
-              <a:buSzPct val="75000"/>
-              <a:buFont typeface="Symbol" charset="2"/>
-              <a:buChar char=""/>
-            </a:pPr>
-            <a:r>
-              <a:rPr lang="de-DE" sz="2800" strike="noStrike" spc="-1">
-                <a:solidFill>
-                  <a:srgbClr val="000000"/>
-                </a:solidFill>
-                <a:uFill>
-                  <a:solidFill>
-                    <a:srgbClr val="FFFFFF"/>
-                  </a:solidFill>
-                </a:uFill>
-                <a:latin typeface="Calibri"/>
-              </a:rPr>
-              <a:t>52% Parkassistent</a:t>
-            </a:r>
-            <a:endParaRPr/>
-          </a:p>
-          <a:p>
-            <a:pPr marL="864000" lvl="1" indent="-324000">
-              <a:buClr>
-                <a:srgbClr val="FFFFFF"/>
-              </a:buClr>
-              <a:buSzPct val="75000"/>
-              <a:buFont typeface="Symbol" charset="2"/>
-              <a:buChar char=""/>
-            </a:pPr>
-            <a:r>
-              <a:rPr lang="de-DE" sz="2800" strike="noStrike" spc="-1">
-                <a:solidFill>
-                  <a:srgbClr val="000000"/>
-                </a:solidFill>
-                <a:uFill>
-                  <a:solidFill>
-                    <a:srgbClr val="FFFFFF"/>
-                  </a:solidFill>
-                </a:uFill>
-                <a:latin typeface="Calibri"/>
-              </a:rPr>
-              <a:t>49% Navigationssystem Business</a:t>
-            </a:r>
-            <a:endParaRPr/>
-          </a:p>
-          <a:p>
-            <a:pPr marL="864000" lvl="1" indent="-324000">
-              <a:buClr>
-                <a:srgbClr val="FFFFFF"/>
-              </a:buClr>
-              <a:buSzPct val="75000"/>
-              <a:buFont typeface="Symbol" charset="2"/>
-              <a:buChar char=""/>
-            </a:pPr>
-            <a:r>
-              <a:rPr lang="de-DE" sz="2800" strike="noStrike" spc="-1">
-                <a:solidFill>
-                  <a:srgbClr val="000000"/>
-                </a:solidFill>
-                <a:uFill>
-                  <a:solidFill>
-                    <a:srgbClr val="FFFFFF"/>
-                  </a:solidFill>
-                </a:uFill>
-                <a:latin typeface="Calibri"/>
-              </a:rPr>
-              <a:t>48% Sitzheizung</a:t>
-            </a:r>
-            <a:endParaRPr/>
-          </a:p>
-          <a:p>
-            <a:pPr marL="864000" lvl="1" indent="-324000">
-              <a:buClr>
-                <a:srgbClr val="FFFFFF"/>
-              </a:buClr>
-              <a:buSzPct val="75000"/>
-              <a:buFont typeface="Symbol" charset="2"/>
-              <a:buChar char=""/>
-            </a:pPr>
-            <a:r>
-              <a:rPr lang="de-DE" sz="2800" strike="noStrike" spc="-1">
-                <a:solidFill>
-                  <a:srgbClr val="000000"/>
-                </a:solidFill>
-                <a:uFill>
-                  <a:solidFill>
-                    <a:srgbClr val="FFFFFF"/>
-                  </a:solidFill>
-                </a:uFill>
-                <a:latin typeface="Calibri"/>
-              </a:rPr>
-              <a:t>45% Xenonlicht</a:t>
-            </a:r>
-            <a:endParaRPr/>
-          </a:p>
-          <a:p>
-            <a:pPr marL="864000" lvl="1" indent="-324000">
-              <a:buClr>
-                <a:srgbClr val="FFFFFF"/>
-              </a:buClr>
-              <a:buSzPct val="75000"/>
-              <a:buFont typeface="Symbol" charset="2"/>
-              <a:buChar char=""/>
-            </a:pPr>
-            <a:r>
-              <a:rPr lang="de-DE" sz="2800" strike="noStrike" spc="-1">
-                <a:solidFill>
-                  <a:srgbClr val="000000"/>
-                </a:solidFill>
-                <a:uFill>
-                  <a:solidFill>
-                    <a:srgbClr val="FFFFFF"/>
-                  </a:solidFill>
-                </a:uFill>
-                <a:latin typeface="Calibri"/>
-              </a:rPr>
-              <a:t>43% Line: Sportline</a:t>
-            </a:r>
-            <a:endParaRPr/>
-          </a:p>
-          <a:p>
-            <a:pPr>
-              <a:lnSpc>
-                <a:spcPct val="90000"/>
-              </a:lnSpc>
-            </a:pPr>
-            <a:endParaRPr/>
-          </a:p>
-          <a:p>
-            <a:pPr>
-              <a:lnSpc>
-                <a:spcPct val="90000"/>
-              </a:lnSpc>
-            </a:pPr>
-            <a:endParaRPr/>
-          </a:p>
-          <a:p>
-            <a:pPr>
-              <a:lnSpc>
-                <a:spcPct val="90000"/>
-              </a:lnSpc>
-            </a:pPr>
-            <a:endParaRPr/>
-          </a:p>
-        </p:txBody>
-      </p:sp>
+        </p:nvPicPr>
+        <p:blipFill>
+          <a:blip r:embed="rId2"/>
+          <a:stretch>
+            <a:fillRect/>
+          </a:stretch>
+        </p:blipFill>
+        <p:spPr>
+          <a:xfrm>
+            <a:off x="2641601" y="1470463"/>
+            <a:ext cx="6440454" cy="5082737"/>
+          </a:xfrm>
+          <a:prstGeom prst="rect">
+            <a:avLst/>
+          </a:prstGeom>
+        </p:spPr>
+      </p:pic>
     </p:spTree>
+    <p:extLst>
+      <p:ext uri="{BB962C8B-B14F-4D97-AF65-F5344CB8AC3E}">
+        <p14:creationId xmlns:p14="http://schemas.microsoft.com/office/powerpoint/2010/main" val="2069998469"/>
+      </p:ext>
+    </p:extLst>
   </p:cSld>
   <p:clrMapOvr>
     <a:masterClrMapping/>
@@ -9423,14 +10069,14 @@
       </p:grpSpPr>
       <p:sp>
         <p:nvSpPr>
-          <p:cNvPr id="89" name="TextShape 1"/>
+          <p:cNvPr id="87" name="TextShape 1"/>
           <p:cNvSpPr txBox="1"/>
           <p:nvPr/>
         </p:nvSpPr>
         <p:spPr>
           <a:xfrm>
             <a:off x="838080" y="365040"/>
-            <a:ext cx="10515240" cy="786960"/>
+            <a:ext cx="10515240" cy="1325160"/>
           </a:xfrm>
           <a:prstGeom prst="rect">
             <a:avLst/>
@@ -9469,13 +10115,13 @@
       </p:sp>
       <p:sp>
         <p:nvSpPr>
-          <p:cNvPr id="90" name="TextShape 2"/>
+          <p:cNvPr id="88" name="TextShape 2"/>
           <p:cNvSpPr txBox="1"/>
           <p:nvPr/>
         </p:nvSpPr>
         <p:spPr>
           <a:xfrm>
-            <a:off x="838080" y="1152000"/>
+            <a:off x="838080" y="1825560"/>
             <a:ext cx="10515240" cy="4350960"/>
           </a:xfrm>
           <a:prstGeom prst="rect">
@@ -9498,7 +10144,7 @@
               <a:buChar char="•"/>
             </a:pPr>
             <a:r>
-              <a:rPr lang="de-DE" sz="2400" strike="noStrike" spc="-1">
+              <a:rPr lang="de-DE" sz="2800" strike="noStrike" spc="-1">
                 <a:solidFill>
                   <a:srgbClr val="000000"/>
                 </a:solidFill>
@@ -9509,7 +10155,7 @@
                 </a:uFill>
                 <a:latin typeface="Calibri"/>
               </a:rPr>
-              <a:t>Häufigste Itemsets mit möglichst vielen Elementen</a:t>
+              <a:t>Eingesetzter Algorithmus: Apriori (bzw. Eclat)</a:t>
             </a:r>
             <a:endParaRPr/>
           </a:p>
@@ -9522,7 +10168,7 @@
               <a:buChar char="•"/>
             </a:pPr>
             <a:r>
-              <a:rPr lang="de-DE" sz="2400" strike="noStrike" spc="-1">
+              <a:rPr lang="de-DE" sz="2800" strike="noStrike" spc="-1">
                 <a:solidFill>
                   <a:srgbClr val="000000"/>
                 </a:solidFill>
@@ -9533,7 +10179,7 @@
                 </a:uFill>
                 <a:latin typeface="Calibri"/>
               </a:rPr>
-              <a:t>Anwendung: Mögliche neue Paketekonfigurationen finden</a:t>
+              <a:t>Einfachste Ausführung: Suche nach häufigsten Itemsets</a:t>
             </a:r>
             <a:endParaRPr/>
           </a:p>
@@ -9546,7 +10192,7 @@
               <a:buChar char="•"/>
             </a:pPr>
             <a:r>
-              <a:rPr lang="de-DE" sz="2400" strike="noStrike" spc="-1">
+              <a:rPr lang="de-DE" sz="2800" strike="noStrike" spc="-1">
                 <a:solidFill>
                   <a:srgbClr val="000000"/>
                 </a:solidFill>
@@ -9557,7 +10203,7 @@
                 </a:uFill>
                 <a:latin typeface="Calibri"/>
               </a:rPr>
-              <a:t>z.B.</a:t>
+              <a:t>Häufigste Itemsets im gegebenen Datensatz:</a:t>
             </a:r>
             <a:endParaRPr/>
           </a:p>
@@ -9571,7 +10217,7 @@
               <a:buChar char=""/>
             </a:pPr>
             <a:r>
-              <a:rPr lang="de-DE" sz="2000" strike="noStrike" spc="-1">
+              <a:rPr lang="de-DE" sz="2800" strike="noStrike" spc="-1">
                 <a:solidFill>
                   <a:srgbClr val="000000"/>
                 </a:solidFill>
@@ -9582,7 +10228,7 @@
                 </a:uFill>
                 <a:latin typeface="Calibri"/>
               </a:rPr>
-              <a:t>Glas-Schiebe-Hebedach, elektrisch und</a:t>
+              <a:t>52% Parkassistent</a:t>
             </a:r>
             <a:endParaRPr/>
           </a:p>
@@ -9596,7 +10242,7 @@
               <a:buChar char=""/>
             </a:pPr>
             <a:r>
-              <a:rPr lang="de-DE" sz="2000" strike="noStrike" spc="-1">
+              <a:rPr lang="de-DE" sz="2800" strike="noStrike" spc="-1">
                 <a:solidFill>
                   <a:srgbClr val="000000"/>
                 </a:solidFill>
@@ -9607,7 +10253,7 @@
                 </a:uFill>
                 <a:latin typeface="Calibri"/>
               </a:rPr>
-              <a:t>Armauflage vorn, verstellbar für Fahrer und</a:t>
+              <a:t>49% Navigationssystem Business</a:t>
             </a:r>
             <a:endParaRPr/>
           </a:p>
@@ -9621,7 +10267,7 @@
               <a:buChar char=""/>
             </a:pPr>
             <a:r>
-              <a:rPr lang="de-DE" sz="2000" strike="noStrike" spc="-1">
+              <a:rPr lang="de-DE" sz="2800" strike="noStrike" spc="-1">
                 <a:solidFill>
                   <a:srgbClr val="000000"/>
                 </a:solidFill>
@@ -9632,7 +10278,7 @@
                 </a:uFill>
                 <a:latin typeface="Calibri"/>
               </a:rPr>
-              <a:t>Automatik Getriebe und</a:t>
+              <a:t>48% Sitzheizung</a:t>
             </a:r>
             <a:endParaRPr/>
           </a:p>
@@ -9646,7 +10292,7 @@
               <a:buChar char=""/>
             </a:pPr>
             <a:r>
-              <a:rPr lang="de-DE" sz="2000" strike="noStrike" spc="-1">
+              <a:rPr lang="de-DE" sz="2800" strike="noStrike" spc="-1">
                 <a:solidFill>
                   <a:srgbClr val="000000"/>
                 </a:solidFill>
@@ -9657,7 +10303,7 @@
                 </a:uFill>
                 <a:latin typeface="Calibri"/>
               </a:rPr>
-              <a:t>Handy-Vorbereitung mit Bluetooth-Schnittstelle incl. USB und</a:t>
+              <a:t>45% Xenonlicht</a:t>
             </a:r>
             <a:endParaRPr/>
           </a:p>
@@ -9671,7 +10317,7 @@
               <a:buChar char=""/>
             </a:pPr>
             <a:r>
-              <a:rPr lang="de-DE" sz="2000" strike="noStrike" spc="-1">
+              <a:rPr lang="de-DE" sz="2800" strike="noStrike" spc="-1">
                 <a:solidFill>
                   <a:srgbClr val="000000"/>
                 </a:solidFill>
@@ -9682,132 +10328,7 @@
                 </a:uFill>
                 <a:latin typeface="Calibri"/>
               </a:rPr>
-              <a:t>Klimaautomatik, 2 Zonen mit erweitertem Umfang und</a:t>
-            </a:r>
-            <a:endParaRPr/>
-          </a:p>
-          <a:p>
-            <a:pPr marL="864000" lvl="1" indent="-324000">
-              <a:buClr>
-                <a:srgbClr val="FFFFFF"/>
-              </a:buClr>
-              <a:buSzPct val="75000"/>
-              <a:buFont typeface="Symbol" charset="2"/>
-              <a:buChar char=""/>
-            </a:pPr>
-            <a:r>
-              <a:rPr lang="de-DE" sz="2000" strike="noStrike" spc="-1">
-                <a:solidFill>
-                  <a:srgbClr val="000000"/>
-                </a:solidFill>
-                <a:uFill>
-                  <a:solidFill>
-                    <a:srgbClr val="FFFFFF"/>
-                  </a:solidFill>
-                </a:uFill>
-                <a:latin typeface="Calibri"/>
-              </a:rPr>
-              <a:t>Xenonlicht für Abblend- und Fernlicht und</a:t>
-            </a:r>
-            <a:endParaRPr/>
-          </a:p>
-          <a:p>
-            <a:pPr marL="864000" lvl="1" indent="-324000">
-              <a:buClr>
-                <a:srgbClr val="FFFFFF"/>
-              </a:buClr>
-              <a:buSzPct val="75000"/>
-              <a:buFont typeface="Symbol" charset="2"/>
-              <a:buChar char=""/>
-            </a:pPr>
-            <a:r>
-              <a:rPr lang="de-DE" sz="2000" strike="noStrike" spc="-1">
-                <a:solidFill>
-                  <a:srgbClr val="000000"/>
-                </a:solidFill>
-                <a:uFill>
-                  <a:solidFill>
-                    <a:srgbClr val="FFFFFF"/>
-                  </a:solidFill>
-                </a:uFill>
-                <a:latin typeface="Calibri"/>
-              </a:rPr>
-              <a:t>Sitzheizung für Fahrer und Beifahrer und</a:t>
-            </a:r>
-            <a:endParaRPr/>
-          </a:p>
-          <a:p>
-            <a:pPr marL="864000" lvl="1" indent="-324000">
-              <a:buClr>
-                <a:srgbClr val="FFFFFF"/>
-              </a:buClr>
-              <a:buSzPct val="75000"/>
-              <a:buFont typeface="Symbol" charset="2"/>
-              <a:buChar char=""/>
-            </a:pPr>
-            <a:r>
-              <a:rPr lang="de-DE" sz="2000" strike="noStrike" spc="-1">
-                <a:solidFill>
-                  <a:srgbClr val="000000"/>
-                </a:solidFill>
-                <a:uFill>
-                  <a:solidFill>
-                    <a:srgbClr val="FFFFFF"/>
-                  </a:solidFill>
-                </a:uFill>
-                <a:latin typeface="Calibri"/>
-              </a:rPr>
-              <a:t>Parkassistent und</a:t>
-            </a:r>
-            <a:endParaRPr/>
-          </a:p>
-          <a:p>
-            <a:pPr marL="864000" lvl="1" indent="-324000">
-              <a:buClr>
-                <a:srgbClr val="FFFFFF"/>
-              </a:buClr>
-              <a:buSzPct val="75000"/>
-              <a:buFont typeface="Symbol" charset="2"/>
-              <a:buChar char=""/>
-            </a:pPr>
-            <a:r>
-              <a:rPr lang="de-DE" sz="2000" strike="noStrike" spc="-1">
-                <a:solidFill>
-                  <a:srgbClr val="000000"/>
-                </a:solidFill>
-                <a:uFill>
-                  <a:solidFill>
-                    <a:srgbClr val="FFFFFF"/>
-                  </a:solidFill>
-                </a:uFill>
-                <a:latin typeface="Calibri"/>
-              </a:rPr>
-              <a:t>Navigationssystem Business</a:t>
-            </a:r>
-            <a:endParaRPr/>
-          </a:p>
-          <a:p>
-            <a:pPr marL="432000" indent="-324000">
-              <a:buClr>
-                <a:srgbClr val="FFFFFF"/>
-              </a:buClr>
-              <a:buSzPct val="45000"/>
-              <a:buFont typeface="Wingdings" charset="2"/>
-              <a:buChar char=""/>
-            </a:pPr>
-            <a:r>
-              <a:rPr lang="de-DE" sz="2400" strike="noStrike" spc="-1">
-                <a:solidFill>
-                  <a:srgbClr val="000000"/>
-                </a:solidFill>
-                <a:uFill>
-                  <a:solidFill>
-                    <a:srgbClr val="FFFFFF"/>
-                  </a:solidFill>
-                </a:uFill>
-                <a:latin typeface="Calibri"/>
-              </a:rPr>
-              <a:t>hat Support = 2.7% (mehr als Support von Sportpaket)</a:t>
+              <a:t>43% Line: Sportline</a:t>
             </a:r>
             <a:endParaRPr/>
           </a:p>
@@ -9891,14 +10412,14 @@
       </p:grpSpPr>
       <p:sp>
         <p:nvSpPr>
-          <p:cNvPr id="91" name="TextShape 1"/>
+          <p:cNvPr id="89" name="TextShape 1"/>
           <p:cNvSpPr txBox="1"/>
           <p:nvPr/>
         </p:nvSpPr>
         <p:spPr>
           <a:xfrm>
             <a:off x="838080" y="365040"/>
-            <a:ext cx="10515240" cy="1325160"/>
+            <a:ext cx="10515240" cy="786960"/>
           </a:xfrm>
           <a:prstGeom prst="rect">
             <a:avLst/>
@@ -9929,21 +10450,21 @@
                 </a:uFill>
                 <a:latin typeface="Calibri Light"/>
               </a:rPr>
-              <a:t>Assoziationsregeln</a:t>
-            </a:r>
-            <a:endParaRPr/>
-          </a:p>
-        </p:txBody>
-      </p:sp>
-      <p:sp>
-        <p:nvSpPr>
-          <p:cNvPr id="92" name="TextShape 2"/>
+              <a:t>Warenkorbanalyse</a:t>
+            </a:r>
+            <a:endParaRPr/>
+          </a:p>
+        </p:txBody>
+      </p:sp>
+      <p:sp>
+        <p:nvSpPr>
+          <p:cNvPr id="90" name="TextShape 2"/>
           <p:cNvSpPr txBox="1"/>
           <p:nvPr/>
         </p:nvSpPr>
         <p:spPr>
           <a:xfrm>
-            <a:off x="838080" y="1825560"/>
+            <a:off x="838080" y="1152000"/>
             <a:ext cx="10515240" cy="4350960"/>
           </a:xfrm>
           <a:prstGeom prst="rect">
@@ -9962,12 +10483,11 @@
               <a:lnSpc>
                 <a:spcPct val="90000"/>
               </a:lnSpc>
-              <a:buSzPct val="45000"/>
-              <a:buFont typeface="Wingdings" charset="2"/>
-              <a:buChar char=""/>
-            </a:pPr>
-            <a:r>
-              <a:rPr lang="de-DE" sz="2800" strike="noStrike" spc="-1">
+              <a:buFont typeface="Arial"/>
+              <a:buChar char="•"/>
+            </a:pPr>
+            <a:r>
+              <a:rPr lang="de-DE" sz="2400" strike="noStrike" spc="-1">
                 <a:solidFill>
                   <a:srgbClr val="000000"/>
                 </a:solidFill>
@@ -9978,7 +10498,55 @@
                 </a:uFill>
                 <a:latin typeface="Calibri"/>
               </a:rPr>
-              <a:t>Einfache Sortierung nach Konfidenz:</a:t>
+              <a:t>Häufigste Itemsets mit möglichst vielen Elementen</a:t>
+            </a:r>
+            <a:endParaRPr/>
+          </a:p>
+          <a:p>
+            <a:pPr marL="228600" indent="-228240">
+              <a:lnSpc>
+                <a:spcPct val="90000"/>
+              </a:lnSpc>
+              <a:buFont typeface="Arial"/>
+              <a:buChar char="•"/>
+            </a:pPr>
+            <a:r>
+              <a:rPr lang="de-DE" sz="2400" strike="noStrike" spc="-1">
+                <a:solidFill>
+                  <a:srgbClr val="000000"/>
+                </a:solidFill>
+                <a:uFill>
+                  <a:solidFill>
+                    <a:srgbClr val="FFFFFF"/>
+                  </a:solidFill>
+                </a:uFill>
+                <a:latin typeface="Calibri"/>
+              </a:rPr>
+              <a:t>Anwendung: Mögliche neue Paketekonfigurationen finden</a:t>
+            </a:r>
+            <a:endParaRPr/>
+          </a:p>
+          <a:p>
+            <a:pPr marL="228600" indent="-228240">
+              <a:lnSpc>
+                <a:spcPct val="90000"/>
+              </a:lnSpc>
+              <a:buFont typeface="Arial"/>
+              <a:buChar char="•"/>
+            </a:pPr>
+            <a:r>
+              <a:rPr lang="de-DE" sz="2400" strike="noStrike" spc="-1">
+                <a:solidFill>
+                  <a:srgbClr val="000000"/>
+                </a:solidFill>
+                <a:uFill>
+                  <a:solidFill>
+                    <a:srgbClr val="FFFFFF"/>
+                  </a:solidFill>
+                </a:uFill>
+                <a:latin typeface="Calibri"/>
+              </a:rPr>
+              <a:t>z.B.</a:t>
             </a:r>
             <a:endParaRPr/>
           </a:p>
@@ -9992,7 +10560,7 @@
               <a:buChar char=""/>
             </a:pPr>
             <a:r>
-              <a:rPr lang="de-DE" sz="2800" strike="noStrike" spc="-1">
+              <a:rPr lang="de-DE" sz="2000" strike="noStrike" spc="-1">
                 <a:solidFill>
                   <a:srgbClr val="000000"/>
                 </a:solidFill>
@@ -10003,7 +10571,7 @@
                 </a:uFill>
                 <a:latin typeface="Calibri"/>
               </a:rPr>
-              <a:t>Erzwungene Zusammenhänge werden sichtbar</a:t>
+              <a:t>Glas-Schiebe-Hebedach, elektrisch und</a:t>
             </a:r>
             <a:endParaRPr/>
           </a:p>
@@ -10017,7 +10585,7 @@
               <a:buChar char=""/>
             </a:pPr>
             <a:r>
-              <a:rPr lang="de-DE" sz="2800" strike="noStrike" spc="-1">
+              <a:rPr lang="de-DE" sz="2000" strike="noStrike" spc="-1">
                 <a:solidFill>
                   <a:srgbClr val="000000"/>
                 </a:solidFill>
@@ -10028,7 +10596,7 @@
                 </a:uFill>
                 <a:latin typeface="Calibri"/>
               </a:rPr>
-              <a:t>z.B. Line=Luxury hängt zu 100% mit "Luxury" Rädern und Edelholzleisten zusammen.</a:t>
+              <a:t>Armauflage vorn, verstellbar für Fahrer und</a:t>
             </a:r>
             <a:endParaRPr/>
           </a:p>
@@ -10038,11 +10606,186 @@
                 <a:srgbClr val="FFFFFF"/>
               </a:buClr>
               <a:buSzPct val="75000"/>
+              <a:buFont typeface="Symbol" charset="2"/>
+              <a:buChar char=""/>
+            </a:pPr>
+            <a:r>
+              <a:rPr lang="de-DE" sz="2000" strike="noStrike" spc="-1">
+                <a:solidFill>
+                  <a:srgbClr val="000000"/>
+                </a:solidFill>
+                <a:uFill>
+                  <a:solidFill>
+                    <a:srgbClr val="FFFFFF"/>
+                  </a:solidFill>
+                </a:uFill>
+                <a:latin typeface="Calibri"/>
+              </a:rPr>
+              <a:t>Automatik Getriebe und</a:t>
+            </a:r>
+            <a:endParaRPr/>
+          </a:p>
+          <a:p>
+            <a:pPr marL="864000" lvl="1" indent="-324000">
+              <a:buClr>
+                <a:srgbClr val="FFFFFF"/>
+              </a:buClr>
+              <a:buSzPct val="75000"/>
+              <a:buFont typeface="Symbol" charset="2"/>
+              <a:buChar char=""/>
+            </a:pPr>
+            <a:r>
+              <a:rPr lang="de-DE" sz="2000" strike="noStrike" spc="-1">
+                <a:solidFill>
+                  <a:srgbClr val="000000"/>
+                </a:solidFill>
+                <a:uFill>
+                  <a:solidFill>
+                    <a:srgbClr val="FFFFFF"/>
+                  </a:solidFill>
+                </a:uFill>
+                <a:latin typeface="Calibri"/>
+              </a:rPr>
+              <a:t>Handy-Vorbereitung mit Bluetooth-Schnittstelle incl. USB und</a:t>
+            </a:r>
+            <a:endParaRPr/>
+          </a:p>
+          <a:p>
+            <a:pPr marL="864000" lvl="1" indent="-324000">
+              <a:buClr>
+                <a:srgbClr val="FFFFFF"/>
+              </a:buClr>
+              <a:buSzPct val="75000"/>
+              <a:buFont typeface="Symbol" charset="2"/>
+              <a:buChar char=""/>
+            </a:pPr>
+            <a:r>
+              <a:rPr lang="de-DE" sz="2000" strike="noStrike" spc="-1">
+                <a:solidFill>
+                  <a:srgbClr val="000000"/>
+                </a:solidFill>
+                <a:uFill>
+                  <a:solidFill>
+                    <a:srgbClr val="FFFFFF"/>
+                  </a:solidFill>
+                </a:uFill>
+                <a:latin typeface="Calibri"/>
+              </a:rPr>
+              <a:t>Klimaautomatik, 2 Zonen mit erweitertem Umfang und</a:t>
+            </a:r>
+            <a:endParaRPr/>
+          </a:p>
+          <a:p>
+            <a:pPr marL="864000" lvl="1" indent="-324000">
+              <a:buClr>
+                <a:srgbClr val="FFFFFF"/>
+              </a:buClr>
+              <a:buSzPct val="75000"/>
+              <a:buFont typeface="Symbol" charset="2"/>
+              <a:buChar char=""/>
+            </a:pPr>
+            <a:r>
+              <a:rPr lang="de-DE" sz="2000" strike="noStrike" spc="-1">
+                <a:solidFill>
+                  <a:srgbClr val="000000"/>
+                </a:solidFill>
+                <a:uFill>
+                  <a:solidFill>
+                    <a:srgbClr val="FFFFFF"/>
+                  </a:solidFill>
+                </a:uFill>
+                <a:latin typeface="Calibri"/>
+              </a:rPr>
+              <a:t>Xenonlicht für Abblend- und Fernlicht und</a:t>
+            </a:r>
+            <a:endParaRPr/>
+          </a:p>
+          <a:p>
+            <a:pPr marL="864000" lvl="1" indent="-324000">
+              <a:buClr>
+                <a:srgbClr val="FFFFFF"/>
+              </a:buClr>
+              <a:buSzPct val="75000"/>
+              <a:buFont typeface="Symbol" charset="2"/>
+              <a:buChar char=""/>
+            </a:pPr>
+            <a:r>
+              <a:rPr lang="de-DE" sz="2000" strike="noStrike" spc="-1">
+                <a:solidFill>
+                  <a:srgbClr val="000000"/>
+                </a:solidFill>
+                <a:uFill>
+                  <a:solidFill>
+                    <a:srgbClr val="FFFFFF"/>
+                  </a:solidFill>
+                </a:uFill>
+                <a:latin typeface="Calibri"/>
+              </a:rPr>
+              <a:t>Sitzheizung für Fahrer und Beifahrer und</a:t>
+            </a:r>
+            <a:endParaRPr/>
+          </a:p>
+          <a:p>
+            <a:pPr marL="864000" lvl="1" indent="-324000">
+              <a:buClr>
+                <a:srgbClr val="FFFFFF"/>
+              </a:buClr>
+              <a:buSzPct val="75000"/>
+              <a:buFont typeface="Symbol" charset="2"/>
+              <a:buChar char=""/>
+            </a:pPr>
+            <a:r>
+              <a:rPr lang="de-DE" sz="2000" strike="noStrike" spc="-1">
+                <a:solidFill>
+                  <a:srgbClr val="000000"/>
+                </a:solidFill>
+                <a:uFill>
+                  <a:solidFill>
+                    <a:srgbClr val="FFFFFF"/>
+                  </a:solidFill>
+                </a:uFill>
+                <a:latin typeface="Calibri"/>
+              </a:rPr>
+              <a:t>Parkassistent und</a:t>
+            </a:r>
+            <a:endParaRPr/>
+          </a:p>
+          <a:p>
+            <a:pPr marL="864000" lvl="1" indent="-324000">
+              <a:buClr>
+                <a:srgbClr val="FFFFFF"/>
+              </a:buClr>
+              <a:buSzPct val="75000"/>
+              <a:buFont typeface="Symbol" charset="2"/>
+              <a:buChar char=""/>
+            </a:pPr>
+            <a:r>
+              <a:rPr lang="de-DE" sz="2000" strike="noStrike" spc="-1">
+                <a:solidFill>
+                  <a:srgbClr val="000000"/>
+                </a:solidFill>
+                <a:uFill>
+                  <a:solidFill>
+                    <a:srgbClr val="FFFFFF"/>
+                  </a:solidFill>
+                </a:uFill>
+                <a:latin typeface="Calibri"/>
+              </a:rPr>
+              <a:t>Navigationssystem Business</a:t>
+            </a:r>
+            <a:endParaRPr/>
+          </a:p>
+          <a:p>
+            <a:pPr marL="432000" indent="-324000">
+              <a:buClr>
+                <a:srgbClr val="FFFFFF"/>
+              </a:buClr>
+              <a:buSzPct val="45000"/>
               <a:buFont typeface="Wingdings" charset="2"/>
-              <a:buChar char=""/>
-            </a:pPr>
-            <a:r>
-              <a:rPr lang="de-DE" sz="2800" strike="noStrike" spc="-1">
+              <a:buChar char=""/>
+            </a:pPr>
+            <a:r>
+              <a:rPr lang="de-DE" sz="2400" strike="noStrike" spc="-1">
                 <a:solidFill>
                   <a:srgbClr val="000000"/>
                 </a:solidFill>
@@ -10053,99 +10796,16 @@
                 </a:uFill>
                 <a:latin typeface="Calibri"/>
               </a:rPr>
-              <a:t>Assoziationen mit Konfidenz=100% eher uninteressant</a:t>
-            </a:r>
-            <a:endParaRPr/>
-          </a:p>
-          <a:p>
-            <a:pPr marL="228600" indent="-228240">
+              <a:t>hat Support = 2.7% (mehr als Support von Sportpaket)</a:t>
+            </a:r>
+            <a:endParaRPr/>
+          </a:p>
+          <a:p>
+            <a:pPr>
               <a:lnSpc>
                 <a:spcPct val="90000"/>
               </a:lnSpc>
-              <a:buSzPct val="45000"/>
-              <a:buFont typeface="Wingdings" charset="2"/>
-              <a:buChar char=""/>
-            </a:pPr>
-            <a:r>
-              <a:rPr lang="de-DE" sz="2800" strike="noStrike" spc="-1">
-                <a:solidFill>
-                  <a:srgbClr val="000000"/>
-                </a:solidFill>
-                <a:uFill>
-                  <a:solidFill>
-                    <a:srgbClr val="FFFFFF"/>
-                  </a:solidFill>
-                </a:uFill>
-                <a:latin typeface="Calibri"/>
-              </a:rPr>
-              <a:t>Einschränkungen für bessere Ergebnisse, z.B.</a:t>
-            </a:r>
-            <a:endParaRPr/>
-          </a:p>
-          <a:p>
-            <a:pPr marL="864000" lvl="1" indent="-324000">
-              <a:buSzPct val="45000"/>
-              <a:buFont typeface="Wingdings" charset="2"/>
-              <a:buChar char=""/>
-            </a:pPr>
-            <a:r>
-              <a:rPr lang="de-DE" sz="2800" strike="noStrike" spc="-1">
-                <a:solidFill>
-                  <a:srgbClr val="000000"/>
-                </a:solidFill>
-                <a:uFill>
-                  <a:solidFill>
-                    <a:srgbClr val="FFFFFF"/>
-                  </a:solidFill>
-                </a:uFill>
-                <a:latin typeface="Calibri"/>
-              </a:rPr>
-              <a:t>Nur Regeln mit einem einzigen Feature in der Vorraussetzung</a:t>
-            </a:r>
-            <a:endParaRPr/>
-          </a:p>
-          <a:p>
-            <a:pPr marL="864000" lvl="1" indent="-324000">
-              <a:buSzPct val="45000"/>
-              <a:buFont typeface="Wingdings" charset="2"/>
-              <a:buChar char=""/>
-            </a:pPr>
-            <a:r>
-              <a:rPr lang="de-DE" sz="2800" strike="noStrike" spc="-1">
-                <a:solidFill>
-                  <a:srgbClr val="000000"/>
-                </a:solidFill>
-                <a:uFill>
-                  <a:solidFill>
-                    <a:srgbClr val="FFFFFF"/>
-                  </a:solidFill>
-                </a:uFill>
-                <a:latin typeface="Calibri"/>
-              </a:rPr>
-              <a:t>Nur Schritt 7 betrachten (Ja/Nein Features)</a:t>
-            </a:r>
-            <a:endParaRPr/>
-          </a:p>
-          <a:p>
-            <a:pPr marL="864000" lvl="1" indent="-324000">
-              <a:buSzPct val="45000"/>
-              <a:buFont typeface="Wingdings" charset="2"/>
-              <a:buChar char=""/>
-            </a:pPr>
-            <a:r>
-              <a:rPr lang="de-DE" sz="2800" strike="noStrike" spc="-1">
-                <a:solidFill>
-                  <a:srgbClr val="000000"/>
-                </a:solidFill>
-                <a:uFill>
-                  <a:solidFill>
-                    <a:srgbClr val="FFFFFF"/>
-                  </a:solidFill>
-                </a:uFill>
-                <a:latin typeface="Calibri"/>
-              </a:rPr>
-              <a:t>Nur Regeln mit Paketen als Voraussetzung</a:t>
-            </a:r>
+            </a:pPr>
             <a:endParaRPr/>
           </a:p>
           <a:p>
@@ -10220,7 +10880,7 @@
       </p:grpSpPr>
       <p:sp>
         <p:nvSpPr>
-          <p:cNvPr id="93" name="TextShape 1"/>
+          <p:cNvPr id="91" name="TextShape 1"/>
           <p:cNvSpPr txBox="1"/>
           <p:nvPr/>
         </p:nvSpPr>
@@ -10258,22 +10918,22 @@
                 </a:uFill>
                 <a:latin typeface="Calibri Light"/>
               </a:rPr>
-              <a:t>Assoziationsregeln – Pakete</a:t>
-            </a:r>
-            <a:endParaRPr/>
-          </a:p>
-        </p:txBody>
-      </p:sp>
-      <p:sp>
-        <p:nvSpPr>
-          <p:cNvPr id="94" name="TextShape 2"/>
+              <a:t>Assoziationsregeln</a:t>
+            </a:r>
+            <a:endParaRPr/>
+          </a:p>
+        </p:txBody>
+      </p:sp>
+      <p:sp>
+        <p:nvSpPr>
+          <p:cNvPr id="92" name="TextShape 2"/>
           <p:cNvSpPr txBox="1"/>
           <p:nvPr/>
         </p:nvSpPr>
         <p:spPr>
           <a:xfrm>
-            <a:off x="838080" y="1584000"/>
-            <a:ext cx="10515240" cy="4592520"/>
+            <a:off x="838080" y="1825560"/>
+            <a:ext cx="10515240" cy="4350960"/>
           </a:xfrm>
           <a:prstGeom prst="rect">
             <a:avLst/>
@@ -10291,11 +10951,12 @@
               <a:lnSpc>
                 <a:spcPct val="90000"/>
               </a:lnSpc>
-              <a:buFont typeface="Arial"/>
-              <a:buChar char="•"/>
-            </a:pPr>
-            <a:r>
-              <a:rPr lang="de-DE" sz="1800" strike="noStrike" spc="-1">
+              <a:buSzPct val="45000"/>
+              <a:buFont typeface="Wingdings" charset="2"/>
+              <a:buChar char=""/>
+            </a:pPr>
+            <a:r>
+              <a:rPr lang="de-DE" sz="2800" strike="noStrike" spc="-1">
                 <a:solidFill>
                   <a:srgbClr val="000000"/>
                 </a:solidFill>
@@ -10306,31 +10967,7 @@
                 </a:uFill>
                 <a:latin typeface="Calibri"/>
               </a:rPr>
-              <a:t>Einschränkung auf Regeln mit Paketen als Voraussetzung:</a:t>
-            </a:r>
-            <a:endParaRPr/>
-          </a:p>
-          <a:p>
-            <a:pPr marL="228600" indent="-228240">
-              <a:lnSpc>
-                <a:spcPct val="90000"/>
-              </a:lnSpc>
-              <a:buFont typeface="Arial"/>
-              <a:buChar char="•"/>
-            </a:pPr>
-            <a:r>
-              <a:rPr lang="de-DE" sz="1800" strike="noStrike" spc="-1">
-                <a:solidFill>
-                  <a:srgbClr val="000000"/>
-                </a:solidFill>
-                <a:uFill>
-                  <a:solidFill>
-                    <a:srgbClr val="FFFFFF"/>
-                  </a:solidFill>
-                </a:uFill>
-                <a:latin typeface="Calibri"/>
-              </a:rPr>
-              <a:t>Kunden die Sportpaket wählen (2.7%) wollen auch:</a:t>
+              <a:t>Einfache Sortierung nach Konfidenz:</a:t>
             </a:r>
             <a:endParaRPr/>
           </a:p>
@@ -10344,7 +10981,7 @@
               <a:buChar char=""/>
             </a:pPr>
             <a:r>
-              <a:rPr lang="de-DE" sz="1800" strike="noStrike" spc="-1">
+              <a:rPr lang="de-DE" sz="2800" strike="noStrike" spc="-1">
                 <a:solidFill>
                   <a:srgbClr val="000000"/>
                 </a:solidFill>
@@ -10355,7 +10992,7 @@
                 </a:uFill>
                 <a:latin typeface="Calibri"/>
               </a:rPr>
-              <a:t>Parkassistent (77%)</a:t>
+              <a:t>Erzwungene Zusammenhänge werden sichtbar</a:t>
             </a:r>
             <a:endParaRPr/>
           </a:p>
@@ -10369,7 +11006,7 @@
               <a:buChar char=""/>
             </a:pPr>
             <a:r>
-              <a:rPr lang="de-DE" sz="1800" strike="noStrike" spc="-1">
+              <a:rPr lang="de-DE" sz="2800" strike="noStrike" spc="-1">
                 <a:solidFill>
                   <a:srgbClr val="000000"/>
                 </a:solidFill>
@@ -10380,7 +11017,7 @@
                 </a:uFill>
                 <a:latin typeface="Calibri"/>
               </a:rPr>
-              <a:t>Navigationssystem Business (68%)</a:t>
+              <a:t>z.B. Line=Luxury hängt zu 100% mit "Luxury" Rädern und Edelholzleisten zusammen.</a:t>
             </a:r>
             <a:endParaRPr/>
           </a:p>
@@ -10390,11 +11027,11 @@
                 <a:srgbClr val="FFFFFF"/>
               </a:buClr>
               <a:buSzPct val="75000"/>
-              <a:buFont typeface="Symbol" charset="2"/>
-              <a:buChar char=""/>
-            </a:pPr>
-            <a:r>
-              <a:rPr lang="de-DE" sz="1800" strike="noStrike" spc="-1">
+              <a:buFont typeface="Wingdings" charset="2"/>
+              <a:buChar char=""/>
+            </a:pPr>
+            <a:r>
+              <a:rPr lang="de-DE" sz="2800" strike="noStrike" spc="-1">
                 <a:solidFill>
                   <a:srgbClr val="000000"/>
                 </a:solidFill>
@@ -10405,179 +11042,99 @@
                 </a:uFill>
                 <a:latin typeface="Calibri"/>
               </a:rPr>
-              <a:t>alle anderen Optionen nur mit &lt; 65%</a:t>
+              <a:t>Assoziationen mit Konfidenz=100% eher uninteressant</a:t>
             </a:r>
             <a:endParaRPr/>
           </a:p>
           <a:p>
             <a:pPr marL="228600" indent="-228240">
-              <a:buFont typeface="Arial"/>
-              <a:buChar char="•"/>
-            </a:pPr>
-            <a:r>
-              <a:rPr lang="de-DE" sz="1800" strike="noStrike" spc="-1">
-                <a:solidFill>
-                  <a:srgbClr val="000000"/>
-                </a:solidFill>
-                <a:uFill>
-                  <a:solidFill>
-                    <a:srgbClr val="FFFFFF"/>
-                  </a:solidFill>
-                </a:uFill>
-                <a:latin typeface="Calibri"/>
-              </a:rPr>
-              <a:t>Kunden die Comfortpaket (24.7%) wählen (24.7%) wollen alle Optionen nur mit &lt; 65% Wsk.</a:t>
-            </a:r>
-            <a:endParaRPr/>
-          </a:p>
-          <a:p>
-            <a:pPr marL="228600" indent="-228240">
-              <a:buFont typeface="Arial"/>
-              <a:buChar char="•"/>
-            </a:pPr>
-            <a:r>
-              <a:rPr lang="de-DE" sz="1800" strike="noStrike" spc="-1">
-                <a:solidFill>
-                  <a:srgbClr val="000000"/>
-                </a:solidFill>
-                <a:uFill>
-                  <a:solidFill>
-                    <a:srgbClr val="FFFFFF"/>
-                  </a:solidFill>
-                </a:uFill>
-                <a:latin typeface="Calibri"/>
-              </a:rPr>
-              <a:t>Kunden die Ablagenpaket wählen (15.2%) wollen alle Optionen nur mit &lt; 65% Wsk.</a:t>
-            </a:r>
-            <a:endParaRPr/>
-          </a:p>
-          <a:p>
-            <a:pPr marL="228600" indent="-228240">
-              <a:buFont typeface="Arial"/>
-              <a:buChar char="•"/>
-            </a:pPr>
-            <a:r>
-              <a:rPr lang="de-DE" sz="1800" strike="noStrike" spc="-1">
-                <a:solidFill>
-                  <a:srgbClr val="000000"/>
-                </a:solidFill>
-                <a:uFill>
-                  <a:solidFill>
-                    <a:srgbClr val="FFFFFF"/>
-                  </a:solidFill>
-                </a:uFill>
-                <a:latin typeface="Calibri"/>
-              </a:rPr>
-              <a:t>Kunden die Lichtpaket Interieur wählen (20%) wollen auch:</a:t>
-            </a:r>
-            <a:endParaRPr/>
-          </a:p>
-          <a:p>
-            <a:pPr marL="864000" lvl="1" indent="-324000">
-              <a:buClr>
-                <a:srgbClr val="FFFFFF"/>
-              </a:buClr>
-              <a:buSzPct val="75000"/>
-              <a:buFont typeface="Symbol" charset="2"/>
-              <a:buChar char=""/>
-            </a:pPr>
-            <a:r>
-              <a:rPr lang="de-DE" sz="1800" strike="noStrike" spc="-1">
-                <a:solidFill>
-                  <a:srgbClr val="000000"/>
-                </a:solidFill>
-                <a:uFill>
-                  <a:solidFill>
-                    <a:srgbClr val="FFFFFF"/>
-                  </a:solidFill>
-                </a:uFill>
-                <a:latin typeface="Calibri"/>
-              </a:rPr>
-              <a:t>Xenonlicht für Abblend- und Fernlicht (73%)</a:t>
-            </a:r>
-            <a:endParaRPr/>
-          </a:p>
-          <a:p>
-            <a:pPr marL="864000" lvl="1" indent="-324000">
-              <a:buClr>
-                <a:srgbClr val="FFFFFF"/>
-              </a:buClr>
-              <a:buSzPct val="75000"/>
-              <a:buFont typeface="Symbol" charset="2"/>
-              <a:buChar char=""/>
-            </a:pPr>
-            <a:r>
-              <a:rPr lang="de-DE" sz="1800" strike="noStrike" spc="-1">
-                <a:solidFill>
-                  <a:srgbClr val="000000"/>
-                </a:solidFill>
-                <a:uFill>
-                  <a:solidFill>
-                    <a:srgbClr val="FFFFFF"/>
-                  </a:solidFill>
-                </a:uFill>
-                <a:latin typeface="Calibri"/>
-              </a:rPr>
-              <a:t>Klimaautomatik, 2 Zonen (71%)</a:t>
-            </a:r>
-            <a:endParaRPr/>
-          </a:p>
-          <a:p>
-            <a:pPr marL="864000" lvl="1" indent="-324000">
-              <a:buClr>
-                <a:srgbClr val="FFFFFF"/>
-              </a:buClr>
-              <a:buSzPct val="75000"/>
-              <a:buFont typeface="Symbol" charset="2"/>
-              <a:buChar char=""/>
-            </a:pPr>
-            <a:r>
-              <a:rPr lang="de-DE" sz="1800" strike="noStrike" spc="-1">
-                <a:solidFill>
-                  <a:srgbClr val="000000"/>
-                </a:solidFill>
-                <a:uFill>
-                  <a:solidFill>
-                    <a:srgbClr val="FFFFFF"/>
-                  </a:solidFill>
-                </a:uFill>
-                <a:latin typeface="Calibri"/>
-              </a:rPr>
-              <a:t>Sitzheizung (71%)</a:t>
-            </a:r>
-            <a:endParaRPr/>
-          </a:p>
-          <a:p>
-            <a:pPr marL="864000" lvl="1" indent="-324000">
-              <a:buClr>
-                <a:srgbClr val="FFFFFF"/>
-              </a:buClr>
-              <a:buSzPct val="75000"/>
-              <a:buFont typeface="Symbol" charset="2"/>
-              <a:buChar char=""/>
-            </a:pPr>
-            <a:r>
-              <a:rPr lang="de-DE" sz="1800" strike="noStrike" spc="-1">
-                <a:solidFill>
-                  <a:srgbClr val="000000"/>
-                </a:solidFill>
-                <a:uFill>
-                  <a:solidFill>
-                    <a:srgbClr val="FFFFFF"/>
-                  </a:solidFill>
-                </a:uFill>
-                <a:latin typeface="Calibri"/>
-              </a:rPr>
-              <a:t>Parkassistent (70%)</a:t>
-            </a:r>
-            <a:endParaRPr/>
-          </a:p>
-          <a:p>
-            <a:pPr>
               <a:lnSpc>
                 <a:spcPct val="90000"/>
               </a:lnSpc>
-            </a:pPr>
+              <a:buSzPct val="45000"/>
+              <a:buFont typeface="Wingdings" charset="2"/>
+              <a:buChar char=""/>
+            </a:pPr>
+            <a:r>
+              <a:rPr lang="de-DE" sz="2800" strike="noStrike" spc="-1">
+                <a:solidFill>
+                  <a:srgbClr val="000000"/>
+                </a:solidFill>
+                <a:uFill>
+                  <a:solidFill>
+                    <a:srgbClr val="FFFFFF"/>
+                  </a:solidFill>
+                </a:uFill>
+                <a:latin typeface="Calibri"/>
+              </a:rPr>
+              <a:t>Einschränkungen für bessere Ergebnisse, z.B.</a:t>
+            </a:r>
+            <a:endParaRPr/>
+          </a:p>
+          <a:p>
+            <a:pPr marL="864000" lvl="1" indent="-324000">
+              <a:buSzPct val="45000"/>
+              <a:buFont typeface="Wingdings" charset="2"/>
+              <a:buChar char=""/>
+            </a:pPr>
+            <a:r>
+              <a:rPr lang="de-DE" sz="2800" strike="noStrike" spc="-1">
+                <a:solidFill>
+                  <a:srgbClr val="000000"/>
+                </a:solidFill>
+                <a:uFill>
+                  <a:solidFill>
+                    <a:srgbClr val="FFFFFF"/>
+                  </a:solidFill>
+                </a:uFill>
+                <a:latin typeface="Calibri"/>
+              </a:rPr>
+              <a:t>Nur Regeln mit einem einzigen Feature in der Vorraussetzung</a:t>
+            </a:r>
+            <a:endParaRPr/>
+          </a:p>
+          <a:p>
+            <a:pPr marL="864000" lvl="1" indent="-324000">
+              <a:buSzPct val="45000"/>
+              <a:buFont typeface="Wingdings" charset="2"/>
+              <a:buChar char=""/>
+            </a:pPr>
+            <a:r>
+              <a:rPr lang="de-DE" sz="2800" strike="noStrike" spc="-1">
+                <a:solidFill>
+                  <a:srgbClr val="000000"/>
+                </a:solidFill>
+                <a:uFill>
+                  <a:solidFill>
+                    <a:srgbClr val="FFFFFF"/>
+                  </a:solidFill>
+                </a:uFill>
+                <a:latin typeface="Calibri"/>
+              </a:rPr>
+              <a:t>Nur Schritt 7 betrachten (Ja/Nein Features)</a:t>
+            </a:r>
+            <a:endParaRPr/>
+          </a:p>
+          <a:p>
+            <a:pPr marL="864000" lvl="1" indent="-324000">
+              <a:buSzPct val="45000"/>
+              <a:buFont typeface="Wingdings" charset="2"/>
+              <a:buChar char=""/>
+            </a:pPr>
+            <a:r>
+              <a:rPr lang="de-DE" sz="2800" strike="noStrike" spc="-1">
+                <a:solidFill>
+                  <a:srgbClr val="000000"/>
+                </a:solidFill>
+                <a:uFill>
+                  <a:solidFill>
+                    <a:srgbClr val="FFFFFF"/>
+                  </a:solidFill>
+                </a:uFill>
+                <a:latin typeface="Calibri"/>
+              </a:rPr>
+              <a:t>Nur Regeln mit Paketen als Voraussetzung</a:t>
+            </a:r>
             <a:endParaRPr/>
           </a:p>
           <a:p>
@@ -11176,4 +11733,324 @@
   <a:objectDefaults/>
   <a:extraClrSchemeLst/>
 </a:theme>
+</file>
+
+<file path=ppt/theme/theme3.xml><?xml version="1.0" encoding="utf-8"?>
+<a:theme xmlns:a="http://schemas.openxmlformats.org/drawingml/2006/main" name="Office-Design">
+  <a:themeElements>
+    <a:clrScheme name="Office">
+      <a:dk1>
+        <a:sysClr val="windowText" lastClr="000000"/>
+      </a:dk1>
+      <a:lt1>
+        <a:sysClr val="window" lastClr="FFFFFF"/>
+      </a:lt1>
+      <a:dk2>
+        <a:srgbClr val="1F497D"/>
+      </a:dk2>
+      <a:lt2>
+        <a:srgbClr val="EEECE1"/>
+      </a:lt2>
+      <a:accent1>
+        <a:srgbClr val="4F81BD"/>
+      </a:accent1>
+      <a:accent2>
+        <a:srgbClr val="C0504D"/>
+      </a:accent2>
+      <a:accent3>
+        <a:srgbClr val="9BBB59"/>
+      </a:accent3>
+      <a:accent4>
+        <a:srgbClr val="8064A2"/>
+      </a:accent4>
+      <a:accent5>
+        <a:srgbClr val="4BACC6"/>
+      </a:accent5>
+      <a:accent6>
+        <a:srgbClr val="F79646"/>
+      </a:accent6>
+      <a:hlink>
+        <a:srgbClr val="0000FF"/>
+      </a:hlink>
+      <a:folHlink>
+        <a:srgbClr val="800080"/>
+      </a:folHlink>
+    </a:clrScheme>
+    <a:fontScheme name="Office">
+      <a:majorFont>
+        <a:latin typeface="Calibri"/>
+        <a:ea typeface=""/>
+        <a:cs typeface=""/>
+        <a:font script="Jpan" typeface="ＭＳ Ｐゴシック"/>
+        <a:font script="Hang" typeface="맑은 고딕"/>
+        <a:font script="Hans" typeface="宋体"/>
+        <a:font script="Hant" typeface="新細明體"/>
+        <a:font script="Arab" typeface="Times New Roman"/>
+        <a:font script="Hebr" typeface="Times New Roman"/>
+        <a:font script="Thai" typeface="Angsana New"/>
+        <a:font script="Ethi" typeface="Nyala"/>
+        <a:font script="Beng" typeface="Vrinda"/>
+        <a:font script="Gujr" typeface="Shruti"/>
+        <a:font script="Khmr" typeface="MoolBoran"/>
+        <a:font script="Knda" typeface="Tunga"/>
+        <a:font script="Guru" typeface="Raavi"/>
+        <a:font script="Cans" typeface="Euphemia"/>
+        <a:font script="Cher" typeface="Plantagenet Cherokee"/>
+        <a:font script="Yiii" typeface="Microsoft Yi Baiti"/>
+        <a:font script="Tibt" typeface="Microsoft Himalaya"/>
+        <a:font script="Thaa" typeface="MV Boli"/>
+        <a:font script="Deva" typeface="Mangal"/>
+        <a:font script="Telu" typeface="Gautami"/>
+        <a:font script="Taml" typeface="Latha"/>
+        <a:font script="Syrc" typeface="Estrangelo Edessa"/>
+        <a:font script="Orya" typeface="Kalinga"/>
+        <a:font script="Mlym" typeface="Kartika"/>
+        <a:font script="Laoo" typeface="DokChampa"/>
+        <a:font script="Sinh" typeface="Iskoola Pota"/>
+        <a:font script="Mong" typeface="Mongolian Baiti"/>
+        <a:font script="Viet" typeface="Times New Roman"/>
+        <a:font script="Uigh" typeface="Microsoft Uighur"/>
+        <a:font script="Geor" typeface="Sylfaen"/>
+      </a:majorFont>
+      <a:minorFont>
+        <a:latin typeface="Calibri"/>
+        <a:ea typeface=""/>
+        <a:cs typeface=""/>
+        <a:font script="Jpan" typeface="ＭＳ Ｐゴシック"/>
+        <a:font script="Hang" typeface="맑은 고딕"/>
+        <a:font script="Hans" typeface="宋体"/>
+        <a:font script="Hant" typeface="新細明體"/>
+        <a:font script="Arab" typeface="Arial"/>
+        <a:font script="Hebr" typeface="Arial"/>
+        <a:font script="Thai" typeface="Cordia New"/>
+        <a:font script="Ethi" typeface="Nyala"/>
+        <a:font script="Beng" typeface="Vrinda"/>
+        <a:font script="Gujr" typeface="Shruti"/>
+        <a:font script="Khmr" typeface="DaunPenh"/>
+        <a:font script="Knda" typeface="Tunga"/>
+        <a:font script="Guru" typeface="Raavi"/>
+        <a:font script="Cans" typeface="Euphemia"/>
+        <a:font script="Cher" typeface="Plantagenet Cherokee"/>
+        <a:font script="Yiii" typeface="Microsoft Yi Baiti"/>
+        <a:font script="Tibt" typeface="Microsoft Himalaya"/>
+        <a:font script="Thaa" typeface="MV Boli"/>
+        <a:font script="Deva" typeface="Mangal"/>
+        <a:font script="Telu" typeface="Gautami"/>
+        <a:font script="Taml" typeface="Latha"/>
+        <a:font script="Syrc" typeface="Estrangelo Edessa"/>
+        <a:font script="Orya" typeface="Kalinga"/>
+        <a:font script="Mlym" typeface="Kartika"/>
+        <a:font script="Laoo" typeface="DokChampa"/>
+        <a:font script="Sinh" typeface="Iskoola Pota"/>
+        <a:font script="Mong" typeface="Mongolian Baiti"/>
+        <a:font script="Viet" typeface="Arial"/>
+        <a:font script="Uigh" typeface="Microsoft Uighur"/>
+        <a:font script="Geor" typeface="Sylfaen"/>
+      </a:minorFont>
+    </a:fontScheme>
+    <a:fmtScheme name="Office">
+      <a:fillStyleLst>
+        <a:solidFill>
+          <a:schemeClr val="phClr"/>
+        </a:solidFill>
+        <a:gradFill rotWithShape="1">
+          <a:gsLst>
+            <a:gs pos="0">
+              <a:schemeClr val="phClr">
+                <a:tint val="50000"/>
+                <a:satMod val="300000"/>
+              </a:schemeClr>
+            </a:gs>
+            <a:gs pos="35000">
+              <a:schemeClr val="phClr">
+                <a:tint val="37000"/>
+                <a:satMod val="300000"/>
+              </a:schemeClr>
+            </a:gs>
+            <a:gs pos="100000">
+              <a:schemeClr val="phClr">
+                <a:tint val="15000"/>
+                <a:satMod val="350000"/>
+              </a:schemeClr>
+            </a:gs>
+          </a:gsLst>
+          <a:lin ang="16200000" scaled="1"/>
+        </a:gradFill>
+        <a:gradFill rotWithShape="1">
+          <a:gsLst>
+            <a:gs pos="0">
+              <a:schemeClr val="phClr">
+                <a:tint val="100000"/>
+                <a:shade val="100000"/>
+                <a:satMod val="130000"/>
+              </a:schemeClr>
+            </a:gs>
+            <a:gs pos="100000">
+              <a:schemeClr val="phClr">
+                <a:tint val="50000"/>
+                <a:shade val="100000"/>
+                <a:satMod val="350000"/>
+              </a:schemeClr>
+            </a:gs>
+          </a:gsLst>
+          <a:lin ang="16200000" scaled="0"/>
+        </a:gradFill>
+      </a:fillStyleLst>
+      <a:lnStyleLst>
+        <a:ln w="9525" cap="flat" cmpd="sng" algn="ctr">
+          <a:solidFill>
+            <a:schemeClr val="phClr">
+              <a:shade val="95000"/>
+              <a:satMod val="105000"/>
+            </a:schemeClr>
+          </a:solidFill>
+          <a:prstDash val="solid"/>
+        </a:ln>
+        <a:ln w="25400" cap="flat" cmpd="sng" algn="ctr">
+          <a:solidFill>
+            <a:schemeClr val="phClr"/>
+          </a:solidFill>
+          <a:prstDash val="solid"/>
+        </a:ln>
+        <a:ln w="38100" cap="flat" cmpd="sng" algn="ctr">
+          <a:solidFill>
+            <a:schemeClr val="phClr"/>
+          </a:solidFill>
+          <a:prstDash val="solid"/>
+        </a:ln>
+      </a:lnStyleLst>
+      <a:effectStyleLst>
+        <a:effectStyle>
+          <a:effectLst>
+            <a:outerShdw blurRad="40000" dist="20000" dir="5400000" rotWithShape="0">
+              <a:srgbClr val="000000">
+                <a:alpha val="38000"/>
+              </a:srgbClr>
+            </a:outerShdw>
+          </a:effectLst>
+        </a:effectStyle>
+        <a:effectStyle>
+          <a:effectLst>
+            <a:outerShdw blurRad="40000" dist="23000" dir="5400000" rotWithShape="0">
+              <a:srgbClr val="000000">
+                <a:alpha val="35000"/>
+              </a:srgbClr>
+            </a:outerShdw>
+          </a:effectLst>
+        </a:effectStyle>
+        <a:effectStyle>
+          <a:effectLst>
+            <a:outerShdw blurRad="40000" dist="23000" dir="5400000" rotWithShape="0">
+              <a:srgbClr val="000000">
+                <a:alpha val="35000"/>
+              </a:srgbClr>
+            </a:outerShdw>
+          </a:effectLst>
+          <a:scene3d>
+            <a:camera prst="orthographicFront">
+              <a:rot lat="0" lon="0" rev="0"/>
+            </a:camera>
+            <a:lightRig rig="threePt" dir="t">
+              <a:rot lat="0" lon="0" rev="1200000"/>
+            </a:lightRig>
+          </a:scene3d>
+          <a:sp3d>
+            <a:bevelT w="63500" h="25400"/>
+          </a:sp3d>
+        </a:effectStyle>
+      </a:effectStyleLst>
+      <a:bgFillStyleLst>
+        <a:solidFill>
+          <a:schemeClr val="phClr"/>
+        </a:solidFill>
+        <a:gradFill rotWithShape="1">
+          <a:gsLst>
+            <a:gs pos="0">
+              <a:schemeClr val="phClr">
+                <a:tint val="40000"/>
+                <a:satMod val="350000"/>
+              </a:schemeClr>
+            </a:gs>
+            <a:gs pos="40000">
+              <a:schemeClr val="phClr">
+                <a:tint val="45000"/>
+                <a:shade val="99000"/>
+                <a:satMod val="350000"/>
+              </a:schemeClr>
+            </a:gs>
+            <a:gs pos="100000">
+              <a:schemeClr val="phClr">
+                <a:shade val="20000"/>
+                <a:satMod val="255000"/>
+              </a:schemeClr>
+            </a:gs>
+          </a:gsLst>
+          <a:path path="circle">
+            <a:fillToRect l="50000" t="-80000" r="50000" b="180000"/>
+          </a:path>
+        </a:gradFill>
+        <a:gradFill rotWithShape="1">
+          <a:gsLst>
+            <a:gs pos="0">
+              <a:schemeClr val="phClr">
+                <a:tint val="80000"/>
+                <a:satMod val="300000"/>
+              </a:schemeClr>
+            </a:gs>
+            <a:gs pos="100000">
+              <a:schemeClr val="phClr">
+                <a:shade val="30000"/>
+                <a:satMod val="200000"/>
+              </a:schemeClr>
+            </a:gs>
+          </a:gsLst>
+          <a:path path="circle">
+            <a:fillToRect l="50000" t="50000" r="50000" b="50000"/>
+          </a:path>
+        </a:gradFill>
+      </a:bgFillStyleLst>
+    </a:fmtScheme>
+  </a:themeElements>
+  <a:objectDefaults>
+    <a:spDef>
+      <a:spPr/>
+      <a:bodyPr/>
+      <a:lstStyle/>
+      <a:style>
+        <a:lnRef idx="1">
+          <a:schemeClr val="accent1"/>
+        </a:lnRef>
+        <a:fillRef idx="3">
+          <a:schemeClr val="accent1"/>
+        </a:fillRef>
+        <a:effectRef idx="2">
+          <a:schemeClr val="accent1"/>
+        </a:effectRef>
+        <a:fontRef idx="minor">
+          <a:schemeClr val="lt1"/>
+        </a:fontRef>
+      </a:style>
+    </a:spDef>
+    <a:lnDef>
+      <a:spPr/>
+      <a:bodyPr/>
+      <a:lstStyle/>
+      <a:style>
+        <a:lnRef idx="2">
+          <a:schemeClr val="accent1"/>
+        </a:lnRef>
+        <a:fillRef idx="0">
+          <a:schemeClr val="accent1"/>
+        </a:fillRef>
+        <a:effectRef idx="1">
+          <a:schemeClr val="accent1"/>
+        </a:effectRef>
+        <a:fontRef idx="minor">
+          <a:schemeClr val="tx1"/>
+        </a:fontRef>
+      </a:style>
+    </a:lnDef>
+  </a:objectDefaults>
+  <a:extraClrSchemeLst/>
+</a:theme>
 </file>